--- a/factoreview/src/assets/자료/DB구조도.pptx
+++ b/factoreview/src/assets/자료/DB구조도.pptx
@@ -7,9 +7,11 @@
   <p:sldIdLst>
     <p:sldId id="256" r:id="rId2"/>
     <p:sldId id="257" r:id="rId3"/>
-    <p:sldId id="258" r:id="rId4"/>
-    <p:sldId id="260" r:id="rId5"/>
-    <p:sldId id="259" r:id="rId6"/>
+    <p:sldId id="261" r:id="rId4"/>
+    <p:sldId id="258" r:id="rId5"/>
+    <p:sldId id="262" r:id="rId6"/>
+    <p:sldId id="260" r:id="rId7"/>
+    <p:sldId id="259" r:id="rId8"/>
   </p:sldIdLst>
   <p:sldSz cx="12192000" cy="6858000"/>
   <p:notesSz cx="6858000" cy="9144000"/>
@@ -108,6 +110,11 @@
       </a:defRPr>
     </a:lvl9pPr>
   </p:defaultTextStyle>
+  <p:extLst>
+    <p:ext uri="{EFAFB233-063F-42B5-8137-9DF3F51BA10A}">
+      <p15:sldGuideLst xmlns:p15="http://schemas.microsoft.com/office/powerpoint/2012/main"/>
+    </p:ext>
+  </p:extLst>
 </p:presentation>
 </file>
 
@@ -7366,14 +7373,14 @@
           <p:nvPr>
             <p:extLst>
               <p:ext uri="{D42A27DB-BD31-4B8C-83A1-F6EECF244321}">
-                <p14:modId xmlns:p14="http://schemas.microsoft.com/office/powerpoint/2010/main" val="2544716781"/>
+                <p14:modId xmlns:p14="http://schemas.microsoft.com/office/powerpoint/2010/main" val="37256220"/>
               </p:ext>
             </p:extLst>
           </p:nvPr>
         </p:nvGraphicFramePr>
         <p:xfrm>
           <a:off x="243980" y="630314"/>
-          <a:ext cx="10524636" cy="5885892"/>
+          <a:ext cx="10524636" cy="4904910"/>
         </p:xfrm>
         <a:graphic>
           <a:graphicData uri="http://schemas.openxmlformats.org/drawingml/2006/table">
@@ -7893,6 +7900,10 @@
                     <a:lstStyle/>
                     <a:p>
                       <a:pPr latinLnBrk="1"/>
+                      <a:r>
+                        <a:rPr lang="en-US" altLang="ko-KR" sz="1700" dirty="0"/>
+                        <a:t>M_ID</a:t>
+                      </a:r>
                       <a:endParaRPr lang="ko-KR" altLang="en-US" sz="1700" dirty="0"/>
                     </a:p>
                   </a:txBody>
@@ -7944,6 +7955,10 @@
                     <a:lstStyle/>
                     <a:p>
                       <a:pPr latinLnBrk="1"/>
+                      <a:r>
+                        <a:rPr lang="en-US" altLang="ko-KR" sz="1700" dirty="0"/>
+                        <a:t>VARCHAR(20)</a:t>
+                      </a:r>
                       <a:endParaRPr lang="ko-KR" altLang="en-US" sz="1700" dirty="0"/>
                     </a:p>
                   </a:txBody>
@@ -7995,6 +8010,10 @@
                     <a:lstStyle/>
                     <a:p>
                       <a:pPr latinLnBrk="1"/>
+                      <a:r>
+                        <a:rPr lang="en-US" altLang="ko-KR" sz="1700" dirty="0"/>
+                        <a:t>NO</a:t>
+                      </a:r>
                       <a:endParaRPr lang="ko-KR" altLang="en-US" sz="1700" dirty="0"/>
                     </a:p>
                   </a:txBody>
@@ -8046,6 +8065,10 @@
                     <a:lstStyle/>
                     <a:p>
                       <a:pPr latinLnBrk="1"/>
+                      <a:r>
+                        <a:rPr lang="en-US" altLang="ko-KR" sz="1700" dirty="0"/>
+                        <a:t>PK</a:t>
+                      </a:r>
                       <a:endParaRPr lang="ko-KR" altLang="en-US" sz="1700" dirty="0"/>
                     </a:p>
                   </a:txBody>
@@ -8148,6 +8171,10 @@
                     <a:lstStyle/>
                     <a:p>
                       <a:pPr latinLnBrk="1"/>
+                      <a:r>
+                        <a:rPr lang="en-US" altLang="ko-KR" sz="1700" dirty="0"/>
+                        <a:t>utf8mb3_bin</a:t>
+                      </a:r>
                       <a:endParaRPr lang="ko-KR" altLang="en-US" sz="1700" dirty="0"/>
                     </a:p>
                   </a:txBody>
@@ -8206,6 +8233,10 @@
                     <a:lstStyle/>
                     <a:p>
                       <a:pPr latinLnBrk="1"/>
+                      <a:r>
+                        <a:rPr lang="en-US" altLang="ko-KR" sz="1700" dirty="0"/>
+                        <a:t>M_PW</a:t>
+                      </a:r>
                       <a:endParaRPr lang="ko-KR" altLang="en-US" sz="1700" dirty="0"/>
                     </a:p>
                   </a:txBody>
@@ -8256,8 +8287,54 @@
                     <a:bodyPr/>
                     <a:lstStyle/>
                     <a:p>
-                      <a:pPr latinLnBrk="1"/>
-                      <a:endParaRPr lang="ko-KR" altLang="en-US" sz="1700" dirty="0"/>
+                      <a:pPr marL="0" marR="0" lvl="0" indent="0" algn="l" defTabSz="914400" rtl="0" eaLnBrk="1" fontAlgn="auto" latinLnBrk="1" hangingPunct="1">
+                        <a:lnSpc>
+                          <a:spcPct val="100000"/>
+                        </a:lnSpc>
+                        <a:spcBef>
+                          <a:spcPts val="0"/>
+                        </a:spcBef>
+                        <a:spcAft>
+                          <a:spcPts val="0"/>
+                        </a:spcAft>
+                        <a:buClrTx/>
+                        <a:buSzTx/>
+                        <a:buFontTx/>
+                        <a:buNone/>
+                        <a:tabLst/>
+                        <a:defRPr/>
+                      </a:pPr>
+                      <a:r>
+                        <a:rPr kumimoji="0" lang="en-US" altLang="ko-KR" sz="1700" b="0" i="0" u="none" strike="noStrike" kern="1200" cap="none" spc="0" normalizeH="0" baseline="0" noProof="0">
+                          <a:ln>
+                            <a:noFill/>
+                          </a:ln>
+                          <a:solidFill>
+                            <a:prstClr val="black"/>
+                          </a:solidFill>
+                          <a:effectLst/>
+                          <a:uLnTx/>
+                          <a:uFillTx/>
+                          <a:latin typeface="맑은 고딕" panose="020F0502020204030204"/>
+                          <a:ea typeface="맑은 고딕" panose="020B0503020000020004" pitchFamily="50" charset="-127"/>
+                          <a:cs typeface="+mn-cs"/>
+                        </a:rPr>
+                        <a:t>VARCHAR(20)</a:t>
+                      </a:r>
+                      <a:endParaRPr kumimoji="0" lang="ko-KR" altLang="en-US" sz="1700" b="0" i="0" u="none" strike="noStrike" kern="1200" cap="none" spc="0" normalizeH="0" baseline="0" noProof="0" dirty="0">
+                        <a:ln>
+                          <a:noFill/>
+                        </a:ln>
+                        <a:solidFill>
+                          <a:prstClr val="black"/>
+                        </a:solidFill>
+                        <a:effectLst/>
+                        <a:uLnTx/>
+                        <a:uFillTx/>
+                        <a:latin typeface="맑은 고딕" panose="020F0502020204030204"/>
+                        <a:ea typeface="맑은 고딕" panose="020B0503020000020004" pitchFamily="50" charset="-127"/>
+                        <a:cs typeface="+mn-cs"/>
+                      </a:endParaRPr>
                     </a:p>
                   </a:txBody>
                   <a:tcPr marL="85579" marR="85579" marT="42790" marB="42790">
@@ -8308,6 +8385,23 @@
                     <a:lstStyle/>
                     <a:p>
                       <a:pPr latinLnBrk="1"/>
+                      <a:r>
+                        <a:rPr kumimoji="0" lang="en-US" altLang="ko-KR" sz="1700" b="0" i="0" u="none" strike="noStrike" kern="1200" cap="none" spc="0" normalizeH="0" baseline="0" noProof="0">
+                          <a:ln>
+                            <a:noFill/>
+                          </a:ln>
+                          <a:solidFill>
+                            <a:prstClr val="black"/>
+                          </a:solidFill>
+                          <a:effectLst/>
+                          <a:uLnTx/>
+                          <a:uFillTx/>
+                          <a:latin typeface="맑은 고딕" panose="020F0502020204030204"/>
+                          <a:ea typeface="맑은 고딕" panose="020B0503020000020004" pitchFamily="50" charset="-127"/>
+                          <a:cs typeface="+mn-cs"/>
+                        </a:rPr>
+                        <a:t>NO</a:t>
+                      </a:r>
                       <a:endParaRPr lang="ko-KR" altLang="en-US" sz="1700" dirty="0"/>
                     </a:p>
                   </a:txBody>
@@ -8460,8 +8554,54 @@
                     <a:bodyPr/>
                     <a:lstStyle/>
                     <a:p>
-                      <a:pPr latinLnBrk="1"/>
-                      <a:endParaRPr lang="ko-KR" altLang="en-US" sz="1700"/>
+                      <a:pPr marL="0" marR="0" lvl="0" indent="0" algn="l" defTabSz="914400" rtl="0" eaLnBrk="1" fontAlgn="auto" latinLnBrk="1" hangingPunct="1">
+                        <a:lnSpc>
+                          <a:spcPct val="100000"/>
+                        </a:lnSpc>
+                        <a:spcBef>
+                          <a:spcPts val="0"/>
+                        </a:spcBef>
+                        <a:spcAft>
+                          <a:spcPts val="0"/>
+                        </a:spcAft>
+                        <a:buClrTx/>
+                        <a:buSzTx/>
+                        <a:buFontTx/>
+                        <a:buNone/>
+                        <a:tabLst/>
+                        <a:defRPr/>
+                      </a:pPr>
+                      <a:r>
+                        <a:rPr kumimoji="0" lang="en-US" altLang="ko-KR" sz="1700" b="0" i="0" u="none" strike="noStrike" kern="1200" cap="none" spc="0" normalizeH="0" baseline="0" noProof="0" dirty="0">
+                          <a:ln>
+                            <a:noFill/>
+                          </a:ln>
+                          <a:solidFill>
+                            <a:prstClr val="black"/>
+                          </a:solidFill>
+                          <a:effectLst/>
+                          <a:uLnTx/>
+                          <a:uFillTx/>
+                          <a:latin typeface="맑은 고딕" panose="020F0502020204030204"/>
+                          <a:ea typeface="맑은 고딕" panose="020B0503020000020004" pitchFamily="50" charset="-127"/>
+                          <a:cs typeface="+mn-cs"/>
+                        </a:rPr>
+                        <a:t>utf8mb3_bin</a:t>
+                      </a:r>
+                      <a:endParaRPr kumimoji="0" lang="ko-KR" altLang="en-US" sz="1700" b="0" i="0" u="none" strike="noStrike" kern="1200" cap="none" spc="0" normalizeH="0" baseline="0" noProof="0" dirty="0">
+                        <a:ln>
+                          <a:noFill/>
+                        </a:ln>
+                        <a:solidFill>
+                          <a:prstClr val="black"/>
+                        </a:solidFill>
+                        <a:effectLst/>
+                        <a:uLnTx/>
+                        <a:uFillTx/>
+                        <a:latin typeface="맑은 고딕" panose="020F0502020204030204"/>
+                        <a:ea typeface="맑은 고딕" panose="020B0503020000020004" pitchFamily="50" charset="-127"/>
+                        <a:cs typeface="+mn-cs"/>
+                      </a:endParaRPr>
                     </a:p>
                   </a:txBody>
                   <a:tcPr marL="85579" marR="85579" marT="42790" marB="42790">
@@ -8519,6 +8659,10 @@
                     <a:lstStyle/>
                     <a:p>
                       <a:pPr latinLnBrk="1"/>
+                      <a:r>
+                        <a:rPr lang="en-US" altLang="ko-KR" sz="1700" dirty="0"/>
+                        <a:t>M_NAME</a:t>
+                      </a:r>
                       <a:endParaRPr lang="ko-KR" altLang="en-US" sz="1700" dirty="0"/>
                     </a:p>
                   </a:txBody>
@@ -8569,8 +8713,54 @@
                     <a:bodyPr/>
                     <a:lstStyle/>
                     <a:p>
-                      <a:pPr latinLnBrk="1"/>
-                      <a:endParaRPr lang="ko-KR" altLang="en-US" sz="1700" dirty="0"/>
+                      <a:pPr marL="0" marR="0" lvl="0" indent="0" algn="l" defTabSz="914400" rtl="0" eaLnBrk="1" fontAlgn="auto" latinLnBrk="1" hangingPunct="1">
+                        <a:lnSpc>
+                          <a:spcPct val="100000"/>
+                        </a:lnSpc>
+                        <a:spcBef>
+                          <a:spcPts val="0"/>
+                        </a:spcBef>
+                        <a:spcAft>
+                          <a:spcPts val="0"/>
+                        </a:spcAft>
+                        <a:buClrTx/>
+                        <a:buSzTx/>
+                        <a:buFontTx/>
+                        <a:buNone/>
+                        <a:tabLst/>
+                        <a:defRPr/>
+                      </a:pPr>
+                      <a:r>
+                        <a:rPr kumimoji="0" lang="en-US" altLang="ko-KR" sz="1700" b="0" i="0" u="none" strike="noStrike" kern="1200" cap="none" spc="0" normalizeH="0" baseline="0" noProof="0" dirty="0">
+                          <a:ln>
+                            <a:noFill/>
+                          </a:ln>
+                          <a:solidFill>
+                            <a:prstClr val="black"/>
+                          </a:solidFill>
+                          <a:effectLst/>
+                          <a:uLnTx/>
+                          <a:uFillTx/>
+                          <a:latin typeface="맑은 고딕" panose="020F0502020204030204"/>
+                          <a:ea typeface="맑은 고딕" panose="020B0503020000020004" pitchFamily="50" charset="-127"/>
+                          <a:cs typeface="+mn-cs"/>
+                        </a:rPr>
+                        <a:t>VARCHAR(20)</a:t>
+                      </a:r>
+                      <a:endParaRPr kumimoji="0" lang="ko-KR" altLang="en-US" sz="1700" b="0" i="0" u="none" strike="noStrike" kern="1200" cap="none" spc="0" normalizeH="0" baseline="0" noProof="0" dirty="0">
+                        <a:ln>
+                          <a:noFill/>
+                        </a:ln>
+                        <a:solidFill>
+                          <a:prstClr val="black"/>
+                        </a:solidFill>
+                        <a:effectLst/>
+                        <a:uLnTx/>
+                        <a:uFillTx/>
+                        <a:latin typeface="맑은 고딕" panose="020F0502020204030204"/>
+                        <a:ea typeface="맑은 고딕" panose="020B0503020000020004" pitchFamily="50" charset="-127"/>
+                        <a:cs typeface="+mn-cs"/>
+                      </a:endParaRPr>
                     </a:p>
                   </a:txBody>
                   <a:tcPr marL="85579" marR="85579" marT="42790" marB="42790">
@@ -8621,6 +8811,23 @@
                     <a:lstStyle/>
                     <a:p>
                       <a:pPr latinLnBrk="1"/>
+                      <a:r>
+                        <a:rPr kumimoji="0" lang="en-US" altLang="ko-KR" sz="1700" b="0" i="0" u="none" strike="noStrike" kern="1200" cap="none" spc="0" normalizeH="0" baseline="0" noProof="0">
+                          <a:ln>
+                            <a:noFill/>
+                          </a:ln>
+                          <a:solidFill>
+                            <a:prstClr val="black"/>
+                          </a:solidFill>
+                          <a:effectLst/>
+                          <a:uLnTx/>
+                          <a:uFillTx/>
+                          <a:latin typeface="맑은 고딕" panose="020F0502020204030204"/>
+                          <a:ea typeface="맑은 고딕" panose="020B0503020000020004" pitchFamily="50" charset="-127"/>
+                          <a:cs typeface="+mn-cs"/>
+                        </a:rPr>
+                        <a:t>NO</a:t>
+                      </a:r>
                       <a:endParaRPr lang="ko-KR" altLang="en-US" sz="1700" dirty="0"/>
                     </a:p>
                   </a:txBody>
@@ -8773,8 +8980,54 @@
                     <a:bodyPr/>
                     <a:lstStyle/>
                     <a:p>
-                      <a:pPr latinLnBrk="1"/>
-                      <a:endParaRPr lang="ko-KR" altLang="en-US" sz="1700"/>
+                      <a:pPr marL="0" marR="0" lvl="0" indent="0" algn="l" defTabSz="914400" rtl="0" eaLnBrk="1" fontAlgn="auto" latinLnBrk="1" hangingPunct="1">
+                        <a:lnSpc>
+                          <a:spcPct val="100000"/>
+                        </a:lnSpc>
+                        <a:spcBef>
+                          <a:spcPts val="0"/>
+                        </a:spcBef>
+                        <a:spcAft>
+                          <a:spcPts val="0"/>
+                        </a:spcAft>
+                        <a:buClrTx/>
+                        <a:buSzTx/>
+                        <a:buFontTx/>
+                        <a:buNone/>
+                        <a:tabLst/>
+                        <a:defRPr/>
+                      </a:pPr>
+                      <a:r>
+                        <a:rPr kumimoji="0" lang="en-US" altLang="ko-KR" sz="1700" b="0" i="0" u="none" strike="noStrike" kern="1200" cap="none" spc="0" normalizeH="0" baseline="0" noProof="0">
+                          <a:ln>
+                            <a:noFill/>
+                          </a:ln>
+                          <a:solidFill>
+                            <a:prstClr val="black"/>
+                          </a:solidFill>
+                          <a:effectLst/>
+                          <a:uLnTx/>
+                          <a:uFillTx/>
+                          <a:latin typeface="맑은 고딕" panose="020F0502020204030204"/>
+                          <a:ea typeface="맑은 고딕" panose="020B0503020000020004" pitchFamily="50" charset="-127"/>
+                          <a:cs typeface="+mn-cs"/>
+                        </a:rPr>
+                        <a:t>utf8mb3_bin</a:t>
+                      </a:r>
+                      <a:endParaRPr kumimoji="0" lang="ko-KR" altLang="en-US" sz="1700" b="0" i="0" u="none" strike="noStrike" kern="1200" cap="none" spc="0" normalizeH="0" baseline="0" noProof="0" dirty="0">
+                        <a:ln>
+                          <a:noFill/>
+                        </a:ln>
+                        <a:solidFill>
+                          <a:prstClr val="black"/>
+                        </a:solidFill>
+                        <a:effectLst/>
+                        <a:uLnTx/>
+                        <a:uFillTx/>
+                        <a:latin typeface="맑은 고딕" panose="020F0502020204030204"/>
+                        <a:ea typeface="맑은 고딕" panose="020B0503020000020004" pitchFamily="50" charset="-127"/>
+                        <a:cs typeface="+mn-cs"/>
+                      </a:endParaRPr>
                     </a:p>
                   </a:txBody>
                   <a:tcPr marL="85579" marR="85579" marT="42790" marB="42790">
@@ -8832,6 +9085,10 @@
                     <a:lstStyle/>
                     <a:p>
                       <a:pPr latinLnBrk="1"/>
+                      <a:r>
+                        <a:rPr lang="en-US" altLang="ko-KR" sz="1700" dirty="0"/>
+                        <a:t>M_EMAIL1</a:t>
+                      </a:r>
                       <a:endParaRPr lang="ko-KR" altLang="en-US" sz="1700" dirty="0"/>
                     </a:p>
                   </a:txBody>
@@ -8882,8 +9139,54 @@
                     <a:bodyPr/>
                     <a:lstStyle/>
                     <a:p>
-                      <a:pPr latinLnBrk="1"/>
-                      <a:endParaRPr lang="ko-KR" altLang="en-US" sz="1700" dirty="0"/>
+                      <a:pPr marL="0" marR="0" lvl="0" indent="0" algn="l" defTabSz="914400" rtl="0" eaLnBrk="1" fontAlgn="auto" latinLnBrk="1" hangingPunct="1">
+                        <a:lnSpc>
+                          <a:spcPct val="100000"/>
+                        </a:lnSpc>
+                        <a:spcBef>
+                          <a:spcPts val="0"/>
+                        </a:spcBef>
+                        <a:spcAft>
+                          <a:spcPts val="0"/>
+                        </a:spcAft>
+                        <a:buClrTx/>
+                        <a:buSzTx/>
+                        <a:buFontTx/>
+                        <a:buNone/>
+                        <a:tabLst/>
+                        <a:defRPr/>
+                      </a:pPr>
+                      <a:r>
+                        <a:rPr kumimoji="0" lang="en-US" altLang="ko-KR" sz="1700" b="0" i="0" u="none" strike="noStrike" kern="1200" cap="none" spc="0" normalizeH="0" baseline="0" noProof="0" dirty="0">
+                          <a:ln>
+                            <a:noFill/>
+                          </a:ln>
+                          <a:solidFill>
+                            <a:prstClr val="black"/>
+                          </a:solidFill>
+                          <a:effectLst/>
+                          <a:uLnTx/>
+                          <a:uFillTx/>
+                          <a:latin typeface="맑은 고딕" panose="020F0502020204030204"/>
+                          <a:ea typeface="맑은 고딕" panose="020B0503020000020004" pitchFamily="50" charset="-127"/>
+                          <a:cs typeface="+mn-cs"/>
+                        </a:rPr>
+                        <a:t>VARCHAR(40)</a:t>
+                      </a:r>
+                      <a:endParaRPr kumimoji="0" lang="ko-KR" altLang="en-US" sz="1700" b="0" i="0" u="none" strike="noStrike" kern="1200" cap="none" spc="0" normalizeH="0" baseline="0" noProof="0" dirty="0">
+                        <a:ln>
+                          <a:noFill/>
+                        </a:ln>
+                        <a:solidFill>
+                          <a:prstClr val="black"/>
+                        </a:solidFill>
+                        <a:effectLst/>
+                        <a:uLnTx/>
+                        <a:uFillTx/>
+                        <a:latin typeface="맑은 고딕" panose="020F0502020204030204"/>
+                        <a:ea typeface="맑은 고딕" panose="020B0503020000020004" pitchFamily="50" charset="-127"/>
+                        <a:cs typeface="+mn-cs"/>
+                      </a:endParaRPr>
                     </a:p>
                   </a:txBody>
                   <a:tcPr marL="85579" marR="85579" marT="42790" marB="42790">
@@ -8934,6 +9237,23 @@
                     <a:lstStyle/>
                     <a:p>
                       <a:pPr latinLnBrk="1"/>
+                      <a:r>
+                        <a:rPr kumimoji="0" lang="en-US" altLang="ko-KR" sz="1700" b="0" i="0" u="none" strike="noStrike" kern="1200" cap="none" spc="0" normalizeH="0" baseline="0" noProof="0">
+                          <a:ln>
+                            <a:noFill/>
+                          </a:ln>
+                          <a:solidFill>
+                            <a:prstClr val="black"/>
+                          </a:solidFill>
+                          <a:effectLst/>
+                          <a:uLnTx/>
+                          <a:uFillTx/>
+                          <a:latin typeface="맑은 고딕" panose="020F0502020204030204"/>
+                          <a:ea typeface="맑은 고딕" panose="020B0503020000020004" pitchFamily="50" charset="-127"/>
+                          <a:cs typeface="+mn-cs"/>
+                        </a:rPr>
+                        <a:t>NO</a:t>
+                      </a:r>
                       <a:endParaRPr lang="ko-KR" altLang="en-US" sz="1700" dirty="0"/>
                     </a:p>
                   </a:txBody>
@@ -9086,8 +9406,54 @@
                     <a:bodyPr/>
                     <a:lstStyle/>
                     <a:p>
-                      <a:pPr latinLnBrk="1"/>
-                      <a:endParaRPr lang="ko-KR" altLang="en-US" sz="1700" dirty="0"/>
+                      <a:pPr marL="0" marR="0" lvl="0" indent="0" algn="l" defTabSz="914400" rtl="0" eaLnBrk="1" fontAlgn="auto" latinLnBrk="1" hangingPunct="1">
+                        <a:lnSpc>
+                          <a:spcPct val="100000"/>
+                        </a:lnSpc>
+                        <a:spcBef>
+                          <a:spcPts val="0"/>
+                        </a:spcBef>
+                        <a:spcAft>
+                          <a:spcPts val="0"/>
+                        </a:spcAft>
+                        <a:buClrTx/>
+                        <a:buSzTx/>
+                        <a:buFontTx/>
+                        <a:buNone/>
+                        <a:tabLst/>
+                        <a:defRPr/>
+                      </a:pPr>
+                      <a:r>
+                        <a:rPr kumimoji="0" lang="en-US" altLang="ko-KR" sz="1700" b="0" i="0" u="none" strike="noStrike" kern="1200" cap="none" spc="0" normalizeH="0" baseline="0" noProof="0">
+                          <a:ln>
+                            <a:noFill/>
+                          </a:ln>
+                          <a:solidFill>
+                            <a:prstClr val="black"/>
+                          </a:solidFill>
+                          <a:effectLst/>
+                          <a:uLnTx/>
+                          <a:uFillTx/>
+                          <a:latin typeface="맑은 고딕" panose="020F0502020204030204"/>
+                          <a:ea typeface="맑은 고딕" panose="020B0503020000020004" pitchFamily="50" charset="-127"/>
+                          <a:cs typeface="+mn-cs"/>
+                        </a:rPr>
+                        <a:t>utf8mb3_bin</a:t>
+                      </a:r>
+                      <a:endParaRPr kumimoji="0" lang="ko-KR" altLang="en-US" sz="1700" b="0" i="0" u="none" strike="noStrike" kern="1200" cap="none" spc="0" normalizeH="0" baseline="0" noProof="0" dirty="0">
+                        <a:ln>
+                          <a:noFill/>
+                        </a:ln>
+                        <a:solidFill>
+                          <a:prstClr val="black"/>
+                        </a:solidFill>
+                        <a:effectLst/>
+                        <a:uLnTx/>
+                        <a:uFillTx/>
+                        <a:latin typeface="맑은 고딕" panose="020F0502020204030204"/>
+                        <a:ea typeface="맑은 고딕" panose="020B0503020000020004" pitchFamily="50" charset="-127"/>
+                        <a:cs typeface="+mn-cs"/>
+                      </a:endParaRPr>
                     </a:p>
                   </a:txBody>
                   <a:tcPr marL="85579" marR="85579" marT="42790" marB="42790">
@@ -9145,6 +9511,10 @@
                     <a:lstStyle/>
                     <a:p>
                       <a:pPr latinLnBrk="1"/>
+                      <a:r>
+                        <a:rPr lang="en-US" altLang="ko-KR" sz="1700" dirty="0"/>
+                        <a:t>M_EMAIL2</a:t>
+                      </a:r>
                       <a:endParaRPr lang="ko-KR" altLang="en-US" sz="1700" dirty="0"/>
                     </a:p>
                   </a:txBody>
@@ -9195,8 +9565,54 @@
                     <a:bodyPr/>
                     <a:lstStyle/>
                     <a:p>
-                      <a:pPr latinLnBrk="1"/>
-                      <a:endParaRPr lang="ko-KR" altLang="en-US" sz="1700" dirty="0"/>
+                      <a:pPr marL="0" marR="0" lvl="0" indent="0" algn="l" defTabSz="914400" rtl="0" eaLnBrk="1" fontAlgn="auto" latinLnBrk="1" hangingPunct="1">
+                        <a:lnSpc>
+                          <a:spcPct val="100000"/>
+                        </a:lnSpc>
+                        <a:spcBef>
+                          <a:spcPts val="0"/>
+                        </a:spcBef>
+                        <a:spcAft>
+                          <a:spcPts val="0"/>
+                        </a:spcAft>
+                        <a:buClrTx/>
+                        <a:buSzTx/>
+                        <a:buFontTx/>
+                        <a:buNone/>
+                        <a:tabLst/>
+                        <a:defRPr/>
+                      </a:pPr>
+                      <a:r>
+                        <a:rPr kumimoji="0" lang="en-US" altLang="ko-KR" sz="1700" b="0" i="0" u="none" strike="noStrike" kern="1200" cap="none" spc="0" normalizeH="0" baseline="0" noProof="0" dirty="0">
+                          <a:ln>
+                            <a:noFill/>
+                          </a:ln>
+                          <a:solidFill>
+                            <a:prstClr val="black"/>
+                          </a:solidFill>
+                          <a:effectLst/>
+                          <a:uLnTx/>
+                          <a:uFillTx/>
+                          <a:latin typeface="맑은 고딕" panose="020F0502020204030204"/>
+                          <a:ea typeface="맑은 고딕" panose="020B0503020000020004" pitchFamily="50" charset="-127"/>
+                          <a:cs typeface="+mn-cs"/>
+                        </a:rPr>
+                        <a:t>VARCHAR(40)</a:t>
+                      </a:r>
+                      <a:endParaRPr kumimoji="0" lang="ko-KR" altLang="en-US" sz="1700" b="0" i="0" u="none" strike="noStrike" kern="1200" cap="none" spc="0" normalizeH="0" baseline="0" noProof="0" dirty="0">
+                        <a:ln>
+                          <a:noFill/>
+                        </a:ln>
+                        <a:solidFill>
+                          <a:prstClr val="black"/>
+                        </a:solidFill>
+                        <a:effectLst/>
+                        <a:uLnTx/>
+                        <a:uFillTx/>
+                        <a:latin typeface="맑은 고딕" panose="020F0502020204030204"/>
+                        <a:ea typeface="맑은 고딕" panose="020B0503020000020004" pitchFamily="50" charset="-127"/>
+                        <a:cs typeface="+mn-cs"/>
+                      </a:endParaRPr>
                     </a:p>
                   </a:txBody>
                   <a:tcPr marL="85579" marR="85579" marT="42790" marB="42790">
@@ -9247,6 +9663,23 @@
                     <a:lstStyle/>
                     <a:p>
                       <a:pPr latinLnBrk="1"/>
+                      <a:r>
+                        <a:rPr kumimoji="0" lang="en-US" altLang="ko-KR" sz="1700" b="0" i="0" u="none" strike="noStrike" kern="1200" cap="none" spc="0" normalizeH="0" baseline="0" noProof="0">
+                          <a:ln>
+                            <a:noFill/>
+                          </a:ln>
+                          <a:solidFill>
+                            <a:prstClr val="black"/>
+                          </a:solidFill>
+                          <a:effectLst/>
+                          <a:uLnTx/>
+                          <a:uFillTx/>
+                          <a:latin typeface="맑은 고딕" panose="020F0502020204030204"/>
+                          <a:ea typeface="맑은 고딕" panose="020B0503020000020004" pitchFamily="50" charset="-127"/>
+                          <a:cs typeface="+mn-cs"/>
+                        </a:rPr>
+                        <a:t>NO</a:t>
+                      </a:r>
                       <a:endParaRPr lang="ko-KR" altLang="en-US" sz="1700" dirty="0"/>
                     </a:p>
                   </a:txBody>
@@ -9399,8 +9832,54 @@
                     <a:bodyPr/>
                     <a:lstStyle/>
                     <a:p>
-                      <a:pPr latinLnBrk="1"/>
-                      <a:endParaRPr lang="ko-KR" altLang="en-US" sz="1700" dirty="0"/>
+                      <a:pPr marL="0" marR="0" lvl="0" indent="0" algn="l" defTabSz="914400" rtl="0" eaLnBrk="1" fontAlgn="auto" latinLnBrk="1" hangingPunct="1">
+                        <a:lnSpc>
+                          <a:spcPct val="100000"/>
+                        </a:lnSpc>
+                        <a:spcBef>
+                          <a:spcPts val="0"/>
+                        </a:spcBef>
+                        <a:spcAft>
+                          <a:spcPts val="0"/>
+                        </a:spcAft>
+                        <a:buClrTx/>
+                        <a:buSzTx/>
+                        <a:buFontTx/>
+                        <a:buNone/>
+                        <a:tabLst/>
+                        <a:defRPr/>
+                      </a:pPr>
+                      <a:r>
+                        <a:rPr kumimoji="0" lang="en-US" altLang="ko-KR" sz="1700" b="0" i="0" u="none" strike="noStrike" kern="1200" cap="none" spc="0" normalizeH="0" baseline="0" noProof="0">
+                          <a:ln>
+                            <a:noFill/>
+                          </a:ln>
+                          <a:solidFill>
+                            <a:prstClr val="black"/>
+                          </a:solidFill>
+                          <a:effectLst/>
+                          <a:uLnTx/>
+                          <a:uFillTx/>
+                          <a:latin typeface="맑은 고딕" panose="020F0502020204030204"/>
+                          <a:ea typeface="맑은 고딕" panose="020B0503020000020004" pitchFamily="50" charset="-127"/>
+                          <a:cs typeface="+mn-cs"/>
+                        </a:rPr>
+                        <a:t>utf8mb3_bin</a:t>
+                      </a:r>
+                      <a:endParaRPr kumimoji="0" lang="ko-KR" altLang="en-US" sz="1700" b="0" i="0" u="none" strike="noStrike" kern="1200" cap="none" spc="0" normalizeH="0" baseline="0" noProof="0" dirty="0">
+                        <a:ln>
+                          <a:noFill/>
+                        </a:ln>
+                        <a:solidFill>
+                          <a:prstClr val="black"/>
+                        </a:solidFill>
+                        <a:effectLst/>
+                        <a:uLnTx/>
+                        <a:uFillTx/>
+                        <a:latin typeface="맑은 고딕" panose="020F0502020204030204"/>
+                        <a:ea typeface="맑은 고딕" panose="020B0503020000020004" pitchFamily="50" charset="-127"/>
+                        <a:cs typeface="+mn-cs"/>
+                      </a:endParaRPr>
                     </a:p>
                   </a:txBody>
                   <a:tcPr marL="85579" marR="85579" marT="42790" marB="42790">
@@ -9458,6 +9937,10 @@
                     <a:lstStyle/>
                     <a:p>
                       <a:pPr latinLnBrk="1"/>
+                      <a:r>
+                        <a:rPr lang="en-US" altLang="ko-KR" sz="1700" dirty="0"/>
+                        <a:t>M_TEL1</a:t>
+                      </a:r>
                       <a:endParaRPr lang="ko-KR" altLang="en-US" sz="1700" dirty="0"/>
                     </a:p>
                   </a:txBody>
@@ -9509,6 +9992,10 @@
                     <a:lstStyle/>
                     <a:p>
                       <a:pPr latinLnBrk="1"/>
+                      <a:r>
+                        <a:rPr lang="en-US" altLang="ko-KR" sz="1700" dirty="0"/>
+                        <a:t>INT(11)</a:t>
+                      </a:r>
                       <a:endParaRPr lang="ko-KR" altLang="en-US" sz="1700" dirty="0"/>
                     </a:p>
                   </a:txBody>
@@ -9560,6 +10047,23 @@
                     <a:lstStyle/>
                     <a:p>
                       <a:pPr latinLnBrk="1"/>
+                      <a:r>
+                        <a:rPr kumimoji="0" lang="en-US" altLang="ko-KR" sz="1700" b="0" i="0" u="none" strike="noStrike" kern="1200" cap="none" spc="0" normalizeH="0" baseline="0" noProof="0">
+                          <a:ln>
+                            <a:noFill/>
+                          </a:ln>
+                          <a:solidFill>
+                            <a:prstClr val="black"/>
+                          </a:solidFill>
+                          <a:effectLst/>
+                          <a:uLnTx/>
+                          <a:uFillTx/>
+                          <a:latin typeface="맑은 고딕" panose="020F0502020204030204"/>
+                          <a:ea typeface="맑은 고딕" panose="020B0503020000020004" pitchFamily="50" charset="-127"/>
+                          <a:cs typeface="+mn-cs"/>
+                        </a:rPr>
+                        <a:t>NO</a:t>
+                      </a:r>
                       <a:endParaRPr lang="ko-KR" altLang="en-US" sz="1700" dirty="0"/>
                     </a:p>
                   </a:txBody>
@@ -9662,6 +10166,10 @@
                     <a:lstStyle/>
                     <a:p>
                       <a:pPr latinLnBrk="1"/>
+                      <a:r>
+                        <a:rPr lang="en-US" altLang="ko-KR" sz="1700" dirty="0"/>
+                        <a:t>0</a:t>
+                      </a:r>
                       <a:endParaRPr lang="ko-KR" altLang="en-US" sz="1700" dirty="0"/>
                     </a:p>
                   </a:txBody>
@@ -9712,8 +10220,54 @@
                     <a:bodyPr/>
                     <a:lstStyle/>
                     <a:p>
-                      <a:pPr latinLnBrk="1"/>
-                      <a:endParaRPr lang="ko-KR" altLang="en-US" sz="1700" dirty="0"/>
+                      <a:pPr marL="0" marR="0" lvl="0" indent="0" algn="l" defTabSz="914400" rtl="0" eaLnBrk="1" fontAlgn="auto" latinLnBrk="1" hangingPunct="1">
+                        <a:lnSpc>
+                          <a:spcPct val="100000"/>
+                        </a:lnSpc>
+                        <a:spcBef>
+                          <a:spcPts val="0"/>
+                        </a:spcBef>
+                        <a:spcAft>
+                          <a:spcPts val="0"/>
+                        </a:spcAft>
+                        <a:buClrTx/>
+                        <a:buSzTx/>
+                        <a:buFontTx/>
+                        <a:buNone/>
+                        <a:tabLst/>
+                        <a:defRPr/>
+                      </a:pPr>
+                      <a:r>
+                        <a:rPr kumimoji="0" lang="en-US" altLang="ko-KR" sz="1700" b="0" i="0" u="none" strike="noStrike" kern="1200" cap="none" spc="0" normalizeH="0" baseline="0" noProof="0">
+                          <a:ln>
+                            <a:noFill/>
+                          </a:ln>
+                          <a:solidFill>
+                            <a:prstClr val="black"/>
+                          </a:solidFill>
+                          <a:effectLst/>
+                          <a:uLnTx/>
+                          <a:uFillTx/>
+                          <a:latin typeface="맑은 고딕" panose="020F0502020204030204"/>
+                          <a:ea typeface="맑은 고딕" panose="020B0503020000020004" pitchFamily="50" charset="-127"/>
+                          <a:cs typeface="+mn-cs"/>
+                        </a:rPr>
+                        <a:t>utf8mb3_bin</a:t>
+                      </a:r>
+                      <a:endParaRPr kumimoji="0" lang="ko-KR" altLang="en-US" sz="1700" b="0" i="0" u="none" strike="noStrike" kern="1200" cap="none" spc="0" normalizeH="0" baseline="0" noProof="0" dirty="0">
+                        <a:ln>
+                          <a:noFill/>
+                        </a:ln>
+                        <a:solidFill>
+                          <a:prstClr val="black"/>
+                        </a:solidFill>
+                        <a:effectLst/>
+                        <a:uLnTx/>
+                        <a:uFillTx/>
+                        <a:latin typeface="맑은 고딕" panose="020F0502020204030204"/>
+                        <a:ea typeface="맑은 고딕" panose="020B0503020000020004" pitchFamily="50" charset="-127"/>
+                        <a:cs typeface="+mn-cs"/>
+                      </a:endParaRPr>
                     </a:p>
                   </a:txBody>
                   <a:tcPr marL="85579" marR="85579" marT="42790" marB="42790">
@@ -9771,6 +10325,10 @@
                     <a:lstStyle/>
                     <a:p>
                       <a:pPr latinLnBrk="1"/>
+                      <a:r>
+                        <a:rPr lang="en-US" altLang="ko-KR" sz="1700" dirty="0"/>
+                        <a:t>M_TEL2</a:t>
+                      </a:r>
                       <a:endParaRPr lang="ko-KR" altLang="en-US" sz="1700" dirty="0"/>
                     </a:p>
                   </a:txBody>
@@ -9821,8 +10379,54 @@
                     <a:bodyPr/>
                     <a:lstStyle/>
                     <a:p>
-                      <a:pPr latinLnBrk="1"/>
-                      <a:endParaRPr lang="ko-KR" altLang="en-US" sz="1700" dirty="0"/>
+                      <a:pPr marL="0" marR="0" lvl="0" indent="0" algn="l" defTabSz="914400" rtl="0" eaLnBrk="1" fontAlgn="auto" latinLnBrk="1" hangingPunct="1">
+                        <a:lnSpc>
+                          <a:spcPct val="100000"/>
+                        </a:lnSpc>
+                        <a:spcBef>
+                          <a:spcPts val="0"/>
+                        </a:spcBef>
+                        <a:spcAft>
+                          <a:spcPts val="0"/>
+                        </a:spcAft>
+                        <a:buClrTx/>
+                        <a:buSzTx/>
+                        <a:buFontTx/>
+                        <a:buNone/>
+                        <a:tabLst/>
+                        <a:defRPr/>
+                      </a:pPr>
+                      <a:r>
+                        <a:rPr kumimoji="0" lang="en-US" altLang="ko-KR" sz="1700" b="0" i="0" u="none" strike="noStrike" kern="1200" cap="none" spc="0" normalizeH="0" baseline="0" noProof="0">
+                          <a:ln>
+                            <a:noFill/>
+                          </a:ln>
+                          <a:solidFill>
+                            <a:prstClr val="black"/>
+                          </a:solidFill>
+                          <a:effectLst/>
+                          <a:uLnTx/>
+                          <a:uFillTx/>
+                          <a:latin typeface="맑은 고딕" panose="020F0502020204030204"/>
+                          <a:ea typeface="맑은 고딕" panose="020B0503020000020004" pitchFamily="50" charset="-127"/>
+                          <a:cs typeface="+mn-cs"/>
+                        </a:rPr>
+                        <a:t>INT(11)</a:t>
+                      </a:r>
+                      <a:endParaRPr kumimoji="0" lang="ko-KR" altLang="en-US" sz="1700" b="0" i="0" u="none" strike="noStrike" kern="1200" cap="none" spc="0" normalizeH="0" baseline="0" noProof="0" dirty="0">
+                        <a:ln>
+                          <a:noFill/>
+                        </a:ln>
+                        <a:solidFill>
+                          <a:prstClr val="black"/>
+                        </a:solidFill>
+                        <a:effectLst/>
+                        <a:uLnTx/>
+                        <a:uFillTx/>
+                        <a:latin typeface="맑은 고딕" panose="020F0502020204030204"/>
+                        <a:ea typeface="맑은 고딕" panose="020B0503020000020004" pitchFamily="50" charset="-127"/>
+                        <a:cs typeface="+mn-cs"/>
+                      </a:endParaRPr>
                     </a:p>
                   </a:txBody>
                   <a:tcPr marL="85579" marR="85579" marT="42790" marB="42790">
@@ -9873,6 +10477,23 @@
                     <a:lstStyle/>
                     <a:p>
                       <a:pPr latinLnBrk="1"/>
+                      <a:r>
+                        <a:rPr kumimoji="0" lang="en-US" altLang="ko-KR" sz="1700" b="0" i="0" u="none" strike="noStrike" kern="1200" cap="none" spc="0" normalizeH="0" baseline="0" noProof="0">
+                          <a:ln>
+                            <a:noFill/>
+                          </a:ln>
+                          <a:solidFill>
+                            <a:prstClr val="black"/>
+                          </a:solidFill>
+                          <a:effectLst/>
+                          <a:uLnTx/>
+                          <a:uFillTx/>
+                          <a:latin typeface="맑은 고딕" panose="020F0502020204030204"/>
+                          <a:ea typeface="맑은 고딕" panose="020B0503020000020004" pitchFamily="50" charset="-127"/>
+                          <a:cs typeface="+mn-cs"/>
+                        </a:rPr>
+                        <a:t>NO</a:t>
+                      </a:r>
                       <a:endParaRPr lang="ko-KR" altLang="en-US" sz="1700" dirty="0"/>
                     </a:p>
                   </a:txBody>
@@ -9975,6 +10596,10 @@
                     <a:lstStyle/>
                     <a:p>
                       <a:pPr latinLnBrk="1"/>
+                      <a:r>
+                        <a:rPr lang="en-US" altLang="ko-KR" sz="1700" dirty="0"/>
+                        <a:t>0</a:t>
+                      </a:r>
                       <a:endParaRPr lang="ko-KR" altLang="en-US" sz="1700" dirty="0"/>
                     </a:p>
                   </a:txBody>
@@ -10025,8 +10650,54 @@
                     <a:bodyPr/>
                     <a:lstStyle/>
                     <a:p>
-                      <a:pPr latinLnBrk="1"/>
-                      <a:endParaRPr lang="ko-KR" altLang="en-US" sz="1700" dirty="0"/>
+                      <a:pPr marL="0" marR="0" lvl="0" indent="0" algn="l" defTabSz="914400" rtl="0" eaLnBrk="1" fontAlgn="auto" latinLnBrk="1" hangingPunct="1">
+                        <a:lnSpc>
+                          <a:spcPct val="100000"/>
+                        </a:lnSpc>
+                        <a:spcBef>
+                          <a:spcPts val="0"/>
+                        </a:spcBef>
+                        <a:spcAft>
+                          <a:spcPts val="0"/>
+                        </a:spcAft>
+                        <a:buClrTx/>
+                        <a:buSzTx/>
+                        <a:buFontTx/>
+                        <a:buNone/>
+                        <a:tabLst/>
+                        <a:defRPr/>
+                      </a:pPr>
+                      <a:r>
+                        <a:rPr kumimoji="0" lang="en-US" altLang="ko-KR" sz="1700" b="0" i="0" u="none" strike="noStrike" kern="1200" cap="none" spc="0" normalizeH="0" baseline="0" noProof="0">
+                          <a:ln>
+                            <a:noFill/>
+                          </a:ln>
+                          <a:solidFill>
+                            <a:prstClr val="black"/>
+                          </a:solidFill>
+                          <a:effectLst/>
+                          <a:uLnTx/>
+                          <a:uFillTx/>
+                          <a:latin typeface="맑은 고딕" panose="020F0502020204030204"/>
+                          <a:ea typeface="맑은 고딕" panose="020B0503020000020004" pitchFamily="50" charset="-127"/>
+                          <a:cs typeface="+mn-cs"/>
+                        </a:rPr>
+                        <a:t>utf8mb3_bin</a:t>
+                      </a:r>
+                      <a:endParaRPr kumimoji="0" lang="ko-KR" altLang="en-US" sz="1700" b="0" i="0" u="none" strike="noStrike" kern="1200" cap="none" spc="0" normalizeH="0" baseline="0" noProof="0" dirty="0">
+                        <a:ln>
+                          <a:noFill/>
+                        </a:ln>
+                        <a:solidFill>
+                          <a:prstClr val="black"/>
+                        </a:solidFill>
+                        <a:effectLst/>
+                        <a:uLnTx/>
+                        <a:uFillTx/>
+                        <a:latin typeface="맑은 고딕" panose="020F0502020204030204"/>
+                        <a:ea typeface="맑은 고딕" panose="020B0503020000020004" pitchFamily="50" charset="-127"/>
+                        <a:cs typeface="+mn-cs"/>
+                      </a:endParaRPr>
                     </a:p>
                   </a:txBody>
                   <a:tcPr marL="85579" marR="85579" marT="42790" marB="42790">
@@ -10084,6 +10755,10 @@
                     <a:lstStyle/>
                     <a:p>
                       <a:pPr latinLnBrk="1"/>
+                      <a:r>
+                        <a:rPr lang="en-US" altLang="ko-KR" sz="1700" dirty="0"/>
+                        <a:t>M_TEL3</a:t>
+                      </a:r>
                       <a:endParaRPr lang="ko-KR" altLang="en-US" sz="1700" dirty="0"/>
                     </a:p>
                   </a:txBody>
@@ -10134,8 +10809,54 @@
                     <a:bodyPr/>
                     <a:lstStyle/>
                     <a:p>
-                      <a:pPr latinLnBrk="1"/>
-                      <a:endParaRPr lang="ko-KR" altLang="en-US" sz="1700" dirty="0"/>
+                      <a:pPr marL="0" marR="0" lvl="0" indent="0" algn="l" defTabSz="914400" rtl="0" eaLnBrk="1" fontAlgn="auto" latinLnBrk="1" hangingPunct="1">
+                        <a:lnSpc>
+                          <a:spcPct val="100000"/>
+                        </a:lnSpc>
+                        <a:spcBef>
+                          <a:spcPts val="0"/>
+                        </a:spcBef>
+                        <a:spcAft>
+                          <a:spcPts val="0"/>
+                        </a:spcAft>
+                        <a:buClrTx/>
+                        <a:buSzTx/>
+                        <a:buFontTx/>
+                        <a:buNone/>
+                        <a:tabLst/>
+                        <a:defRPr/>
+                      </a:pPr>
+                      <a:r>
+                        <a:rPr kumimoji="0" lang="en-US" altLang="ko-KR" sz="1700" b="0" i="0" u="none" strike="noStrike" kern="1200" cap="none" spc="0" normalizeH="0" baseline="0" noProof="0" dirty="0">
+                          <a:ln>
+                            <a:noFill/>
+                          </a:ln>
+                          <a:solidFill>
+                            <a:prstClr val="black"/>
+                          </a:solidFill>
+                          <a:effectLst/>
+                          <a:uLnTx/>
+                          <a:uFillTx/>
+                          <a:latin typeface="맑은 고딕" panose="020F0502020204030204"/>
+                          <a:ea typeface="맑은 고딕" panose="020B0503020000020004" pitchFamily="50" charset="-127"/>
+                          <a:cs typeface="+mn-cs"/>
+                        </a:rPr>
+                        <a:t>INT(11)</a:t>
+                      </a:r>
+                      <a:endParaRPr kumimoji="0" lang="ko-KR" altLang="en-US" sz="1700" b="0" i="0" u="none" strike="noStrike" kern="1200" cap="none" spc="0" normalizeH="0" baseline="0" noProof="0" dirty="0">
+                        <a:ln>
+                          <a:noFill/>
+                        </a:ln>
+                        <a:solidFill>
+                          <a:prstClr val="black"/>
+                        </a:solidFill>
+                        <a:effectLst/>
+                        <a:uLnTx/>
+                        <a:uFillTx/>
+                        <a:latin typeface="맑은 고딕" panose="020F0502020204030204"/>
+                        <a:ea typeface="맑은 고딕" panose="020B0503020000020004" pitchFamily="50" charset="-127"/>
+                        <a:cs typeface="+mn-cs"/>
+                      </a:endParaRPr>
                     </a:p>
                   </a:txBody>
                   <a:tcPr marL="85579" marR="85579" marT="42790" marB="42790">
@@ -10186,6 +10907,23 @@
                     <a:lstStyle/>
                     <a:p>
                       <a:pPr latinLnBrk="1"/>
+                      <a:r>
+                        <a:rPr kumimoji="0" lang="en-US" altLang="ko-KR" sz="1700" b="0" i="0" u="none" strike="noStrike" kern="1200" cap="none" spc="0" normalizeH="0" baseline="0" noProof="0">
+                          <a:ln>
+                            <a:noFill/>
+                          </a:ln>
+                          <a:solidFill>
+                            <a:prstClr val="black"/>
+                          </a:solidFill>
+                          <a:effectLst/>
+                          <a:uLnTx/>
+                          <a:uFillTx/>
+                          <a:latin typeface="맑은 고딕" panose="020F0502020204030204"/>
+                          <a:ea typeface="맑은 고딕" panose="020B0503020000020004" pitchFamily="50" charset="-127"/>
+                          <a:cs typeface="+mn-cs"/>
+                        </a:rPr>
+                        <a:t>NO</a:t>
+                      </a:r>
                       <a:endParaRPr lang="ko-KR" altLang="en-US" sz="1700" dirty="0"/>
                     </a:p>
                   </a:txBody>
@@ -10288,6 +11026,10 @@
                     <a:lstStyle/>
                     <a:p>
                       <a:pPr latinLnBrk="1"/>
+                      <a:r>
+                        <a:rPr lang="en-US" altLang="ko-KR" sz="1700" dirty="0"/>
+                        <a:t>0</a:t>
+                      </a:r>
                       <a:endParaRPr lang="ko-KR" altLang="en-US" sz="1700" dirty="0"/>
                     </a:p>
                   </a:txBody>
@@ -10338,8 +11080,54 @@
                     <a:bodyPr/>
                     <a:lstStyle/>
                     <a:p>
-                      <a:pPr latinLnBrk="1"/>
-                      <a:endParaRPr lang="ko-KR" altLang="en-US" sz="1700" dirty="0"/>
+                      <a:pPr marL="0" marR="0" lvl="0" indent="0" algn="l" defTabSz="914400" rtl="0" eaLnBrk="1" fontAlgn="auto" latinLnBrk="1" hangingPunct="1">
+                        <a:lnSpc>
+                          <a:spcPct val="100000"/>
+                        </a:lnSpc>
+                        <a:spcBef>
+                          <a:spcPts val="0"/>
+                        </a:spcBef>
+                        <a:spcAft>
+                          <a:spcPts val="0"/>
+                        </a:spcAft>
+                        <a:buClrTx/>
+                        <a:buSzTx/>
+                        <a:buFontTx/>
+                        <a:buNone/>
+                        <a:tabLst/>
+                        <a:defRPr/>
+                      </a:pPr>
+                      <a:r>
+                        <a:rPr kumimoji="0" lang="en-US" altLang="ko-KR" sz="1700" b="0" i="0" u="none" strike="noStrike" kern="1200" cap="none" spc="0" normalizeH="0" baseline="0" noProof="0">
+                          <a:ln>
+                            <a:noFill/>
+                          </a:ln>
+                          <a:solidFill>
+                            <a:prstClr val="black"/>
+                          </a:solidFill>
+                          <a:effectLst/>
+                          <a:uLnTx/>
+                          <a:uFillTx/>
+                          <a:latin typeface="맑은 고딕" panose="020F0502020204030204"/>
+                          <a:ea typeface="맑은 고딕" panose="020B0503020000020004" pitchFamily="50" charset="-127"/>
+                          <a:cs typeface="+mn-cs"/>
+                        </a:rPr>
+                        <a:t>utf8mb3_bin</a:t>
+                      </a:r>
+                      <a:endParaRPr kumimoji="0" lang="ko-KR" altLang="en-US" sz="1700" b="0" i="0" u="none" strike="noStrike" kern="1200" cap="none" spc="0" normalizeH="0" baseline="0" noProof="0" dirty="0">
+                        <a:ln>
+                          <a:noFill/>
+                        </a:ln>
+                        <a:solidFill>
+                          <a:prstClr val="black"/>
+                        </a:solidFill>
+                        <a:effectLst/>
+                        <a:uLnTx/>
+                        <a:uFillTx/>
+                        <a:latin typeface="맑은 고딕" panose="020F0502020204030204"/>
+                        <a:ea typeface="맑은 고딕" panose="020B0503020000020004" pitchFamily="50" charset="-127"/>
+                        <a:cs typeface="+mn-cs"/>
+                      </a:endParaRPr>
                     </a:p>
                   </a:txBody>
                   <a:tcPr marL="85579" marR="85579" marT="42790" marB="42790">
@@ -10397,6 +11185,10 @@
                     <a:lstStyle/>
                     <a:p>
                       <a:pPr latinLnBrk="1"/>
+                      <a:r>
+                        <a:rPr lang="en-US" altLang="ko-KR" sz="1700" dirty="0"/>
+                        <a:t>M_BIRTH</a:t>
+                      </a:r>
                       <a:endParaRPr lang="ko-KR" altLang="en-US" sz="1700" dirty="0"/>
                     </a:p>
                   </a:txBody>
@@ -10448,6 +11240,10 @@
                     <a:lstStyle/>
                     <a:p>
                       <a:pPr latinLnBrk="1"/>
+                      <a:r>
+                        <a:rPr lang="en-US" altLang="ko-KR" sz="1700" dirty="0"/>
+                        <a:t>DATE</a:t>
+                      </a:r>
                       <a:endParaRPr lang="ko-KR" altLang="en-US" sz="1700" dirty="0"/>
                     </a:p>
                   </a:txBody>
@@ -10499,6 +11295,23 @@
                     <a:lstStyle/>
                     <a:p>
                       <a:pPr latinLnBrk="1"/>
+                      <a:r>
+                        <a:rPr kumimoji="0" lang="en-US" altLang="ko-KR" sz="1700" b="0" i="0" u="none" strike="noStrike" kern="1200" cap="none" spc="0" normalizeH="0" baseline="0" noProof="0" dirty="0">
+                          <a:ln>
+                            <a:noFill/>
+                          </a:ln>
+                          <a:solidFill>
+                            <a:prstClr val="black"/>
+                          </a:solidFill>
+                          <a:effectLst/>
+                          <a:uLnTx/>
+                          <a:uFillTx/>
+                          <a:latin typeface="맑은 고딕" panose="020F0502020204030204"/>
+                          <a:ea typeface="맑은 고딕" panose="020B0503020000020004" pitchFamily="50" charset="-127"/>
+                          <a:cs typeface="+mn-cs"/>
+                        </a:rPr>
+                        <a:t>NO</a:t>
+                      </a:r>
                       <a:endParaRPr lang="ko-KR" altLang="en-US" sz="1700" dirty="0"/>
                     </a:p>
                   </a:txBody>
@@ -10601,6 +11414,14 @@
                     <a:lstStyle/>
                     <a:p>
                       <a:pPr latinLnBrk="1"/>
+                      <a:r>
+                        <a:rPr lang="en-US" altLang="ko-KR" sz="1700" dirty="0" err="1"/>
+                        <a:t>curdate</a:t>
+                      </a:r>
+                      <a:r>
+                        <a:rPr lang="en-US" altLang="ko-KR" sz="1700" dirty="0"/>
+                        <a:t>()</a:t>
+                      </a:r>
                       <a:endParaRPr lang="ko-KR" altLang="en-US" sz="1700" dirty="0"/>
                     </a:p>
                   </a:txBody>
@@ -10651,8 +11472,54 @@
                     <a:bodyPr/>
                     <a:lstStyle/>
                     <a:p>
-                      <a:pPr latinLnBrk="1"/>
-                      <a:endParaRPr lang="ko-KR" altLang="en-US" sz="1700" dirty="0"/>
+                      <a:pPr marL="0" marR="0" lvl="0" indent="0" algn="l" defTabSz="914400" rtl="0" eaLnBrk="1" fontAlgn="auto" latinLnBrk="1" hangingPunct="1">
+                        <a:lnSpc>
+                          <a:spcPct val="100000"/>
+                        </a:lnSpc>
+                        <a:spcBef>
+                          <a:spcPts val="0"/>
+                        </a:spcBef>
+                        <a:spcAft>
+                          <a:spcPts val="0"/>
+                        </a:spcAft>
+                        <a:buClrTx/>
+                        <a:buSzTx/>
+                        <a:buFontTx/>
+                        <a:buNone/>
+                        <a:tabLst/>
+                        <a:defRPr/>
+                      </a:pPr>
+                      <a:r>
+                        <a:rPr kumimoji="0" lang="en-US" altLang="ko-KR" sz="1700" b="0" i="0" u="none" strike="noStrike" kern="1200" cap="none" spc="0" normalizeH="0" baseline="0" noProof="0" dirty="0">
+                          <a:ln>
+                            <a:noFill/>
+                          </a:ln>
+                          <a:solidFill>
+                            <a:prstClr val="black"/>
+                          </a:solidFill>
+                          <a:effectLst/>
+                          <a:uLnTx/>
+                          <a:uFillTx/>
+                          <a:latin typeface="맑은 고딕" panose="020F0502020204030204"/>
+                          <a:ea typeface="맑은 고딕" panose="020B0503020000020004" pitchFamily="50" charset="-127"/>
+                          <a:cs typeface="+mn-cs"/>
+                        </a:rPr>
+                        <a:t>utf8mb3_bin</a:t>
+                      </a:r>
+                      <a:endParaRPr kumimoji="0" lang="ko-KR" altLang="en-US" sz="1700" b="0" i="0" u="none" strike="noStrike" kern="1200" cap="none" spc="0" normalizeH="0" baseline="0" noProof="0" dirty="0">
+                        <a:ln>
+                          <a:noFill/>
+                        </a:ln>
+                        <a:solidFill>
+                          <a:prstClr val="black"/>
+                        </a:solidFill>
+                        <a:effectLst/>
+                        <a:uLnTx/>
+                        <a:uFillTx/>
+                        <a:latin typeface="맑은 고딕" panose="020F0502020204030204"/>
+                        <a:ea typeface="맑은 고딕" panose="020B0503020000020004" pitchFamily="50" charset="-127"/>
+                        <a:cs typeface="+mn-cs"/>
+                      </a:endParaRPr>
                     </a:p>
                   </a:txBody>
                   <a:tcPr marL="85579" marR="85579" marT="42790" marB="42790">
@@ -10700,632 +11567,6 @@
                 <a:extLst>
                   <a:ext uri="{0D108BD9-81ED-4DB2-BD59-A6C34878D82A}">
                     <a16:rowId xmlns:a16="http://schemas.microsoft.com/office/drawing/2014/main" val="4118377084"/>
-                  </a:ext>
-                </a:extLst>
-              </a:tr>
-              <a:tr h="490491">
-                <a:tc>
-                  <a:txBody>
-                    <a:bodyPr/>
-                    <a:lstStyle/>
-                    <a:p>
-                      <a:pPr latinLnBrk="1"/>
-                      <a:endParaRPr lang="ko-KR" altLang="en-US" sz="1700" dirty="0"/>
-                    </a:p>
-                  </a:txBody>
-                  <a:tcPr marL="85579" marR="85579" marT="42790" marB="42790">
-                    <a:lnL w="12700" cap="flat" cmpd="sng" algn="ctr">
-                      <a:solidFill>
-                        <a:schemeClr val="tx1"/>
-                      </a:solidFill>
-                      <a:prstDash val="solid"/>
-                      <a:round/>
-                      <a:headEnd type="none" w="med" len="med"/>
-                      <a:tailEnd type="none" w="med" len="med"/>
-                    </a:lnL>
-                    <a:lnR w="12700" cap="flat" cmpd="sng" algn="ctr">
-                      <a:solidFill>
-                        <a:schemeClr val="tx1"/>
-                      </a:solidFill>
-                      <a:prstDash val="solid"/>
-                      <a:round/>
-                      <a:headEnd type="none" w="med" len="med"/>
-                      <a:tailEnd type="none" w="med" len="med"/>
-                    </a:lnR>
-                    <a:lnT w="12700" cap="flat" cmpd="sng" algn="ctr">
-                      <a:solidFill>
-                        <a:schemeClr val="tx1"/>
-                      </a:solidFill>
-                      <a:prstDash val="solid"/>
-                      <a:round/>
-                      <a:headEnd type="none" w="med" len="med"/>
-                      <a:tailEnd type="none" w="med" len="med"/>
-                    </a:lnT>
-                    <a:lnB w="12700" cap="flat" cmpd="sng" algn="ctr">
-                      <a:solidFill>
-                        <a:schemeClr val="tx1"/>
-                      </a:solidFill>
-                      <a:prstDash val="solid"/>
-                      <a:round/>
-                      <a:headEnd type="none" w="med" len="med"/>
-                      <a:tailEnd type="none" w="med" len="med"/>
-                    </a:lnB>
-                    <a:solidFill>
-                      <a:schemeClr val="bg1"/>
-                    </a:solidFill>
-                  </a:tcPr>
-                </a:tc>
-                <a:tc>
-                  <a:txBody>
-                    <a:bodyPr/>
-                    <a:lstStyle/>
-                    <a:p>
-                      <a:pPr latinLnBrk="1"/>
-                      <a:endParaRPr lang="ko-KR" altLang="en-US" sz="1700" dirty="0"/>
-                    </a:p>
-                  </a:txBody>
-                  <a:tcPr marL="85579" marR="85579" marT="42790" marB="42790">
-                    <a:lnL w="12700" cap="flat" cmpd="sng" algn="ctr">
-                      <a:solidFill>
-                        <a:schemeClr val="tx1"/>
-                      </a:solidFill>
-                      <a:prstDash val="solid"/>
-                      <a:round/>
-                      <a:headEnd type="none" w="med" len="med"/>
-                      <a:tailEnd type="none" w="med" len="med"/>
-                    </a:lnL>
-                    <a:lnR w="12700" cap="flat" cmpd="sng" algn="ctr">
-                      <a:solidFill>
-                        <a:schemeClr val="tx1"/>
-                      </a:solidFill>
-                      <a:prstDash val="solid"/>
-                      <a:round/>
-                      <a:headEnd type="none" w="med" len="med"/>
-                      <a:tailEnd type="none" w="med" len="med"/>
-                    </a:lnR>
-                    <a:lnT w="12700" cap="flat" cmpd="sng" algn="ctr">
-                      <a:solidFill>
-                        <a:schemeClr val="tx1"/>
-                      </a:solidFill>
-                      <a:prstDash val="solid"/>
-                      <a:round/>
-                      <a:headEnd type="none" w="med" len="med"/>
-                      <a:tailEnd type="none" w="med" len="med"/>
-                    </a:lnT>
-                    <a:lnB w="12700" cap="flat" cmpd="sng" algn="ctr">
-                      <a:solidFill>
-                        <a:schemeClr val="tx1"/>
-                      </a:solidFill>
-                      <a:prstDash val="solid"/>
-                      <a:round/>
-                      <a:headEnd type="none" w="med" len="med"/>
-                      <a:tailEnd type="none" w="med" len="med"/>
-                    </a:lnB>
-                    <a:solidFill>
-                      <a:schemeClr val="bg1"/>
-                    </a:solidFill>
-                  </a:tcPr>
-                </a:tc>
-                <a:tc>
-                  <a:txBody>
-                    <a:bodyPr/>
-                    <a:lstStyle/>
-                    <a:p>
-                      <a:pPr latinLnBrk="1"/>
-                      <a:endParaRPr lang="ko-KR" altLang="en-US" sz="1700" dirty="0"/>
-                    </a:p>
-                  </a:txBody>
-                  <a:tcPr marL="85579" marR="85579" marT="42790" marB="42790">
-                    <a:lnL w="12700" cap="flat" cmpd="sng" algn="ctr">
-                      <a:solidFill>
-                        <a:schemeClr val="tx1"/>
-                      </a:solidFill>
-                      <a:prstDash val="solid"/>
-                      <a:round/>
-                      <a:headEnd type="none" w="med" len="med"/>
-                      <a:tailEnd type="none" w="med" len="med"/>
-                    </a:lnL>
-                    <a:lnR w="12700" cap="flat" cmpd="sng" algn="ctr">
-                      <a:solidFill>
-                        <a:schemeClr val="tx1"/>
-                      </a:solidFill>
-                      <a:prstDash val="solid"/>
-                      <a:round/>
-                      <a:headEnd type="none" w="med" len="med"/>
-                      <a:tailEnd type="none" w="med" len="med"/>
-                    </a:lnR>
-                    <a:lnT w="12700" cap="flat" cmpd="sng" algn="ctr">
-                      <a:solidFill>
-                        <a:schemeClr val="tx1"/>
-                      </a:solidFill>
-                      <a:prstDash val="solid"/>
-                      <a:round/>
-                      <a:headEnd type="none" w="med" len="med"/>
-                      <a:tailEnd type="none" w="med" len="med"/>
-                    </a:lnT>
-                    <a:lnB w="12700" cap="flat" cmpd="sng" algn="ctr">
-                      <a:solidFill>
-                        <a:schemeClr val="tx1"/>
-                      </a:solidFill>
-                      <a:prstDash val="solid"/>
-                      <a:round/>
-                      <a:headEnd type="none" w="med" len="med"/>
-                      <a:tailEnd type="none" w="med" len="med"/>
-                    </a:lnB>
-                    <a:solidFill>
-                      <a:schemeClr val="bg1"/>
-                    </a:solidFill>
-                  </a:tcPr>
-                </a:tc>
-                <a:tc>
-                  <a:txBody>
-                    <a:bodyPr/>
-                    <a:lstStyle/>
-                    <a:p>
-                      <a:pPr latinLnBrk="1"/>
-                      <a:endParaRPr lang="ko-KR" altLang="en-US" sz="1700" dirty="0"/>
-                    </a:p>
-                  </a:txBody>
-                  <a:tcPr marL="85579" marR="85579" marT="42790" marB="42790">
-                    <a:lnL w="12700" cap="flat" cmpd="sng" algn="ctr">
-                      <a:solidFill>
-                        <a:schemeClr val="tx1"/>
-                      </a:solidFill>
-                      <a:prstDash val="solid"/>
-                      <a:round/>
-                      <a:headEnd type="none" w="med" len="med"/>
-                      <a:tailEnd type="none" w="med" len="med"/>
-                    </a:lnL>
-                    <a:lnR w="12700" cap="flat" cmpd="sng" algn="ctr">
-                      <a:solidFill>
-                        <a:schemeClr val="tx1"/>
-                      </a:solidFill>
-                      <a:prstDash val="solid"/>
-                      <a:round/>
-                      <a:headEnd type="none" w="med" len="med"/>
-                      <a:tailEnd type="none" w="med" len="med"/>
-                    </a:lnR>
-                    <a:lnT w="12700" cap="flat" cmpd="sng" algn="ctr">
-                      <a:solidFill>
-                        <a:schemeClr val="tx1"/>
-                      </a:solidFill>
-                      <a:prstDash val="solid"/>
-                      <a:round/>
-                      <a:headEnd type="none" w="med" len="med"/>
-                      <a:tailEnd type="none" w="med" len="med"/>
-                    </a:lnT>
-                    <a:lnB w="12700" cap="flat" cmpd="sng" algn="ctr">
-                      <a:solidFill>
-                        <a:schemeClr val="tx1"/>
-                      </a:solidFill>
-                      <a:prstDash val="solid"/>
-                      <a:round/>
-                      <a:headEnd type="none" w="med" len="med"/>
-                      <a:tailEnd type="none" w="med" len="med"/>
-                    </a:lnB>
-                    <a:solidFill>
-                      <a:schemeClr val="bg1"/>
-                    </a:solidFill>
-                  </a:tcPr>
-                </a:tc>
-                <a:tc>
-                  <a:txBody>
-                    <a:bodyPr/>
-                    <a:lstStyle/>
-                    <a:p>
-                      <a:pPr latinLnBrk="1"/>
-                      <a:endParaRPr lang="ko-KR" altLang="en-US" sz="1700" dirty="0"/>
-                    </a:p>
-                  </a:txBody>
-                  <a:tcPr marL="85579" marR="85579" marT="42790" marB="42790">
-                    <a:lnL w="12700" cap="flat" cmpd="sng" algn="ctr">
-                      <a:solidFill>
-                        <a:schemeClr val="tx1"/>
-                      </a:solidFill>
-                      <a:prstDash val="solid"/>
-                      <a:round/>
-                      <a:headEnd type="none" w="med" len="med"/>
-                      <a:tailEnd type="none" w="med" len="med"/>
-                    </a:lnL>
-                    <a:lnR w="12700" cap="flat" cmpd="sng" algn="ctr">
-                      <a:solidFill>
-                        <a:schemeClr val="tx1"/>
-                      </a:solidFill>
-                      <a:prstDash val="solid"/>
-                      <a:round/>
-                      <a:headEnd type="none" w="med" len="med"/>
-                      <a:tailEnd type="none" w="med" len="med"/>
-                    </a:lnR>
-                    <a:lnT w="12700" cap="flat" cmpd="sng" algn="ctr">
-                      <a:solidFill>
-                        <a:schemeClr val="tx1"/>
-                      </a:solidFill>
-                      <a:prstDash val="solid"/>
-                      <a:round/>
-                      <a:headEnd type="none" w="med" len="med"/>
-                      <a:tailEnd type="none" w="med" len="med"/>
-                    </a:lnT>
-                    <a:lnB w="12700" cap="flat" cmpd="sng" algn="ctr">
-                      <a:solidFill>
-                        <a:schemeClr val="tx1"/>
-                      </a:solidFill>
-                      <a:prstDash val="solid"/>
-                      <a:round/>
-                      <a:headEnd type="none" w="med" len="med"/>
-                      <a:tailEnd type="none" w="med" len="med"/>
-                    </a:lnB>
-                    <a:solidFill>
-                      <a:schemeClr val="bg1"/>
-                    </a:solidFill>
-                  </a:tcPr>
-                </a:tc>
-                <a:tc>
-                  <a:txBody>
-                    <a:bodyPr/>
-                    <a:lstStyle/>
-                    <a:p>
-                      <a:pPr latinLnBrk="1"/>
-                      <a:endParaRPr lang="ko-KR" altLang="en-US" sz="1700" dirty="0"/>
-                    </a:p>
-                  </a:txBody>
-                  <a:tcPr marL="85579" marR="85579" marT="42790" marB="42790">
-                    <a:lnL w="12700" cap="flat" cmpd="sng" algn="ctr">
-                      <a:solidFill>
-                        <a:schemeClr val="tx1"/>
-                      </a:solidFill>
-                      <a:prstDash val="solid"/>
-                      <a:round/>
-                      <a:headEnd type="none" w="med" len="med"/>
-                      <a:tailEnd type="none" w="med" len="med"/>
-                    </a:lnL>
-                    <a:lnR w="12700" cap="flat" cmpd="sng" algn="ctr">
-                      <a:solidFill>
-                        <a:schemeClr val="tx1"/>
-                      </a:solidFill>
-                      <a:prstDash val="solid"/>
-                      <a:round/>
-                      <a:headEnd type="none" w="med" len="med"/>
-                      <a:tailEnd type="none" w="med" len="med"/>
-                    </a:lnR>
-                    <a:lnT w="12700" cap="flat" cmpd="sng" algn="ctr">
-                      <a:solidFill>
-                        <a:schemeClr val="tx1"/>
-                      </a:solidFill>
-                      <a:prstDash val="solid"/>
-                      <a:round/>
-                      <a:headEnd type="none" w="med" len="med"/>
-                      <a:tailEnd type="none" w="med" len="med"/>
-                    </a:lnT>
-                    <a:lnB w="12700" cap="flat" cmpd="sng" algn="ctr">
-                      <a:solidFill>
-                        <a:schemeClr val="tx1"/>
-                      </a:solidFill>
-                      <a:prstDash val="solid"/>
-                      <a:round/>
-                      <a:headEnd type="none" w="med" len="med"/>
-                      <a:tailEnd type="none" w="med" len="med"/>
-                    </a:lnB>
-                    <a:solidFill>
-                      <a:schemeClr val="bg1"/>
-                    </a:solidFill>
-                  </a:tcPr>
-                </a:tc>
-                <a:extLst>
-                  <a:ext uri="{0D108BD9-81ED-4DB2-BD59-A6C34878D82A}">
-                    <a16:rowId xmlns:a16="http://schemas.microsoft.com/office/drawing/2014/main" val="1712556544"/>
-                  </a:ext>
-                </a:extLst>
-              </a:tr>
-              <a:tr h="490491">
-                <a:tc>
-                  <a:txBody>
-                    <a:bodyPr/>
-                    <a:lstStyle/>
-                    <a:p>
-                      <a:pPr latinLnBrk="1"/>
-                      <a:endParaRPr lang="ko-KR" altLang="en-US" sz="1700" dirty="0"/>
-                    </a:p>
-                  </a:txBody>
-                  <a:tcPr marL="85579" marR="85579" marT="42790" marB="42790">
-                    <a:lnL w="12700" cap="flat" cmpd="sng" algn="ctr">
-                      <a:solidFill>
-                        <a:schemeClr val="tx1"/>
-                      </a:solidFill>
-                      <a:prstDash val="solid"/>
-                      <a:round/>
-                      <a:headEnd type="none" w="med" len="med"/>
-                      <a:tailEnd type="none" w="med" len="med"/>
-                    </a:lnL>
-                    <a:lnR w="12700" cap="flat" cmpd="sng" algn="ctr">
-                      <a:solidFill>
-                        <a:schemeClr val="tx1"/>
-                      </a:solidFill>
-                      <a:prstDash val="solid"/>
-                      <a:round/>
-                      <a:headEnd type="none" w="med" len="med"/>
-                      <a:tailEnd type="none" w="med" len="med"/>
-                    </a:lnR>
-                    <a:lnT w="12700" cap="flat" cmpd="sng" algn="ctr">
-                      <a:solidFill>
-                        <a:schemeClr val="tx1"/>
-                      </a:solidFill>
-                      <a:prstDash val="solid"/>
-                      <a:round/>
-                      <a:headEnd type="none" w="med" len="med"/>
-                      <a:tailEnd type="none" w="med" len="med"/>
-                    </a:lnT>
-                    <a:lnB w="12700" cap="flat" cmpd="sng" algn="ctr">
-                      <a:solidFill>
-                        <a:schemeClr val="tx1"/>
-                      </a:solidFill>
-                      <a:prstDash val="solid"/>
-                      <a:round/>
-                      <a:headEnd type="none" w="med" len="med"/>
-                      <a:tailEnd type="none" w="med" len="med"/>
-                    </a:lnB>
-                    <a:solidFill>
-                      <a:schemeClr val="bg1"/>
-                    </a:solidFill>
-                  </a:tcPr>
-                </a:tc>
-                <a:tc>
-                  <a:txBody>
-                    <a:bodyPr/>
-                    <a:lstStyle/>
-                    <a:p>
-                      <a:pPr latinLnBrk="1"/>
-                      <a:endParaRPr lang="ko-KR" altLang="en-US" sz="1700" dirty="0"/>
-                    </a:p>
-                  </a:txBody>
-                  <a:tcPr marL="85579" marR="85579" marT="42790" marB="42790">
-                    <a:lnL w="12700" cap="flat" cmpd="sng" algn="ctr">
-                      <a:solidFill>
-                        <a:schemeClr val="tx1"/>
-                      </a:solidFill>
-                      <a:prstDash val="solid"/>
-                      <a:round/>
-                      <a:headEnd type="none" w="med" len="med"/>
-                      <a:tailEnd type="none" w="med" len="med"/>
-                    </a:lnL>
-                    <a:lnR w="12700" cap="flat" cmpd="sng" algn="ctr">
-                      <a:solidFill>
-                        <a:schemeClr val="tx1"/>
-                      </a:solidFill>
-                      <a:prstDash val="solid"/>
-                      <a:round/>
-                      <a:headEnd type="none" w="med" len="med"/>
-                      <a:tailEnd type="none" w="med" len="med"/>
-                    </a:lnR>
-                    <a:lnT w="12700" cap="flat" cmpd="sng" algn="ctr">
-                      <a:solidFill>
-                        <a:schemeClr val="tx1"/>
-                      </a:solidFill>
-                      <a:prstDash val="solid"/>
-                      <a:round/>
-                      <a:headEnd type="none" w="med" len="med"/>
-                      <a:tailEnd type="none" w="med" len="med"/>
-                    </a:lnT>
-                    <a:lnB w="12700" cap="flat" cmpd="sng" algn="ctr">
-                      <a:solidFill>
-                        <a:schemeClr val="tx1"/>
-                      </a:solidFill>
-                      <a:prstDash val="solid"/>
-                      <a:round/>
-                      <a:headEnd type="none" w="med" len="med"/>
-                      <a:tailEnd type="none" w="med" len="med"/>
-                    </a:lnB>
-                    <a:solidFill>
-                      <a:schemeClr val="bg1"/>
-                    </a:solidFill>
-                  </a:tcPr>
-                </a:tc>
-                <a:tc>
-                  <a:txBody>
-                    <a:bodyPr/>
-                    <a:lstStyle/>
-                    <a:p>
-                      <a:pPr latinLnBrk="1"/>
-                      <a:endParaRPr lang="ko-KR" altLang="en-US" sz="1700" dirty="0"/>
-                    </a:p>
-                  </a:txBody>
-                  <a:tcPr marL="85579" marR="85579" marT="42790" marB="42790">
-                    <a:lnL w="12700" cap="flat" cmpd="sng" algn="ctr">
-                      <a:solidFill>
-                        <a:schemeClr val="tx1"/>
-                      </a:solidFill>
-                      <a:prstDash val="solid"/>
-                      <a:round/>
-                      <a:headEnd type="none" w="med" len="med"/>
-                      <a:tailEnd type="none" w="med" len="med"/>
-                    </a:lnL>
-                    <a:lnR w="12700" cap="flat" cmpd="sng" algn="ctr">
-                      <a:solidFill>
-                        <a:schemeClr val="tx1"/>
-                      </a:solidFill>
-                      <a:prstDash val="solid"/>
-                      <a:round/>
-                      <a:headEnd type="none" w="med" len="med"/>
-                      <a:tailEnd type="none" w="med" len="med"/>
-                    </a:lnR>
-                    <a:lnT w="12700" cap="flat" cmpd="sng" algn="ctr">
-                      <a:solidFill>
-                        <a:schemeClr val="tx1"/>
-                      </a:solidFill>
-                      <a:prstDash val="solid"/>
-                      <a:round/>
-                      <a:headEnd type="none" w="med" len="med"/>
-                      <a:tailEnd type="none" w="med" len="med"/>
-                    </a:lnT>
-                    <a:lnB w="12700" cap="flat" cmpd="sng" algn="ctr">
-                      <a:solidFill>
-                        <a:schemeClr val="tx1"/>
-                      </a:solidFill>
-                      <a:prstDash val="solid"/>
-                      <a:round/>
-                      <a:headEnd type="none" w="med" len="med"/>
-                      <a:tailEnd type="none" w="med" len="med"/>
-                    </a:lnB>
-                    <a:solidFill>
-                      <a:schemeClr val="bg1"/>
-                    </a:solidFill>
-                  </a:tcPr>
-                </a:tc>
-                <a:tc>
-                  <a:txBody>
-                    <a:bodyPr/>
-                    <a:lstStyle/>
-                    <a:p>
-                      <a:pPr latinLnBrk="1"/>
-                      <a:endParaRPr lang="ko-KR" altLang="en-US" sz="1700" dirty="0"/>
-                    </a:p>
-                  </a:txBody>
-                  <a:tcPr marL="85579" marR="85579" marT="42790" marB="42790">
-                    <a:lnL w="12700" cap="flat" cmpd="sng" algn="ctr">
-                      <a:solidFill>
-                        <a:schemeClr val="tx1"/>
-                      </a:solidFill>
-                      <a:prstDash val="solid"/>
-                      <a:round/>
-                      <a:headEnd type="none" w="med" len="med"/>
-                      <a:tailEnd type="none" w="med" len="med"/>
-                    </a:lnL>
-                    <a:lnR w="12700" cap="flat" cmpd="sng" algn="ctr">
-                      <a:solidFill>
-                        <a:schemeClr val="tx1"/>
-                      </a:solidFill>
-                      <a:prstDash val="solid"/>
-                      <a:round/>
-                      <a:headEnd type="none" w="med" len="med"/>
-                      <a:tailEnd type="none" w="med" len="med"/>
-                    </a:lnR>
-                    <a:lnT w="12700" cap="flat" cmpd="sng" algn="ctr">
-                      <a:solidFill>
-                        <a:schemeClr val="tx1"/>
-                      </a:solidFill>
-                      <a:prstDash val="solid"/>
-                      <a:round/>
-                      <a:headEnd type="none" w="med" len="med"/>
-                      <a:tailEnd type="none" w="med" len="med"/>
-                    </a:lnT>
-                    <a:lnB w="12700" cap="flat" cmpd="sng" algn="ctr">
-                      <a:solidFill>
-                        <a:schemeClr val="tx1"/>
-                      </a:solidFill>
-                      <a:prstDash val="solid"/>
-                      <a:round/>
-                      <a:headEnd type="none" w="med" len="med"/>
-                      <a:tailEnd type="none" w="med" len="med"/>
-                    </a:lnB>
-                    <a:solidFill>
-                      <a:schemeClr val="bg1"/>
-                    </a:solidFill>
-                  </a:tcPr>
-                </a:tc>
-                <a:tc>
-                  <a:txBody>
-                    <a:bodyPr/>
-                    <a:lstStyle/>
-                    <a:p>
-                      <a:pPr latinLnBrk="1"/>
-                      <a:endParaRPr lang="ko-KR" altLang="en-US" sz="1700" dirty="0"/>
-                    </a:p>
-                  </a:txBody>
-                  <a:tcPr marL="85579" marR="85579" marT="42790" marB="42790">
-                    <a:lnL w="12700" cap="flat" cmpd="sng" algn="ctr">
-                      <a:solidFill>
-                        <a:schemeClr val="tx1"/>
-                      </a:solidFill>
-                      <a:prstDash val="solid"/>
-                      <a:round/>
-                      <a:headEnd type="none" w="med" len="med"/>
-                      <a:tailEnd type="none" w="med" len="med"/>
-                    </a:lnL>
-                    <a:lnR w="12700" cap="flat" cmpd="sng" algn="ctr">
-                      <a:solidFill>
-                        <a:schemeClr val="tx1"/>
-                      </a:solidFill>
-                      <a:prstDash val="solid"/>
-                      <a:round/>
-                      <a:headEnd type="none" w="med" len="med"/>
-                      <a:tailEnd type="none" w="med" len="med"/>
-                    </a:lnR>
-                    <a:lnT w="12700" cap="flat" cmpd="sng" algn="ctr">
-                      <a:solidFill>
-                        <a:schemeClr val="tx1"/>
-                      </a:solidFill>
-                      <a:prstDash val="solid"/>
-                      <a:round/>
-                      <a:headEnd type="none" w="med" len="med"/>
-                      <a:tailEnd type="none" w="med" len="med"/>
-                    </a:lnT>
-                    <a:lnB w="12700" cap="flat" cmpd="sng" algn="ctr">
-                      <a:solidFill>
-                        <a:schemeClr val="tx1"/>
-                      </a:solidFill>
-                      <a:prstDash val="solid"/>
-                      <a:round/>
-                      <a:headEnd type="none" w="med" len="med"/>
-                      <a:tailEnd type="none" w="med" len="med"/>
-                    </a:lnB>
-                    <a:solidFill>
-                      <a:schemeClr val="bg1"/>
-                    </a:solidFill>
-                  </a:tcPr>
-                </a:tc>
-                <a:tc>
-                  <a:txBody>
-                    <a:bodyPr/>
-                    <a:lstStyle/>
-                    <a:p>
-                      <a:pPr latinLnBrk="1"/>
-                      <a:endParaRPr lang="ko-KR" altLang="en-US" sz="1700" dirty="0"/>
-                    </a:p>
-                  </a:txBody>
-                  <a:tcPr marL="85579" marR="85579" marT="42790" marB="42790">
-                    <a:lnL w="12700" cap="flat" cmpd="sng" algn="ctr">
-                      <a:solidFill>
-                        <a:schemeClr val="tx1"/>
-                      </a:solidFill>
-                      <a:prstDash val="solid"/>
-                      <a:round/>
-                      <a:headEnd type="none" w="med" len="med"/>
-                      <a:tailEnd type="none" w="med" len="med"/>
-                    </a:lnL>
-                    <a:lnR w="12700" cap="flat" cmpd="sng" algn="ctr">
-                      <a:solidFill>
-                        <a:schemeClr val="tx1"/>
-                      </a:solidFill>
-                      <a:prstDash val="solid"/>
-                      <a:round/>
-                      <a:headEnd type="none" w="med" len="med"/>
-                      <a:tailEnd type="none" w="med" len="med"/>
-                    </a:lnR>
-                    <a:lnT w="12700" cap="flat" cmpd="sng" algn="ctr">
-                      <a:solidFill>
-                        <a:schemeClr val="tx1"/>
-                      </a:solidFill>
-                      <a:prstDash val="solid"/>
-                      <a:round/>
-                      <a:headEnd type="none" w="med" len="med"/>
-                      <a:tailEnd type="none" w="med" len="med"/>
-                    </a:lnT>
-                    <a:lnB w="12700" cap="flat" cmpd="sng" algn="ctr">
-                      <a:solidFill>
-                        <a:schemeClr val="tx1"/>
-                      </a:solidFill>
-                      <a:prstDash val="solid"/>
-                      <a:round/>
-                      <a:headEnd type="none" w="med" len="med"/>
-                      <a:tailEnd type="none" w="med" len="med"/>
-                    </a:lnB>
-                    <a:solidFill>
-                      <a:schemeClr val="bg1"/>
-                    </a:solidFill>
-                  </a:tcPr>
-                </a:tc>
-                <a:extLst>
-                  <a:ext uri="{0D108BD9-81ED-4DB2-BD59-A6C34878D82A}">
-                    <a16:rowId xmlns:a16="http://schemas.microsoft.com/office/drawing/2014/main" val="3002430764"/>
                   </a:ext>
                 </a:extLst>
               </a:tr>
@@ -11347,6 +11588,1776 @@
 </file>
 
 <file path=ppt/slides/slide3.xml><?xml version="1.0" encoding="utf-8"?>
+<p:sld xmlns:a="http://schemas.openxmlformats.org/drawingml/2006/main" xmlns:r="http://schemas.openxmlformats.org/officeDocument/2006/relationships" xmlns:p="http://schemas.openxmlformats.org/presentationml/2006/main">
+  <p:cSld>
+    <p:spTree>
+      <p:nvGrpSpPr>
+        <p:cNvPr id="1" name=""/>
+        <p:cNvGrpSpPr/>
+        <p:nvPr/>
+      </p:nvGrpSpPr>
+      <p:grpSpPr>
+        <a:xfrm>
+          <a:off x="0" y="0"/>
+          <a:ext cx="0" cy="0"/>
+          <a:chOff x="0" y="0"/>
+          <a:chExt cx="0" cy="0"/>
+        </a:xfrm>
+      </p:grpSpPr>
+      <p:sp>
+        <p:nvSpPr>
+          <p:cNvPr id="4" name="직사각형 3">
+            <a:extLst>
+              <a:ext uri="{FF2B5EF4-FFF2-40B4-BE49-F238E27FC236}">
+                <a16:creationId xmlns:a16="http://schemas.microsoft.com/office/drawing/2014/main" id="{78F54972-19BA-BBED-B02E-8E131B18B1E7}"/>
+              </a:ext>
+            </a:extLst>
+          </p:cNvPr>
+          <p:cNvSpPr/>
+          <p:nvPr/>
+        </p:nvSpPr>
+        <p:spPr>
+          <a:xfrm>
+            <a:off x="0" y="0"/>
+            <a:ext cx="7359587" cy="452761"/>
+          </a:xfrm>
+          <a:prstGeom prst="rect">
+            <a:avLst/>
+          </a:prstGeom>
+          <a:noFill/>
+          <a:ln>
+            <a:noFill/>
+          </a:ln>
+        </p:spPr>
+        <p:style>
+          <a:lnRef idx="2">
+            <a:schemeClr val="accent1">
+              <a:shade val="50000"/>
+            </a:schemeClr>
+          </a:lnRef>
+          <a:fillRef idx="1">
+            <a:schemeClr val="accent1"/>
+          </a:fillRef>
+          <a:effectRef idx="0">
+            <a:schemeClr val="accent1"/>
+          </a:effectRef>
+          <a:fontRef idx="minor">
+            <a:schemeClr val="lt1"/>
+          </a:fontRef>
+        </p:style>
+        <p:txBody>
+          <a:bodyPr rtlCol="0" anchor="ctr"/>
+          <a:lstStyle/>
+          <a:p>
+            <a:r>
+              <a:rPr lang="ko-KR" altLang="en-US" sz="2400" b="1" dirty="0">
+                <a:solidFill>
+                  <a:schemeClr val="tx1"/>
+                </a:solidFill>
+              </a:rPr>
+              <a:t>테이블 구조도 </a:t>
+            </a:r>
+            <a:r>
+              <a:rPr lang="en-US" altLang="ko-KR" sz="2400" b="1" dirty="0">
+                <a:solidFill>
+                  <a:schemeClr val="tx1"/>
+                </a:solidFill>
+              </a:rPr>
+              <a:t>– Member </a:t>
+            </a:r>
+            <a:r>
+              <a:rPr lang="ko-KR" altLang="en-US" sz="2400" b="1" dirty="0">
+                <a:solidFill>
+                  <a:schemeClr val="tx1"/>
+                </a:solidFill>
+              </a:rPr>
+              <a:t>테이블</a:t>
+            </a:r>
+            <a:r>
+              <a:rPr lang="en-US" altLang="ko-KR" sz="2400" b="1" dirty="0">
+                <a:solidFill>
+                  <a:schemeClr val="tx1"/>
+                </a:solidFill>
+              </a:rPr>
+              <a:t>(</a:t>
+            </a:r>
+            <a:r>
+              <a:rPr lang="ko-KR" altLang="en-US" sz="2400" dirty="0">
+                <a:solidFill>
+                  <a:schemeClr val="tx1"/>
+                </a:solidFill>
+              </a:rPr>
+              <a:t>회원 관리 테이블</a:t>
+            </a:r>
+            <a:r>
+              <a:rPr lang="en-US" altLang="ko-KR" sz="2400" b="1" dirty="0">
+                <a:solidFill>
+                  <a:schemeClr val="tx1"/>
+                </a:solidFill>
+              </a:rPr>
+              <a:t>) </a:t>
+            </a:r>
+            <a:endParaRPr lang="ko-KR" altLang="en-US" sz="2400" b="1" dirty="0">
+              <a:solidFill>
+                <a:schemeClr val="tx1"/>
+              </a:solidFill>
+            </a:endParaRPr>
+          </a:p>
+        </p:txBody>
+      </p:sp>
+      <p:sp>
+        <p:nvSpPr>
+          <p:cNvPr id="6" name="TextBox 5">
+            <a:extLst>
+              <a:ext uri="{FF2B5EF4-FFF2-40B4-BE49-F238E27FC236}">
+                <a16:creationId xmlns:a16="http://schemas.microsoft.com/office/drawing/2014/main" id="{9C467B4B-0CB5-0362-71C0-C31898D5BBF4}"/>
+              </a:ext>
+            </a:extLst>
+          </p:cNvPr>
+          <p:cNvSpPr txBox="1"/>
+          <p:nvPr/>
+        </p:nvSpPr>
+        <p:spPr>
+          <a:xfrm>
+            <a:off x="136356" y="452761"/>
+            <a:ext cx="8398043" cy="4031873"/>
+          </a:xfrm>
+          <a:prstGeom prst="rect">
+            <a:avLst/>
+          </a:prstGeom>
+          <a:noFill/>
+        </p:spPr>
+        <p:txBody>
+          <a:bodyPr wrap="square">
+            <a:spAutoFit/>
+          </a:bodyPr>
+          <a:lstStyle/>
+          <a:p>
+            <a:r>
+              <a:rPr lang="en-US" altLang="ko-KR" sz="1600" b="1" i="0" u="none" strike="noStrike" baseline="0" dirty="0">
+                <a:solidFill>
+                  <a:srgbClr val="0000FF"/>
+                </a:solidFill>
+                <a:latin typeface="Courier New" panose="02070309020205020404" pitchFamily="49" charset="0"/>
+              </a:rPr>
+              <a:t>CREATE</a:t>
+            </a:r>
+            <a:r>
+              <a:rPr lang="en-US" altLang="ko-KR" sz="1600" b="0" i="0" u="none" strike="noStrike" baseline="0" dirty="0">
+                <a:solidFill>
+                  <a:srgbClr val="000000"/>
+                </a:solidFill>
+                <a:latin typeface="Courier New" panose="02070309020205020404" pitchFamily="49" charset="0"/>
+              </a:rPr>
+              <a:t> </a:t>
+            </a:r>
+            <a:r>
+              <a:rPr lang="en-US" altLang="ko-KR" sz="1600" b="1" i="0" u="none" strike="noStrike" baseline="0" dirty="0">
+                <a:solidFill>
+                  <a:srgbClr val="0000FF"/>
+                </a:solidFill>
+                <a:latin typeface="Courier New" panose="02070309020205020404" pitchFamily="49" charset="0"/>
+              </a:rPr>
+              <a:t>TABLE</a:t>
+            </a:r>
+            <a:r>
+              <a:rPr lang="en-US" altLang="ko-KR" sz="1600" b="0" i="0" u="none" strike="noStrike" baseline="0" dirty="0">
+                <a:solidFill>
+                  <a:srgbClr val="000000"/>
+                </a:solidFill>
+                <a:latin typeface="Courier New" panose="02070309020205020404" pitchFamily="49" charset="0"/>
+              </a:rPr>
+              <a:t> </a:t>
+            </a:r>
+            <a:r>
+              <a:rPr lang="en-US" altLang="ko-KR" sz="1600" b="0" i="0" u="none" strike="noStrike" baseline="0" dirty="0">
+                <a:solidFill>
+                  <a:srgbClr val="808000"/>
+                </a:solidFill>
+                <a:latin typeface="Courier New" panose="02070309020205020404" pitchFamily="49" charset="0"/>
+              </a:rPr>
+              <a:t>`member`</a:t>
+            </a:r>
+            <a:r>
+              <a:rPr lang="en-US" altLang="ko-KR" sz="1600" b="0" i="0" u="none" strike="noStrike" baseline="0" dirty="0">
+                <a:solidFill>
+                  <a:srgbClr val="000000"/>
+                </a:solidFill>
+                <a:latin typeface="Courier New" panose="02070309020205020404" pitchFamily="49" charset="0"/>
+              </a:rPr>
+              <a:t> </a:t>
+            </a:r>
+            <a:r>
+              <a:rPr lang="en-US" altLang="ko-KR" sz="1600" b="0" i="0" u="none" strike="noStrike" baseline="0" dirty="0">
+                <a:solidFill>
+                  <a:srgbClr val="0000FF"/>
+                </a:solidFill>
+                <a:latin typeface="Courier New" panose="02070309020205020404" pitchFamily="49" charset="0"/>
+              </a:rPr>
+              <a:t>(</a:t>
+            </a:r>
+          </a:p>
+          <a:p>
+            <a:r>
+              <a:rPr lang="en-US" altLang="ko-KR" sz="1600" b="0" i="0" u="none" strike="noStrike" baseline="0" dirty="0">
+                <a:solidFill>
+                  <a:srgbClr val="808000"/>
+                </a:solidFill>
+                <a:latin typeface="Courier New" panose="02070309020205020404" pitchFamily="49" charset="0"/>
+              </a:rPr>
+              <a:t>`M_ID`</a:t>
+            </a:r>
+            <a:r>
+              <a:rPr lang="en-US" altLang="ko-KR" sz="1600" b="0" i="0" u="none" strike="noStrike" baseline="0" dirty="0">
+                <a:solidFill>
+                  <a:srgbClr val="000000"/>
+                </a:solidFill>
+                <a:latin typeface="Courier New" panose="02070309020205020404" pitchFamily="49" charset="0"/>
+              </a:rPr>
+              <a:t> </a:t>
+            </a:r>
+            <a:r>
+              <a:rPr lang="en-US" altLang="ko-KR" sz="1600" b="1" i="0" u="none" strike="noStrike" baseline="0" dirty="0">
+                <a:solidFill>
+                  <a:srgbClr val="800000"/>
+                </a:solidFill>
+                <a:latin typeface="Courier New" panose="02070309020205020404" pitchFamily="49" charset="0"/>
+              </a:rPr>
+              <a:t>VARCHAR</a:t>
+            </a:r>
+            <a:r>
+              <a:rPr lang="en-US" altLang="ko-KR" sz="1600" b="0" i="0" u="none" strike="noStrike" baseline="0" dirty="0">
+                <a:solidFill>
+                  <a:srgbClr val="0000FF"/>
+                </a:solidFill>
+                <a:latin typeface="Courier New" panose="02070309020205020404" pitchFamily="49" charset="0"/>
+              </a:rPr>
+              <a:t>(</a:t>
+            </a:r>
+            <a:r>
+              <a:rPr lang="en-US" altLang="ko-KR" sz="1600" b="0" i="0" u="none" strike="noStrike" baseline="0" dirty="0">
+                <a:solidFill>
+                  <a:srgbClr val="800080"/>
+                </a:solidFill>
+                <a:latin typeface="Courier New" panose="02070309020205020404" pitchFamily="49" charset="0"/>
+              </a:rPr>
+              <a:t>20</a:t>
+            </a:r>
+            <a:r>
+              <a:rPr lang="en-US" altLang="ko-KR" sz="1600" b="0" i="0" u="none" strike="noStrike" baseline="0" dirty="0">
+                <a:solidFill>
+                  <a:srgbClr val="0000FF"/>
+                </a:solidFill>
+                <a:latin typeface="Courier New" panose="02070309020205020404" pitchFamily="49" charset="0"/>
+              </a:rPr>
+              <a:t>)</a:t>
+            </a:r>
+            <a:r>
+              <a:rPr lang="en-US" altLang="ko-KR" sz="1600" b="0" i="0" u="none" strike="noStrike" baseline="0" dirty="0">
+                <a:solidFill>
+                  <a:srgbClr val="000000"/>
+                </a:solidFill>
+                <a:latin typeface="Courier New" panose="02070309020205020404" pitchFamily="49" charset="0"/>
+              </a:rPr>
+              <a:t> </a:t>
+            </a:r>
+            <a:r>
+              <a:rPr lang="en-US" altLang="ko-KR" sz="1600" b="1" i="0" u="none" strike="noStrike" baseline="0" dirty="0">
+                <a:solidFill>
+                  <a:srgbClr val="0000FF"/>
+                </a:solidFill>
+                <a:latin typeface="Courier New" panose="02070309020205020404" pitchFamily="49" charset="0"/>
+              </a:rPr>
+              <a:t>NOT</a:t>
+            </a:r>
+            <a:r>
+              <a:rPr lang="en-US" altLang="ko-KR" sz="1600" b="0" i="0" u="none" strike="noStrike" baseline="0" dirty="0">
+                <a:solidFill>
+                  <a:srgbClr val="000000"/>
+                </a:solidFill>
+                <a:latin typeface="Courier New" panose="02070309020205020404" pitchFamily="49" charset="0"/>
+              </a:rPr>
+              <a:t> </a:t>
+            </a:r>
+            <a:r>
+              <a:rPr lang="en-US" altLang="ko-KR" sz="1600" b="1" i="0" u="none" strike="noStrike" baseline="0" dirty="0">
+                <a:solidFill>
+                  <a:srgbClr val="0000FF"/>
+                </a:solidFill>
+                <a:latin typeface="Courier New" panose="02070309020205020404" pitchFamily="49" charset="0"/>
+              </a:rPr>
+              <a:t>NULL</a:t>
+            </a:r>
+            <a:r>
+              <a:rPr lang="en-US" altLang="ko-KR" sz="1600" b="0" i="0" u="none" strike="noStrike" baseline="0" dirty="0">
+                <a:solidFill>
+                  <a:srgbClr val="000000"/>
+                </a:solidFill>
+                <a:latin typeface="Courier New" panose="02070309020205020404" pitchFamily="49" charset="0"/>
+              </a:rPr>
+              <a:t> </a:t>
+            </a:r>
+            <a:r>
+              <a:rPr lang="en-US" altLang="ko-KR" sz="1600" b="1" i="0" u="none" strike="noStrike" baseline="0" dirty="0">
+                <a:solidFill>
+                  <a:srgbClr val="0000FF"/>
+                </a:solidFill>
+                <a:latin typeface="Courier New" panose="02070309020205020404" pitchFamily="49" charset="0"/>
+              </a:rPr>
+              <a:t>COLLATE</a:t>
+            </a:r>
+            <a:r>
+              <a:rPr lang="en-US" altLang="ko-KR" sz="1600" b="0" i="0" u="none" strike="noStrike" baseline="0" dirty="0">
+                <a:solidFill>
+                  <a:srgbClr val="000000"/>
+                </a:solidFill>
+                <a:latin typeface="Courier New" panose="02070309020205020404" pitchFamily="49" charset="0"/>
+              </a:rPr>
+              <a:t> </a:t>
+            </a:r>
+            <a:r>
+              <a:rPr lang="en-US" altLang="ko-KR" sz="1600" b="0" i="0" u="none" strike="noStrike" baseline="0" dirty="0">
+                <a:solidFill>
+                  <a:srgbClr val="008000"/>
+                </a:solidFill>
+                <a:latin typeface="Courier New" panose="02070309020205020404" pitchFamily="49" charset="0"/>
+              </a:rPr>
+              <a:t>'utf8mb3_bin'</a:t>
+            </a:r>
+            <a:r>
+              <a:rPr lang="en-US" altLang="ko-KR" sz="1600" b="0" i="0" u="none" strike="noStrike" baseline="0" dirty="0">
+                <a:solidFill>
+                  <a:srgbClr val="0000FF"/>
+                </a:solidFill>
+                <a:latin typeface="Courier New" panose="02070309020205020404" pitchFamily="49" charset="0"/>
+              </a:rPr>
+              <a:t>,</a:t>
+            </a:r>
+          </a:p>
+          <a:p>
+            <a:r>
+              <a:rPr lang="en-US" altLang="ko-KR" sz="1600" b="0" i="0" u="none" strike="noStrike" baseline="0" dirty="0">
+                <a:solidFill>
+                  <a:srgbClr val="808000"/>
+                </a:solidFill>
+                <a:latin typeface="Courier New" panose="02070309020205020404" pitchFamily="49" charset="0"/>
+              </a:rPr>
+              <a:t>`M_PW`</a:t>
+            </a:r>
+            <a:r>
+              <a:rPr lang="en-US" altLang="ko-KR" sz="1600" b="0" i="0" u="none" strike="noStrike" baseline="0" dirty="0">
+                <a:solidFill>
+                  <a:srgbClr val="000000"/>
+                </a:solidFill>
+                <a:latin typeface="Courier New" panose="02070309020205020404" pitchFamily="49" charset="0"/>
+              </a:rPr>
+              <a:t> </a:t>
+            </a:r>
+            <a:r>
+              <a:rPr lang="en-US" altLang="ko-KR" sz="1600" b="1" i="0" u="none" strike="noStrike" baseline="0" dirty="0">
+                <a:solidFill>
+                  <a:srgbClr val="800000"/>
+                </a:solidFill>
+                <a:latin typeface="Courier New" panose="02070309020205020404" pitchFamily="49" charset="0"/>
+              </a:rPr>
+              <a:t>VARCHAR</a:t>
+            </a:r>
+            <a:r>
+              <a:rPr lang="en-US" altLang="ko-KR" sz="1600" b="0" i="0" u="none" strike="noStrike" baseline="0" dirty="0">
+                <a:solidFill>
+                  <a:srgbClr val="0000FF"/>
+                </a:solidFill>
+                <a:latin typeface="Courier New" panose="02070309020205020404" pitchFamily="49" charset="0"/>
+              </a:rPr>
+              <a:t>(</a:t>
+            </a:r>
+            <a:r>
+              <a:rPr lang="en-US" altLang="ko-KR" sz="1600" b="0" i="0" u="none" strike="noStrike" baseline="0" dirty="0">
+                <a:solidFill>
+                  <a:srgbClr val="800080"/>
+                </a:solidFill>
+                <a:latin typeface="Courier New" panose="02070309020205020404" pitchFamily="49" charset="0"/>
+              </a:rPr>
+              <a:t>20</a:t>
+            </a:r>
+            <a:r>
+              <a:rPr lang="en-US" altLang="ko-KR" sz="1600" b="0" i="0" u="none" strike="noStrike" baseline="0" dirty="0">
+                <a:solidFill>
+                  <a:srgbClr val="0000FF"/>
+                </a:solidFill>
+                <a:latin typeface="Courier New" panose="02070309020205020404" pitchFamily="49" charset="0"/>
+              </a:rPr>
+              <a:t>)</a:t>
+            </a:r>
+            <a:r>
+              <a:rPr lang="en-US" altLang="ko-KR" sz="1600" b="0" i="0" u="none" strike="noStrike" baseline="0" dirty="0">
+                <a:solidFill>
+                  <a:srgbClr val="000000"/>
+                </a:solidFill>
+                <a:latin typeface="Courier New" panose="02070309020205020404" pitchFamily="49" charset="0"/>
+              </a:rPr>
+              <a:t> </a:t>
+            </a:r>
+            <a:r>
+              <a:rPr lang="en-US" altLang="ko-KR" sz="1600" b="1" i="0" u="none" strike="noStrike" baseline="0" dirty="0">
+                <a:solidFill>
+                  <a:srgbClr val="0000FF"/>
+                </a:solidFill>
+                <a:latin typeface="Courier New" panose="02070309020205020404" pitchFamily="49" charset="0"/>
+              </a:rPr>
+              <a:t>NOT</a:t>
+            </a:r>
+            <a:r>
+              <a:rPr lang="en-US" altLang="ko-KR" sz="1600" b="0" i="0" u="none" strike="noStrike" baseline="0" dirty="0">
+                <a:solidFill>
+                  <a:srgbClr val="000000"/>
+                </a:solidFill>
+                <a:latin typeface="Courier New" panose="02070309020205020404" pitchFamily="49" charset="0"/>
+              </a:rPr>
+              <a:t> </a:t>
+            </a:r>
+            <a:r>
+              <a:rPr lang="en-US" altLang="ko-KR" sz="1600" b="1" i="0" u="none" strike="noStrike" baseline="0" dirty="0">
+                <a:solidFill>
+                  <a:srgbClr val="0000FF"/>
+                </a:solidFill>
+                <a:latin typeface="Courier New" panose="02070309020205020404" pitchFamily="49" charset="0"/>
+              </a:rPr>
+              <a:t>NULL</a:t>
+            </a:r>
+            <a:r>
+              <a:rPr lang="en-US" altLang="ko-KR" sz="1600" b="0" i="0" u="none" strike="noStrike" baseline="0" dirty="0">
+                <a:solidFill>
+                  <a:srgbClr val="000000"/>
+                </a:solidFill>
+                <a:latin typeface="Courier New" panose="02070309020205020404" pitchFamily="49" charset="0"/>
+              </a:rPr>
+              <a:t> </a:t>
+            </a:r>
+            <a:r>
+              <a:rPr lang="en-US" altLang="ko-KR" sz="1600" b="1" i="0" u="none" strike="noStrike" baseline="0" dirty="0">
+                <a:solidFill>
+                  <a:srgbClr val="0000FF"/>
+                </a:solidFill>
+                <a:latin typeface="Courier New" panose="02070309020205020404" pitchFamily="49" charset="0"/>
+              </a:rPr>
+              <a:t>DEFAULT</a:t>
+            </a:r>
+            <a:r>
+              <a:rPr lang="en-US" altLang="ko-KR" sz="1600" b="0" i="0" u="none" strike="noStrike" baseline="0" dirty="0">
+                <a:solidFill>
+                  <a:srgbClr val="000000"/>
+                </a:solidFill>
+                <a:latin typeface="Courier New" panose="02070309020205020404" pitchFamily="49" charset="0"/>
+              </a:rPr>
+              <a:t> </a:t>
+            </a:r>
+            <a:r>
+              <a:rPr lang="en-US" altLang="ko-KR" sz="1600" b="0" i="0" u="none" strike="noStrike" baseline="0" dirty="0">
+                <a:solidFill>
+                  <a:srgbClr val="008000"/>
+                </a:solidFill>
+                <a:latin typeface="Courier New" panose="02070309020205020404" pitchFamily="49" charset="0"/>
+              </a:rPr>
+              <a:t>''</a:t>
+            </a:r>
+            <a:r>
+              <a:rPr lang="en-US" altLang="ko-KR" sz="1600" b="0" i="0" u="none" strike="noStrike" baseline="0" dirty="0">
+                <a:solidFill>
+                  <a:srgbClr val="000000"/>
+                </a:solidFill>
+                <a:latin typeface="Courier New" panose="02070309020205020404" pitchFamily="49" charset="0"/>
+              </a:rPr>
+              <a:t> </a:t>
+            </a:r>
+            <a:r>
+              <a:rPr lang="en-US" altLang="ko-KR" sz="1600" b="1" i="0" u="none" strike="noStrike" baseline="0" dirty="0">
+                <a:solidFill>
+                  <a:srgbClr val="0000FF"/>
+                </a:solidFill>
+                <a:latin typeface="Courier New" panose="02070309020205020404" pitchFamily="49" charset="0"/>
+              </a:rPr>
+              <a:t>COLLATE</a:t>
+            </a:r>
+            <a:r>
+              <a:rPr lang="en-US" altLang="ko-KR" sz="1600" b="0" i="0" u="none" strike="noStrike" baseline="0" dirty="0">
+                <a:solidFill>
+                  <a:srgbClr val="000000"/>
+                </a:solidFill>
+                <a:latin typeface="Courier New" panose="02070309020205020404" pitchFamily="49" charset="0"/>
+              </a:rPr>
+              <a:t> </a:t>
+            </a:r>
+            <a:r>
+              <a:rPr lang="en-US" altLang="ko-KR" sz="1600" b="0" i="0" u="none" strike="noStrike" baseline="0" dirty="0">
+                <a:solidFill>
+                  <a:srgbClr val="008000"/>
+                </a:solidFill>
+                <a:latin typeface="Courier New" panose="02070309020205020404" pitchFamily="49" charset="0"/>
+              </a:rPr>
+              <a:t>'utf8mb3_bin'</a:t>
+            </a:r>
+            <a:r>
+              <a:rPr lang="en-US" altLang="ko-KR" sz="1600" b="0" i="0" u="none" strike="noStrike" baseline="0" dirty="0">
+                <a:solidFill>
+                  <a:srgbClr val="0000FF"/>
+                </a:solidFill>
+                <a:latin typeface="Courier New" panose="02070309020205020404" pitchFamily="49" charset="0"/>
+              </a:rPr>
+              <a:t>,</a:t>
+            </a:r>
+          </a:p>
+          <a:p>
+            <a:r>
+              <a:rPr lang="en-US" altLang="ko-KR" sz="1600" b="0" i="0" u="none" strike="noStrike" baseline="0" dirty="0">
+                <a:solidFill>
+                  <a:srgbClr val="808000"/>
+                </a:solidFill>
+                <a:latin typeface="Courier New" panose="02070309020205020404" pitchFamily="49" charset="0"/>
+              </a:rPr>
+              <a:t>`M_NAME`</a:t>
+            </a:r>
+            <a:r>
+              <a:rPr lang="en-US" altLang="ko-KR" sz="1600" b="0" i="0" u="none" strike="noStrike" baseline="0" dirty="0">
+                <a:solidFill>
+                  <a:srgbClr val="000000"/>
+                </a:solidFill>
+                <a:latin typeface="Courier New" panose="02070309020205020404" pitchFamily="49" charset="0"/>
+              </a:rPr>
+              <a:t> </a:t>
+            </a:r>
+            <a:r>
+              <a:rPr lang="en-US" altLang="ko-KR" sz="1600" b="1" i="0" u="none" strike="noStrike" baseline="0" dirty="0">
+                <a:solidFill>
+                  <a:srgbClr val="800000"/>
+                </a:solidFill>
+                <a:latin typeface="Courier New" panose="02070309020205020404" pitchFamily="49" charset="0"/>
+              </a:rPr>
+              <a:t>VARCHAR</a:t>
+            </a:r>
+            <a:r>
+              <a:rPr lang="en-US" altLang="ko-KR" sz="1600" b="0" i="0" u="none" strike="noStrike" baseline="0" dirty="0">
+                <a:solidFill>
+                  <a:srgbClr val="0000FF"/>
+                </a:solidFill>
+                <a:latin typeface="Courier New" panose="02070309020205020404" pitchFamily="49" charset="0"/>
+              </a:rPr>
+              <a:t>(</a:t>
+            </a:r>
+            <a:r>
+              <a:rPr lang="en-US" altLang="ko-KR" sz="1600" b="0" i="0" u="none" strike="noStrike" baseline="0" dirty="0">
+                <a:solidFill>
+                  <a:srgbClr val="800080"/>
+                </a:solidFill>
+                <a:latin typeface="Courier New" panose="02070309020205020404" pitchFamily="49" charset="0"/>
+              </a:rPr>
+              <a:t>20</a:t>
+            </a:r>
+            <a:r>
+              <a:rPr lang="en-US" altLang="ko-KR" sz="1600" b="0" i="0" u="none" strike="noStrike" baseline="0" dirty="0">
+                <a:solidFill>
+                  <a:srgbClr val="0000FF"/>
+                </a:solidFill>
+                <a:latin typeface="Courier New" panose="02070309020205020404" pitchFamily="49" charset="0"/>
+              </a:rPr>
+              <a:t>)</a:t>
+            </a:r>
+            <a:r>
+              <a:rPr lang="en-US" altLang="ko-KR" sz="1600" b="0" i="0" u="none" strike="noStrike" baseline="0" dirty="0">
+                <a:solidFill>
+                  <a:srgbClr val="000000"/>
+                </a:solidFill>
+                <a:latin typeface="Courier New" panose="02070309020205020404" pitchFamily="49" charset="0"/>
+              </a:rPr>
+              <a:t> </a:t>
+            </a:r>
+            <a:r>
+              <a:rPr lang="en-US" altLang="ko-KR" sz="1600" b="1" i="0" u="none" strike="noStrike" baseline="0" dirty="0">
+                <a:solidFill>
+                  <a:srgbClr val="0000FF"/>
+                </a:solidFill>
+                <a:latin typeface="Courier New" panose="02070309020205020404" pitchFamily="49" charset="0"/>
+              </a:rPr>
+              <a:t>NOT</a:t>
+            </a:r>
+            <a:r>
+              <a:rPr lang="en-US" altLang="ko-KR" sz="1600" b="0" i="0" u="none" strike="noStrike" baseline="0" dirty="0">
+                <a:solidFill>
+                  <a:srgbClr val="000000"/>
+                </a:solidFill>
+                <a:latin typeface="Courier New" panose="02070309020205020404" pitchFamily="49" charset="0"/>
+              </a:rPr>
+              <a:t> </a:t>
+            </a:r>
+            <a:r>
+              <a:rPr lang="en-US" altLang="ko-KR" sz="1600" b="1" i="0" u="none" strike="noStrike" baseline="0" dirty="0">
+                <a:solidFill>
+                  <a:srgbClr val="0000FF"/>
+                </a:solidFill>
+                <a:latin typeface="Courier New" panose="02070309020205020404" pitchFamily="49" charset="0"/>
+              </a:rPr>
+              <a:t>NULL</a:t>
+            </a:r>
+            <a:r>
+              <a:rPr lang="en-US" altLang="ko-KR" sz="1600" b="0" i="0" u="none" strike="noStrike" baseline="0" dirty="0">
+                <a:solidFill>
+                  <a:srgbClr val="000000"/>
+                </a:solidFill>
+                <a:latin typeface="Courier New" panose="02070309020205020404" pitchFamily="49" charset="0"/>
+              </a:rPr>
+              <a:t> </a:t>
+            </a:r>
+            <a:r>
+              <a:rPr lang="en-US" altLang="ko-KR" sz="1600" b="1" i="0" u="none" strike="noStrike" baseline="0" dirty="0">
+                <a:solidFill>
+                  <a:srgbClr val="0000FF"/>
+                </a:solidFill>
+                <a:latin typeface="Courier New" panose="02070309020205020404" pitchFamily="49" charset="0"/>
+              </a:rPr>
+              <a:t>DEFAULT</a:t>
+            </a:r>
+            <a:r>
+              <a:rPr lang="en-US" altLang="ko-KR" sz="1600" b="0" i="0" u="none" strike="noStrike" baseline="0" dirty="0">
+                <a:solidFill>
+                  <a:srgbClr val="000000"/>
+                </a:solidFill>
+                <a:latin typeface="Courier New" panose="02070309020205020404" pitchFamily="49" charset="0"/>
+              </a:rPr>
+              <a:t> </a:t>
+            </a:r>
+            <a:r>
+              <a:rPr lang="en-US" altLang="ko-KR" sz="1600" b="0" i="0" u="none" strike="noStrike" baseline="0" dirty="0">
+                <a:solidFill>
+                  <a:srgbClr val="008000"/>
+                </a:solidFill>
+                <a:latin typeface="Courier New" panose="02070309020205020404" pitchFamily="49" charset="0"/>
+              </a:rPr>
+              <a:t>''</a:t>
+            </a:r>
+            <a:r>
+              <a:rPr lang="en-US" altLang="ko-KR" sz="1600" b="0" i="0" u="none" strike="noStrike" baseline="0" dirty="0">
+                <a:solidFill>
+                  <a:srgbClr val="000000"/>
+                </a:solidFill>
+                <a:latin typeface="Courier New" panose="02070309020205020404" pitchFamily="49" charset="0"/>
+              </a:rPr>
+              <a:t> </a:t>
+            </a:r>
+            <a:r>
+              <a:rPr lang="en-US" altLang="ko-KR" sz="1600" b="1" i="0" u="none" strike="noStrike" baseline="0" dirty="0">
+                <a:solidFill>
+                  <a:srgbClr val="0000FF"/>
+                </a:solidFill>
+                <a:latin typeface="Courier New" panose="02070309020205020404" pitchFamily="49" charset="0"/>
+              </a:rPr>
+              <a:t>COLLATE</a:t>
+            </a:r>
+            <a:r>
+              <a:rPr lang="en-US" altLang="ko-KR" sz="1600" b="0" i="0" u="none" strike="noStrike" baseline="0" dirty="0">
+                <a:solidFill>
+                  <a:srgbClr val="000000"/>
+                </a:solidFill>
+                <a:latin typeface="Courier New" panose="02070309020205020404" pitchFamily="49" charset="0"/>
+              </a:rPr>
+              <a:t> </a:t>
+            </a:r>
+            <a:r>
+              <a:rPr lang="en-US" altLang="ko-KR" sz="1600" b="0" i="0" u="none" strike="noStrike" baseline="0" dirty="0">
+                <a:solidFill>
+                  <a:srgbClr val="008000"/>
+                </a:solidFill>
+                <a:latin typeface="Courier New" panose="02070309020205020404" pitchFamily="49" charset="0"/>
+              </a:rPr>
+              <a:t>'utf8mb3_bin'</a:t>
+            </a:r>
+            <a:r>
+              <a:rPr lang="en-US" altLang="ko-KR" sz="1600" b="0" i="0" u="none" strike="noStrike" baseline="0" dirty="0">
+                <a:solidFill>
+                  <a:srgbClr val="0000FF"/>
+                </a:solidFill>
+                <a:latin typeface="Courier New" panose="02070309020205020404" pitchFamily="49" charset="0"/>
+              </a:rPr>
+              <a:t>,</a:t>
+            </a:r>
+          </a:p>
+          <a:p>
+            <a:r>
+              <a:rPr lang="en-US" altLang="ko-KR" sz="1600" b="0" i="0" u="none" strike="noStrike" baseline="0" dirty="0">
+                <a:solidFill>
+                  <a:srgbClr val="808000"/>
+                </a:solidFill>
+                <a:latin typeface="Courier New" panose="02070309020205020404" pitchFamily="49" charset="0"/>
+              </a:rPr>
+              <a:t>`M_EMAIL1`</a:t>
+            </a:r>
+            <a:r>
+              <a:rPr lang="en-US" altLang="ko-KR" sz="1600" b="0" i="0" u="none" strike="noStrike" baseline="0" dirty="0">
+                <a:solidFill>
+                  <a:srgbClr val="000000"/>
+                </a:solidFill>
+                <a:latin typeface="Courier New" panose="02070309020205020404" pitchFamily="49" charset="0"/>
+              </a:rPr>
+              <a:t> </a:t>
+            </a:r>
+            <a:r>
+              <a:rPr lang="en-US" altLang="ko-KR" sz="1600" b="1" i="0" u="none" strike="noStrike" baseline="0" dirty="0">
+                <a:solidFill>
+                  <a:srgbClr val="800000"/>
+                </a:solidFill>
+                <a:latin typeface="Courier New" panose="02070309020205020404" pitchFamily="49" charset="0"/>
+              </a:rPr>
+              <a:t>VARCHAR</a:t>
+            </a:r>
+            <a:r>
+              <a:rPr lang="en-US" altLang="ko-KR" sz="1600" b="0" i="0" u="none" strike="noStrike" baseline="0" dirty="0">
+                <a:solidFill>
+                  <a:srgbClr val="0000FF"/>
+                </a:solidFill>
+                <a:latin typeface="Courier New" panose="02070309020205020404" pitchFamily="49" charset="0"/>
+              </a:rPr>
+              <a:t>(</a:t>
+            </a:r>
+            <a:r>
+              <a:rPr lang="en-US" altLang="ko-KR" sz="1600" b="0" i="0" u="none" strike="noStrike" baseline="0" dirty="0">
+                <a:solidFill>
+                  <a:srgbClr val="800080"/>
+                </a:solidFill>
+                <a:latin typeface="Courier New" panose="02070309020205020404" pitchFamily="49" charset="0"/>
+              </a:rPr>
+              <a:t>40</a:t>
+            </a:r>
+            <a:r>
+              <a:rPr lang="en-US" altLang="ko-KR" sz="1600" b="0" i="0" u="none" strike="noStrike" baseline="0" dirty="0">
+                <a:solidFill>
+                  <a:srgbClr val="0000FF"/>
+                </a:solidFill>
+                <a:latin typeface="Courier New" panose="02070309020205020404" pitchFamily="49" charset="0"/>
+              </a:rPr>
+              <a:t>)</a:t>
+            </a:r>
+            <a:r>
+              <a:rPr lang="en-US" altLang="ko-KR" sz="1600" b="0" i="0" u="none" strike="noStrike" baseline="0" dirty="0">
+                <a:solidFill>
+                  <a:srgbClr val="000000"/>
+                </a:solidFill>
+                <a:latin typeface="Courier New" panose="02070309020205020404" pitchFamily="49" charset="0"/>
+              </a:rPr>
+              <a:t> </a:t>
+            </a:r>
+            <a:r>
+              <a:rPr lang="en-US" altLang="ko-KR" sz="1600" b="1" i="0" u="none" strike="noStrike" baseline="0" dirty="0">
+                <a:solidFill>
+                  <a:srgbClr val="0000FF"/>
+                </a:solidFill>
+                <a:latin typeface="Courier New" panose="02070309020205020404" pitchFamily="49" charset="0"/>
+              </a:rPr>
+              <a:t>NOT</a:t>
+            </a:r>
+            <a:r>
+              <a:rPr lang="en-US" altLang="ko-KR" sz="1600" b="0" i="0" u="none" strike="noStrike" baseline="0" dirty="0">
+                <a:solidFill>
+                  <a:srgbClr val="000000"/>
+                </a:solidFill>
+                <a:latin typeface="Courier New" panose="02070309020205020404" pitchFamily="49" charset="0"/>
+              </a:rPr>
+              <a:t> </a:t>
+            </a:r>
+            <a:r>
+              <a:rPr lang="en-US" altLang="ko-KR" sz="1600" b="1" i="0" u="none" strike="noStrike" baseline="0" dirty="0">
+                <a:solidFill>
+                  <a:srgbClr val="0000FF"/>
+                </a:solidFill>
+                <a:latin typeface="Courier New" panose="02070309020205020404" pitchFamily="49" charset="0"/>
+              </a:rPr>
+              <a:t>NULL</a:t>
+            </a:r>
+            <a:r>
+              <a:rPr lang="en-US" altLang="ko-KR" sz="1600" b="0" i="0" u="none" strike="noStrike" baseline="0" dirty="0">
+                <a:solidFill>
+                  <a:srgbClr val="000000"/>
+                </a:solidFill>
+                <a:latin typeface="Courier New" panose="02070309020205020404" pitchFamily="49" charset="0"/>
+              </a:rPr>
+              <a:t> </a:t>
+            </a:r>
+            <a:r>
+              <a:rPr lang="en-US" altLang="ko-KR" sz="1600" b="1" i="0" u="none" strike="noStrike" baseline="0" dirty="0">
+                <a:solidFill>
+                  <a:srgbClr val="0000FF"/>
+                </a:solidFill>
+                <a:latin typeface="Courier New" panose="02070309020205020404" pitchFamily="49" charset="0"/>
+              </a:rPr>
+              <a:t>DEFAULT</a:t>
+            </a:r>
+            <a:r>
+              <a:rPr lang="en-US" altLang="ko-KR" sz="1600" b="0" i="0" u="none" strike="noStrike" baseline="0" dirty="0">
+                <a:solidFill>
+                  <a:srgbClr val="000000"/>
+                </a:solidFill>
+                <a:latin typeface="Courier New" panose="02070309020205020404" pitchFamily="49" charset="0"/>
+              </a:rPr>
+              <a:t> </a:t>
+            </a:r>
+            <a:r>
+              <a:rPr lang="en-US" altLang="ko-KR" sz="1600" b="0" i="0" u="none" strike="noStrike" baseline="0" dirty="0">
+                <a:solidFill>
+                  <a:srgbClr val="008000"/>
+                </a:solidFill>
+                <a:latin typeface="Courier New" panose="02070309020205020404" pitchFamily="49" charset="0"/>
+              </a:rPr>
+              <a:t>''</a:t>
+            </a:r>
+            <a:r>
+              <a:rPr lang="en-US" altLang="ko-KR" sz="1600" b="0" i="0" u="none" strike="noStrike" baseline="0" dirty="0">
+                <a:solidFill>
+                  <a:srgbClr val="000000"/>
+                </a:solidFill>
+                <a:latin typeface="Courier New" panose="02070309020205020404" pitchFamily="49" charset="0"/>
+              </a:rPr>
+              <a:t> </a:t>
+            </a:r>
+            <a:r>
+              <a:rPr lang="en-US" altLang="ko-KR" sz="1600" b="1" i="0" u="none" strike="noStrike" baseline="0" dirty="0">
+                <a:solidFill>
+                  <a:srgbClr val="0000FF"/>
+                </a:solidFill>
+                <a:latin typeface="Courier New" panose="02070309020205020404" pitchFamily="49" charset="0"/>
+              </a:rPr>
+              <a:t>COLLATE</a:t>
+            </a:r>
+            <a:r>
+              <a:rPr lang="en-US" altLang="ko-KR" sz="1600" b="0" i="0" u="none" strike="noStrike" baseline="0" dirty="0">
+                <a:solidFill>
+                  <a:srgbClr val="000000"/>
+                </a:solidFill>
+                <a:latin typeface="Courier New" panose="02070309020205020404" pitchFamily="49" charset="0"/>
+              </a:rPr>
+              <a:t> </a:t>
+            </a:r>
+            <a:r>
+              <a:rPr lang="en-US" altLang="ko-KR" sz="1600" b="0" i="0" u="none" strike="noStrike" baseline="0" dirty="0">
+                <a:solidFill>
+                  <a:srgbClr val="008000"/>
+                </a:solidFill>
+                <a:latin typeface="Courier New" panose="02070309020205020404" pitchFamily="49" charset="0"/>
+              </a:rPr>
+              <a:t>'utf8mb3_bin'</a:t>
+            </a:r>
+            <a:r>
+              <a:rPr lang="en-US" altLang="ko-KR" sz="1600" b="0" i="0" u="none" strike="noStrike" baseline="0" dirty="0">
+                <a:solidFill>
+                  <a:srgbClr val="0000FF"/>
+                </a:solidFill>
+                <a:latin typeface="Courier New" panose="02070309020205020404" pitchFamily="49" charset="0"/>
+              </a:rPr>
+              <a:t>,</a:t>
+            </a:r>
+          </a:p>
+          <a:p>
+            <a:r>
+              <a:rPr lang="en-US" altLang="ko-KR" sz="1600" b="0" i="0" u="none" strike="noStrike" baseline="0" dirty="0">
+                <a:solidFill>
+                  <a:srgbClr val="808000"/>
+                </a:solidFill>
+                <a:latin typeface="Courier New" panose="02070309020205020404" pitchFamily="49" charset="0"/>
+              </a:rPr>
+              <a:t>`M_EMAIL2`</a:t>
+            </a:r>
+            <a:r>
+              <a:rPr lang="en-US" altLang="ko-KR" sz="1600" b="0" i="0" u="none" strike="noStrike" baseline="0" dirty="0">
+                <a:solidFill>
+                  <a:srgbClr val="000000"/>
+                </a:solidFill>
+                <a:latin typeface="Courier New" panose="02070309020205020404" pitchFamily="49" charset="0"/>
+              </a:rPr>
+              <a:t> </a:t>
+            </a:r>
+            <a:r>
+              <a:rPr lang="en-US" altLang="ko-KR" sz="1600" b="1" i="0" u="none" strike="noStrike" baseline="0" dirty="0">
+                <a:solidFill>
+                  <a:srgbClr val="800000"/>
+                </a:solidFill>
+                <a:latin typeface="Courier New" panose="02070309020205020404" pitchFamily="49" charset="0"/>
+              </a:rPr>
+              <a:t>VARCHAR</a:t>
+            </a:r>
+            <a:r>
+              <a:rPr lang="en-US" altLang="ko-KR" sz="1600" b="0" i="0" u="none" strike="noStrike" baseline="0" dirty="0">
+                <a:solidFill>
+                  <a:srgbClr val="0000FF"/>
+                </a:solidFill>
+                <a:latin typeface="Courier New" panose="02070309020205020404" pitchFamily="49" charset="0"/>
+              </a:rPr>
+              <a:t>(</a:t>
+            </a:r>
+            <a:r>
+              <a:rPr lang="en-US" altLang="ko-KR" sz="1600" b="0" i="0" u="none" strike="noStrike" baseline="0" dirty="0">
+                <a:solidFill>
+                  <a:srgbClr val="800080"/>
+                </a:solidFill>
+                <a:latin typeface="Courier New" panose="02070309020205020404" pitchFamily="49" charset="0"/>
+              </a:rPr>
+              <a:t>40</a:t>
+            </a:r>
+            <a:r>
+              <a:rPr lang="en-US" altLang="ko-KR" sz="1600" b="0" i="0" u="none" strike="noStrike" baseline="0" dirty="0">
+                <a:solidFill>
+                  <a:srgbClr val="0000FF"/>
+                </a:solidFill>
+                <a:latin typeface="Courier New" panose="02070309020205020404" pitchFamily="49" charset="0"/>
+              </a:rPr>
+              <a:t>)</a:t>
+            </a:r>
+            <a:r>
+              <a:rPr lang="en-US" altLang="ko-KR" sz="1600" b="0" i="0" u="none" strike="noStrike" baseline="0" dirty="0">
+                <a:solidFill>
+                  <a:srgbClr val="000000"/>
+                </a:solidFill>
+                <a:latin typeface="Courier New" panose="02070309020205020404" pitchFamily="49" charset="0"/>
+              </a:rPr>
+              <a:t> </a:t>
+            </a:r>
+            <a:r>
+              <a:rPr lang="en-US" altLang="ko-KR" sz="1600" b="1" i="0" u="none" strike="noStrike" baseline="0" dirty="0">
+                <a:solidFill>
+                  <a:srgbClr val="0000FF"/>
+                </a:solidFill>
+                <a:latin typeface="Courier New" panose="02070309020205020404" pitchFamily="49" charset="0"/>
+              </a:rPr>
+              <a:t>NOT</a:t>
+            </a:r>
+            <a:r>
+              <a:rPr lang="en-US" altLang="ko-KR" sz="1600" b="0" i="0" u="none" strike="noStrike" baseline="0" dirty="0">
+                <a:solidFill>
+                  <a:srgbClr val="000000"/>
+                </a:solidFill>
+                <a:latin typeface="Courier New" panose="02070309020205020404" pitchFamily="49" charset="0"/>
+              </a:rPr>
+              <a:t> </a:t>
+            </a:r>
+            <a:r>
+              <a:rPr lang="en-US" altLang="ko-KR" sz="1600" b="1" i="0" u="none" strike="noStrike" baseline="0" dirty="0">
+                <a:solidFill>
+                  <a:srgbClr val="0000FF"/>
+                </a:solidFill>
+                <a:latin typeface="Courier New" panose="02070309020205020404" pitchFamily="49" charset="0"/>
+              </a:rPr>
+              <a:t>NULL</a:t>
+            </a:r>
+            <a:r>
+              <a:rPr lang="en-US" altLang="ko-KR" sz="1600" b="0" i="0" u="none" strike="noStrike" baseline="0" dirty="0">
+                <a:solidFill>
+                  <a:srgbClr val="000000"/>
+                </a:solidFill>
+                <a:latin typeface="Courier New" panose="02070309020205020404" pitchFamily="49" charset="0"/>
+              </a:rPr>
+              <a:t> </a:t>
+            </a:r>
+            <a:r>
+              <a:rPr lang="en-US" altLang="ko-KR" sz="1600" b="1" i="0" u="none" strike="noStrike" baseline="0" dirty="0">
+                <a:solidFill>
+                  <a:srgbClr val="0000FF"/>
+                </a:solidFill>
+                <a:latin typeface="Courier New" panose="02070309020205020404" pitchFamily="49" charset="0"/>
+              </a:rPr>
+              <a:t>DEFAULT</a:t>
+            </a:r>
+            <a:r>
+              <a:rPr lang="en-US" altLang="ko-KR" sz="1600" b="0" i="0" u="none" strike="noStrike" baseline="0" dirty="0">
+                <a:solidFill>
+                  <a:srgbClr val="000000"/>
+                </a:solidFill>
+                <a:latin typeface="Courier New" panose="02070309020205020404" pitchFamily="49" charset="0"/>
+              </a:rPr>
+              <a:t> </a:t>
+            </a:r>
+            <a:r>
+              <a:rPr lang="en-US" altLang="ko-KR" sz="1600" b="0" i="0" u="none" strike="noStrike" baseline="0" dirty="0">
+                <a:solidFill>
+                  <a:srgbClr val="008000"/>
+                </a:solidFill>
+                <a:latin typeface="Courier New" panose="02070309020205020404" pitchFamily="49" charset="0"/>
+              </a:rPr>
+              <a:t>''</a:t>
+            </a:r>
+            <a:r>
+              <a:rPr lang="en-US" altLang="ko-KR" sz="1600" b="0" i="0" u="none" strike="noStrike" baseline="0" dirty="0">
+                <a:solidFill>
+                  <a:srgbClr val="000000"/>
+                </a:solidFill>
+                <a:latin typeface="Courier New" panose="02070309020205020404" pitchFamily="49" charset="0"/>
+              </a:rPr>
+              <a:t> </a:t>
+            </a:r>
+            <a:r>
+              <a:rPr lang="en-US" altLang="ko-KR" sz="1600" b="1" i="0" u="none" strike="noStrike" baseline="0" dirty="0">
+                <a:solidFill>
+                  <a:srgbClr val="0000FF"/>
+                </a:solidFill>
+                <a:latin typeface="Courier New" panose="02070309020205020404" pitchFamily="49" charset="0"/>
+              </a:rPr>
+              <a:t>COLLATE</a:t>
+            </a:r>
+            <a:r>
+              <a:rPr lang="en-US" altLang="ko-KR" sz="1600" b="0" i="0" u="none" strike="noStrike" baseline="0" dirty="0">
+                <a:solidFill>
+                  <a:srgbClr val="000000"/>
+                </a:solidFill>
+                <a:latin typeface="Courier New" panose="02070309020205020404" pitchFamily="49" charset="0"/>
+              </a:rPr>
+              <a:t> </a:t>
+            </a:r>
+            <a:r>
+              <a:rPr lang="en-US" altLang="ko-KR" sz="1600" b="0" i="0" u="none" strike="noStrike" baseline="0" dirty="0">
+                <a:solidFill>
+                  <a:srgbClr val="008000"/>
+                </a:solidFill>
+                <a:latin typeface="Courier New" panose="02070309020205020404" pitchFamily="49" charset="0"/>
+              </a:rPr>
+              <a:t>'utf8mb3_bin'</a:t>
+            </a:r>
+            <a:r>
+              <a:rPr lang="en-US" altLang="ko-KR" sz="1600" b="0" i="0" u="none" strike="noStrike" baseline="0" dirty="0">
+                <a:solidFill>
+                  <a:srgbClr val="0000FF"/>
+                </a:solidFill>
+                <a:latin typeface="Courier New" panose="02070309020205020404" pitchFamily="49" charset="0"/>
+              </a:rPr>
+              <a:t>,</a:t>
+            </a:r>
+          </a:p>
+          <a:p>
+            <a:r>
+              <a:rPr lang="en-US" altLang="ko-KR" sz="1600" b="0" i="0" u="none" strike="noStrike" baseline="0" dirty="0">
+                <a:solidFill>
+                  <a:srgbClr val="808000"/>
+                </a:solidFill>
+                <a:latin typeface="Courier New" panose="02070309020205020404" pitchFamily="49" charset="0"/>
+              </a:rPr>
+              <a:t>`M_TEL1`</a:t>
+            </a:r>
+            <a:r>
+              <a:rPr lang="en-US" altLang="ko-KR" sz="1600" b="0" i="0" u="none" strike="noStrike" baseline="0" dirty="0">
+                <a:solidFill>
+                  <a:srgbClr val="000000"/>
+                </a:solidFill>
+                <a:latin typeface="Courier New" panose="02070309020205020404" pitchFamily="49" charset="0"/>
+              </a:rPr>
+              <a:t> </a:t>
+            </a:r>
+            <a:r>
+              <a:rPr lang="en-US" altLang="ko-KR" sz="1600" b="1" i="0" u="none" strike="noStrike" baseline="0" dirty="0">
+                <a:solidFill>
+                  <a:srgbClr val="800000"/>
+                </a:solidFill>
+                <a:latin typeface="Courier New" panose="02070309020205020404" pitchFamily="49" charset="0"/>
+              </a:rPr>
+              <a:t>INT</a:t>
+            </a:r>
+            <a:r>
+              <a:rPr lang="en-US" altLang="ko-KR" sz="1600" b="0" i="0" u="none" strike="noStrike" baseline="0" dirty="0">
+                <a:solidFill>
+                  <a:srgbClr val="0000FF"/>
+                </a:solidFill>
+                <a:latin typeface="Courier New" panose="02070309020205020404" pitchFamily="49" charset="0"/>
+              </a:rPr>
+              <a:t>(</a:t>
+            </a:r>
+            <a:r>
+              <a:rPr lang="en-US" altLang="ko-KR" sz="1600" b="0" i="0" u="none" strike="noStrike" baseline="0" dirty="0">
+                <a:solidFill>
+                  <a:srgbClr val="800080"/>
+                </a:solidFill>
+                <a:latin typeface="Courier New" panose="02070309020205020404" pitchFamily="49" charset="0"/>
+              </a:rPr>
+              <a:t>11</a:t>
+            </a:r>
+            <a:r>
+              <a:rPr lang="en-US" altLang="ko-KR" sz="1600" b="0" i="0" u="none" strike="noStrike" baseline="0" dirty="0">
+                <a:solidFill>
+                  <a:srgbClr val="0000FF"/>
+                </a:solidFill>
+                <a:latin typeface="Courier New" panose="02070309020205020404" pitchFamily="49" charset="0"/>
+              </a:rPr>
+              <a:t>)</a:t>
+            </a:r>
+            <a:r>
+              <a:rPr lang="en-US" altLang="ko-KR" sz="1600" b="0" i="0" u="none" strike="noStrike" baseline="0" dirty="0">
+                <a:solidFill>
+                  <a:srgbClr val="000000"/>
+                </a:solidFill>
+                <a:latin typeface="Courier New" panose="02070309020205020404" pitchFamily="49" charset="0"/>
+              </a:rPr>
+              <a:t> </a:t>
+            </a:r>
+            <a:r>
+              <a:rPr lang="en-US" altLang="ko-KR" sz="1600" b="1" i="0" u="none" strike="noStrike" baseline="0" dirty="0">
+                <a:solidFill>
+                  <a:srgbClr val="0000FF"/>
+                </a:solidFill>
+                <a:latin typeface="Courier New" panose="02070309020205020404" pitchFamily="49" charset="0"/>
+              </a:rPr>
+              <a:t>NOT</a:t>
+            </a:r>
+            <a:r>
+              <a:rPr lang="en-US" altLang="ko-KR" sz="1600" b="0" i="0" u="none" strike="noStrike" baseline="0" dirty="0">
+                <a:solidFill>
+                  <a:srgbClr val="000000"/>
+                </a:solidFill>
+                <a:latin typeface="Courier New" panose="02070309020205020404" pitchFamily="49" charset="0"/>
+              </a:rPr>
+              <a:t> </a:t>
+            </a:r>
+            <a:r>
+              <a:rPr lang="en-US" altLang="ko-KR" sz="1600" b="1" i="0" u="none" strike="noStrike" baseline="0" dirty="0">
+                <a:solidFill>
+                  <a:srgbClr val="0000FF"/>
+                </a:solidFill>
+                <a:latin typeface="Courier New" panose="02070309020205020404" pitchFamily="49" charset="0"/>
+              </a:rPr>
+              <a:t>NULL</a:t>
+            </a:r>
+            <a:r>
+              <a:rPr lang="en-US" altLang="ko-KR" sz="1600" b="0" i="0" u="none" strike="noStrike" baseline="0" dirty="0">
+                <a:solidFill>
+                  <a:srgbClr val="000000"/>
+                </a:solidFill>
+                <a:latin typeface="Courier New" panose="02070309020205020404" pitchFamily="49" charset="0"/>
+              </a:rPr>
+              <a:t> </a:t>
+            </a:r>
+            <a:r>
+              <a:rPr lang="en-US" altLang="ko-KR" sz="1600" b="1" i="0" u="none" strike="noStrike" baseline="0" dirty="0">
+                <a:solidFill>
+                  <a:srgbClr val="0000FF"/>
+                </a:solidFill>
+                <a:latin typeface="Courier New" panose="02070309020205020404" pitchFamily="49" charset="0"/>
+              </a:rPr>
+              <a:t>DEFAULT</a:t>
+            </a:r>
+            <a:r>
+              <a:rPr lang="en-US" altLang="ko-KR" sz="1600" b="0" i="0" u="none" strike="noStrike" baseline="0" dirty="0">
+                <a:solidFill>
+                  <a:srgbClr val="000000"/>
+                </a:solidFill>
+                <a:latin typeface="Courier New" panose="02070309020205020404" pitchFamily="49" charset="0"/>
+              </a:rPr>
+              <a:t> </a:t>
+            </a:r>
+            <a:r>
+              <a:rPr lang="en-US" altLang="ko-KR" sz="1600" b="0" i="0" u="none" strike="noStrike" baseline="0" dirty="0">
+                <a:solidFill>
+                  <a:srgbClr val="008000"/>
+                </a:solidFill>
+                <a:latin typeface="Courier New" panose="02070309020205020404" pitchFamily="49" charset="0"/>
+              </a:rPr>
+              <a:t>'0'</a:t>
+            </a:r>
+            <a:r>
+              <a:rPr lang="en-US" altLang="ko-KR" sz="1600" b="0" i="0" u="none" strike="noStrike" baseline="0" dirty="0">
+                <a:solidFill>
+                  <a:srgbClr val="0000FF"/>
+                </a:solidFill>
+                <a:latin typeface="Courier New" panose="02070309020205020404" pitchFamily="49" charset="0"/>
+              </a:rPr>
+              <a:t>,</a:t>
+            </a:r>
+          </a:p>
+          <a:p>
+            <a:r>
+              <a:rPr lang="en-US" altLang="ko-KR" sz="1600" b="0" i="0" u="none" strike="noStrike" baseline="0" dirty="0">
+                <a:solidFill>
+                  <a:srgbClr val="808000"/>
+                </a:solidFill>
+                <a:latin typeface="Courier New" panose="02070309020205020404" pitchFamily="49" charset="0"/>
+              </a:rPr>
+              <a:t>`M_TEL2`</a:t>
+            </a:r>
+            <a:r>
+              <a:rPr lang="en-US" altLang="ko-KR" sz="1600" b="0" i="0" u="none" strike="noStrike" baseline="0" dirty="0">
+                <a:solidFill>
+                  <a:srgbClr val="000000"/>
+                </a:solidFill>
+                <a:latin typeface="Courier New" panose="02070309020205020404" pitchFamily="49" charset="0"/>
+              </a:rPr>
+              <a:t> </a:t>
+            </a:r>
+            <a:r>
+              <a:rPr lang="en-US" altLang="ko-KR" sz="1600" b="1" i="0" u="none" strike="noStrike" baseline="0" dirty="0">
+                <a:solidFill>
+                  <a:srgbClr val="800000"/>
+                </a:solidFill>
+                <a:latin typeface="Courier New" panose="02070309020205020404" pitchFamily="49" charset="0"/>
+              </a:rPr>
+              <a:t>INT</a:t>
+            </a:r>
+            <a:r>
+              <a:rPr lang="en-US" altLang="ko-KR" sz="1600" b="0" i="0" u="none" strike="noStrike" baseline="0" dirty="0">
+                <a:solidFill>
+                  <a:srgbClr val="0000FF"/>
+                </a:solidFill>
+                <a:latin typeface="Courier New" panose="02070309020205020404" pitchFamily="49" charset="0"/>
+              </a:rPr>
+              <a:t>(</a:t>
+            </a:r>
+            <a:r>
+              <a:rPr lang="en-US" altLang="ko-KR" sz="1600" b="0" i="0" u="none" strike="noStrike" baseline="0" dirty="0">
+                <a:solidFill>
+                  <a:srgbClr val="800080"/>
+                </a:solidFill>
+                <a:latin typeface="Courier New" panose="02070309020205020404" pitchFamily="49" charset="0"/>
+              </a:rPr>
+              <a:t>11</a:t>
+            </a:r>
+            <a:r>
+              <a:rPr lang="en-US" altLang="ko-KR" sz="1600" b="0" i="0" u="none" strike="noStrike" baseline="0" dirty="0">
+                <a:solidFill>
+                  <a:srgbClr val="0000FF"/>
+                </a:solidFill>
+                <a:latin typeface="Courier New" panose="02070309020205020404" pitchFamily="49" charset="0"/>
+              </a:rPr>
+              <a:t>)</a:t>
+            </a:r>
+            <a:r>
+              <a:rPr lang="en-US" altLang="ko-KR" sz="1600" b="0" i="0" u="none" strike="noStrike" baseline="0" dirty="0">
+                <a:solidFill>
+                  <a:srgbClr val="000000"/>
+                </a:solidFill>
+                <a:latin typeface="Courier New" panose="02070309020205020404" pitchFamily="49" charset="0"/>
+              </a:rPr>
+              <a:t> </a:t>
+            </a:r>
+            <a:r>
+              <a:rPr lang="en-US" altLang="ko-KR" sz="1600" b="1" i="0" u="none" strike="noStrike" baseline="0" dirty="0">
+                <a:solidFill>
+                  <a:srgbClr val="0000FF"/>
+                </a:solidFill>
+                <a:latin typeface="Courier New" panose="02070309020205020404" pitchFamily="49" charset="0"/>
+              </a:rPr>
+              <a:t>NOT</a:t>
+            </a:r>
+            <a:r>
+              <a:rPr lang="en-US" altLang="ko-KR" sz="1600" b="0" i="0" u="none" strike="noStrike" baseline="0" dirty="0">
+                <a:solidFill>
+                  <a:srgbClr val="000000"/>
+                </a:solidFill>
+                <a:latin typeface="Courier New" panose="02070309020205020404" pitchFamily="49" charset="0"/>
+              </a:rPr>
+              <a:t> </a:t>
+            </a:r>
+            <a:r>
+              <a:rPr lang="en-US" altLang="ko-KR" sz="1600" b="1" i="0" u="none" strike="noStrike" baseline="0" dirty="0">
+                <a:solidFill>
+                  <a:srgbClr val="0000FF"/>
+                </a:solidFill>
+                <a:latin typeface="Courier New" panose="02070309020205020404" pitchFamily="49" charset="0"/>
+              </a:rPr>
+              <a:t>NULL</a:t>
+            </a:r>
+            <a:r>
+              <a:rPr lang="en-US" altLang="ko-KR" sz="1600" b="0" i="0" u="none" strike="noStrike" baseline="0" dirty="0">
+                <a:solidFill>
+                  <a:srgbClr val="000000"/>
+                </a:solidFill>
+                <a:latin typeface="Courier New" panose="02070309020205020404" pitchFamily="49" charset="0"/>
+              </a:rPr>
+              <a:t> </a:t>
+            </a:r>
+            <a:r>
+              <a:rPr lang="en-US" altLang="ko-KR" sz="1600" b="1" i="0" u="none" strike="noStrike" baseline="0" dirty="0">
+                <a:solidFill>
+                  <a:srgbClr val="0000FF"/>
+                </a:solidFill>
+                <a:latin typeface="Courier New" panose="02070309020205020404" pitchFamily="49" charset="0"/>
+              </a:rPr>
+              <a:t>DEFAULT</a:t>
+            </a:r>
+            <a:r>
+              <a:rPr lang="en-US" altLang="ko-KR" sz="1600" b="0" i="0" u="none" strike="noStrike" baseline="0" dirty="0">
+                <a:solidFill>
+                  <a:srgbClr val="000000"/>
+                </a:solidFill>
+                <a:latin typeface="Courier New" panose="02070309020205020404" pitchFamily="49" charset="0"/>
+              </a:rPr>
+              <a:t> </a:t>
+            </a:r>
+            <a:r>
+              <a:rPr lang="en-US" altLang="ko-KR" sz="1600" b="0" i="0" u="none" strike="noStrike" baseline="0" dirty="0">
+                <a:solidFill>
+                  <a:srgbClr val="008000"/>
+                </a:solidFill>
+                <a:latin typeface="Courier New" panose="02070309020205020404" pitchFamily="49" charset="0"/>
+              </a:rPr>
+              <a:t>'0'</a:t>
+            </a:r>
+            <a:r>
+              <a:rPr lang="en-US" altLang="ko-KR" sz="1600" b="0" i="0" u="none" strike="noStrike" baseline="0" dirty="0">
+                <a:solidFill>
+                  <a:srgbClr val="0000FF"/>
+                </a:solidFill>
+                <a:latin typeface="Courier New" panose="02070309020205020404" pitchFamily="49" charset="0"/>
+              </a:rPr>
+              <a:t>,</a:t>
+            </a:r>
+          </a:p>
+          <a:p>
+            <a:r>
+              <a:rPr lang="en-US" altLang="ko-KR" sz="1600" b="0" i="0" u="none" strike="noStrike" baseline="0" dirty="0">
+                <a:solidFill>
+                  <a:srgbClr val="808000"/>
+                </a:solidFill>
+                <a:latin typeface="Courier New" panose="02070309020205020404" pitchFamily="49" charset="0"/>
+              </a:rPr>
+              <a:t>`M_TEL3`</a:t>
+            </a:r>
+            <a:r>
+              <a:rPr lang="en-US" altLang="ko-KR" sz="1600" b="0" i="0" u="none" strike="noStrike" baseline="0" dirty="0">
+                <a:solidFill>
+                  <a:srgbClr val="000000"/>
+                </a:solidFill>
+                <a:latin typeface="Courier New" panose="02070309020205020404" pitchFamily="49" charset="0"/>
+              </a:rPr>
+              <a:t> </a:t>
+            </a:r>
+            <a:r>
+              <a:rPr lang="en-US" altLang="ko-KR" sz="1600" b="1" i="0" u="none" strike="noStrike" baseline="0" dirty="0">
+                <a:solidFill>
+                  <a:srgbClr val="800000"/>
+                </a:solidFill>
+                <a:latin typeface="Courier New" panose="02070309020205020404" pitchFamily="49" charset="0"/>
+              </a:rPr>
+              <a:t>INT</a:t>
+            </a:r>
+            <a:r>
+              <a:rPr lang="en-US" altLang="ko-KR" sz="1600" b="0" i="0" u="none" strike="noStrike" baseline="0" dirty="0">
+                <a:solidFill>
+                  <a:srgbClr val="0000FF"/>
+                </a:solidFill>
+                <a:latin typeface="Courier New" panose="02070309020205020404" pitchFamily="49" charset="0"/>
+              </a:rPr>
+              <a:t>(</a:t>
+            </a:r>
+            <a:r>
+              <a:rPr lang="en-US" altLang="ko-KR" sz="1600" b="0" i="0" u="none" strike="noStrike" baseline="0" dirty="0">
+                <a:solidFill>
+                  <a:srgbClr val="800080"/>
+                </a:solidFill>
+                <a:latin typeface="Courier New" panose="02070309020205020404" pitchFamily="49" charset="0"/>
+              </a:rPr>
+              <a:t>11</a:t>
+            </a:r>
+            <a:r>
+              <a:rPr lang="en-US" altLang="ko-KR" sz="1600" b="0" i="0" u="none" strike="noStrike" baseline="0" dirty="0">
+                <a:solidFill>
+                  <a:srgbClr val="0000FF"/>
+                </a:solidFill>
+                <a:latin typeface="Courier New" panose="02070309020205020404" pitchFamily="49" charset="0"/>
+              </a:rPr>
+              <a:t>)</a:t>
+            </a:r>
+            <a:r>
+              <a:rPr lang="en-US" altLang="ko-KR" sz="1600" b="0" i="0" u="none" strike="noStrike" baseline="0" dirty="0">
+                <a:solidFill>
+                  <a:srgbClr val="000000"/>
+                </a:solidFill>
+                <a:latin typeface="Courier New" panose="02070309020205020404" pitchFamily="49" charset="0"/>
+              </a:rPr>
+              <a:t> </a:t>
+            </a:r>
+            <a:r>
+              <a:rPr lang="en-US" altLang="ko-KR" sz="1600" b="1" i="0" u="none" strike="noStrike" baseline="0" dirty="0">
+                <a:solidFill>
+                  <a:srgbClr val="0000FF"/>
+                </a:solidFill>
+                <a:latin typeface="Courier New" panose="02070309020205020404" pitchFamily="49" charset="0"/>
+              </a:rPr>
+              <a:t>NOT</a:t>
+            </a:r>
+            <a:r>
+              <a:rPr lang="en-US" altLang="ko-KR" sz="1600" b="0" i="0" u="none" strike="noStrike" baseline="0" dirty="0">
+                <a:solidFill>
+                  <a:srgbClr val="000000"/>
+                </a:solidFill>
+                <a:latin typeface="Courier New" panose="02070309020205020404" pitchFamily="49" charset="0"/>
+              </a:rPr>
+              <a:t> </a:t>
+            </a:r>
+            <a:r>
+              <a:rPr lang="en-US" altLang="ko-KR" sz="1600" b="1" i="0" u="none" strike="noStrike" baseline="0" dirty="0">
+                <a:solidFill>
+                  <a:srgbClr val="0000FF"/>
+                </a:solidFill>
+                <a:latin typeface="Courier New" panose="02070309020205020404" pitchFamily="49" charset="0"/>
+              </a:rPr>
+              <a:t>NULL</a:t>
+            </a:r>
+            <a:r>
+              <a:rPr lang="en-US" altLang="ko-KR" sz="1600" b="0" i="0" u="none" strike="noStrike" baseline="0" dirty="0">
+                <a:solidFill>
+                  <a:srgbClr val="000000"/>
+                </a:solidFill>
+                <a:latin typeface="Courier New" panose="02070309020205020404" pitchFamily="49" charset="0"/>
+              </a:rPr>
+              <a:t> </a:t>
+            </a:r>
+            <a:r>
+              <a:rPr lang="en-US" altLang="ko-KR" sz="1600" b="1" i="0" u="none" strike="noStrike" baseline="0" dirty="0">
+                <a:solidFill>
+                  <a:srgbClr val="0000FF"/>
+                </a:solidFill>
+                <a:latin typeface="Courier New" panose="02070309020205020404" pitchFamily="49" charset="0"/>
+              </a:rPr>
+              <a:t>DEFAULT</a:t>
+            </a:r>
+            <a:r>
+              <a:rPr lang="en-US" altLang="ko-KR" sz="1600" b="0" i="0" u="none" strike="noStrike" baseline="0" dirty="0">
+                <a:solidFill>
+                  <a:srgbClr val="000000"/>
+                </a:solidFill>
+                <a:latin typeface="Courier New" panose="02070309020205020404" pitchFamily="49" charset="0"/>
+              </a:rPr>
+              <a:t> </a:t>
+            </a:r>
+            <a:r>
+              <a:rPr lang="en-US" altLang="ko-KR" sz="1600" b="0" i="0" u="none" strike="noStrike" baseline="0" dirty="0">
+                <a:solidFill>
+                  <a:srgbClr val="008000"/>
+                </a:solidFill>
+                <a:latin typeface="Courier New" panose="02070309020205020404" pitchFamily="49" charset="0"/>
+              </a:rPr>
+              <a:t>'0'</a:t>
+            </a:r>
+            <a:r>
+              <a:rPr lang="en-US" altLang="ko-KR" sz="1600" b="0" i="0" u="none" strike="noStrike" baseline="0" dirty="0">
+                <a:solidFill>
+                  <a:srgbClr val="0000FF"/>
+                </a:solidFill>
+                <a:latin typeface="Courier New" panose="02070309020205020404" pitchFamily="49" charset="0"/>
+              </a:rPr>
+              <a:t>,</a:t>
+            </a:r>
+          </a:p>
+          <a:p>
+            <a:r>
+              <a:rPr lang="en-US" altLang="ko-KR" sz="1600" b="0" i="0" u="none" strike="noStrike" baseline="0" dirty="0">
+                <a:solidFill>
+                  <a:srgbClr val="808000"/>
+                </a:solidFill>
+                <a:latin typeface="Courier New" panose="02070309020205020404" pitchFamily="49" charset="0"/>
+              </a:rPr>
+              <a:t>`M_BIRTH`</a:t>
+            </a:r>
+            <a:r>
+              <a:rPr lang="en-US" altLang="ko-KR" sz="1600" b="0" i="0" u="none" strike="noStrike" baseline="0" dirty="0">
+                <a:solidFill>
+                  <a:srgbClr val="000000"/>
+                </a:solidFill>
+                <a:latin typeface="Courier New" panose="02070309020205020404" pitchFamily="49" charset="0"/>
+              </a:rPr>
+              <a:t> </a:t>
+            </a:r>
+            <a:r>
+              <a:rPr lang="en-US" altLang="ko-KR" sz="1600" b="1" i="0" u="none" strike="noStrike" baseline="0" dirty="0">
+                <a:solidFill>
+                  <a:srgbClr val="800000"/>
+                </a:solidFill>
+                <a:latin typeface="Courier New" panose="02070309020205020404" pitchFamily="49" charset="0"/>
+              </a:rPr>
+              <a:t>DATE</a:t>
+            </a:r>
+            <a:r>
+              <a:rPr lang="en-US" altLang="ko-KR" sz="1600" b="0" i="0" u="none" strike="noStrike" baseline="0" dirty="0">
+                <a:solidFill>
+                  <a:srgbClr val="000000"/>
+                </a:solidFill>
+                <a:latin typeface="Courier New" panose="02070309020205020404" pitchFamily="49" charset="0"/>
+              </a:rPr>
+              <a:t> </a:t>
+            </a:r>
+            <a:r>
+              <a:rPr lang="en-US" altLang="ko-KR" sz="1600" b="1" i="0" u="none" strike="noStrike" baseline="0" dirty="0">
+                <a:solidFill>
+                  <a:srgbClr val="0000FF"/>
+                </a:solidFill>
+                <a:latin typeface="Courier New" panose="02070309020205020404" pitchFamily="49" charset="0"/>
+              </a:rPr>
+              <a:t>NOT</a:t>
+            </a:r>
+            <a:r>
+              <a:rPr lang="en-US" altLang="ko-KR" sz="1600" b="0" i="0" u="none" strike="noStrike" baseline="0" dirty="0">
+                <a:solidFill>
+                  <a:srgbClr val="000000"/>
+                </a:solidFill>
+                <a:latin typeface="Courier New" panose="02070309020205020404" pitchFamily="49" charset="0"/>
+              </a:rPr>
+              <a:t> </a:t>
+            </a:r>
+            <a:r>
+              <a:rPr lang="en-US" altLang="ko-KR" sz="1600" b="1" i="0" u="none" strike="noStrike" baseline="0" dirty="0">
+                <a:solidFill>
+                  <a:srgbClr val="0000FF"/>
+                </a:solidFill>
+                <a:latin typeface="Courier New" panose="02070309020205020404" pitchFamily="49" charset="0"/>
+              </a:rPr>
+              <a:t>NULL</a:t>
+            </a:r>
+            <a:r>
+              <a:rPr lang="en-US" altLang="ko-KR" sz="1600" b="0" i="0" u="none" strike="noStrike" baseline="0" dirty="0">
+                <a:solidFill>
+                  <a:srgbClr val="000000"/>
+                </a:solidFill>
+                <a:latin typeface="Courier New" panose="02070309020205020404" pitchFamily="49" charset="0"/>
+              </a:rPr>
+              <a:t> </a:t>
+            </a:r>
+            <a:r>
+              <a:rPr lang="en-US" altLang="ko-KR" sz="1600" b="1" i="0" u="none" strike="noStrike" baseline="0" dirty="0">
+                <a:solidFill>
+                  <a:srgbClr val="0000FF"/>
+                </a:solidFill>
+                <a:latin typeface="Courier New" panose="02070309020205020404" pitchFamily="49" charset="0"/>
+              </a:rPr>
+              <a:t>DEFAULT</a:t>
+            </a:r>
+            <a:r>
+              <a:rPr lang="en-US" altLang="ko-KR" sz="1600" b="0" i="0" u="none" strike="noStrike" baseline="0" dirty="0">
+                <a:solidFill>
+                  <a:srgbClr val="000000"/>
+                </a:solidFill>
+                <a:latin typeface="Courier New" panose="02070309020205020404" pitchFamily="49" charset="0"/>
+              </a:rPr>
+              <a:t> </a:t>
+            </a:r>
+            <a:r>
+              <a:rPr lang="en-US" altLang="ko-KR" sz="1600" b="1" i="0" u="none" strike="noStrike" baseline="0" dirty="0" err="1">
+                <a:solidFill>
+                  <a:srgbClr val="000080"/>
+                </a:solidFill>
+                <a:latin typeface="Courier New" panose="02070309020205020404" pitchFamily="49" charset="0"/>
+              </a:rPr>
+              <a:t>curdate</a:t>
+            </a:r>
+            <a:r>
+              <a:rPr lang="en-US" altLang="ko-KR" sz="1600" b="0" i="0" u="none" strike="noStrike" baseline="0" dirty="0">
+                <a:solidFill>
+                  <a:srgbClr val="0000FF"/>
+                </a:solidFill>
+                <a:latin typeface="Courier New" panose="02070309020205020404" pitchFamily="49" charset="0"/>
+              </a:rPr>
+              <a:t>(),</a:t>
+            </a:r>
+          </a:p>
+          <a:p>
+            <a:r>
+              <a:rPr lang="en-US" altLang="ko-KR" sz="1600" b="1" i="0" u="none" strike="noStrike" baseline="0" dirty="0">
+                <a:solidFill>
+                  <a:srgbClr val="0000FF"/>
+                </a:solidFill>
+                <a:latin typeface="Courier New" panose="02070309020205020404" pitchFamily="49" charset="0"/>
+              </a:rPr>
+              <a:t>PRIMARY</a:t>
+            </a:r>
+            <a:r>
+              <a:rPr lang="en-US" altLang="ko-KR" sz="1600" b="0" i="0" u="none" strike="noStrike" baseline="0" dirty="0">
+                <a:solidFill>
+                  <a:srgbClr val="000000"/>
+                </a:solidFill>
+                <a:latin typeface="Courier New" panose="02070309020205020404" pitchFamily="49" charset="0"/>
+              </a:rPr>
+              <a:t> </a:t>
+            </a:r>
+            <a:r>
+              <a:rPr lang="en-US" altLang="ko-KR" sz="1600" b="1" i="0" u="none" strike="noStrike" baseline="0" dirty="0">
+                <a:solidFill>
+                  <a:srgbClr val="0000FF"/>
+                </a:solidFill>
+                <a:latin typeface="Courier New" panose="02070309020205020404" pitchFamily="49" charset="0"/>
+              </a:rPr>
+              <a:t>KEY</a:t>
+            </a:r>
+            <a:r>
+              <a:rPr lang="en-US" altLang="ko-KR" sz="1600" b="0" i="0" u="none" strike="noStrike" baseline="0" dirty="0">
+                <a:solidFill>
+                  <a:srgbClr val="000000"/>
+                </a:solidFill>
+                <a:latin typeface="Courier New" panose="02070309020205020404" pitchFamily="49" charset="0"/>
+              </a:rPr>
+              <a:t> </a:t>
+            </a:r>
+            <a:r>
+              <a:rPr lang="en-US" altLang="ko-KR" sz="1600" b="0" i="0" u="none" strike="noStrike" baseline="0" dirty="0">
+                <a:solidFill>
+                  <a:srgbClr val="0000FF"/>
+                </a:solidFill>
+                <a:latin typeface="Courier New" panose="02070309020205020404" pitchFamily="49" charset="0"/>
+              </a:rPr>
+              <a:t>(</a:t>
+            </a:r>
+            <a:r>
+              <a:rPr lang="en-US" altLang="ko-KR" sz="1600" b="0" i="0" u="none" strike="noStrike" baseline="0" dirty="0">
+                <a:solidFill>
+                  <a:srgbClr val="808000"/>
+                </a:solidFill>
+                <a:latin typeface="Courier New" panose="02070309020205020404" pitchFamily="49" charset="0"/>
+              </a:rPr>
+              <a:t>`M_ID`</a:t>
+            </a:r>
+            <a:r>
+              <a:rPr lang="en-US" altLang="ko-KR" sz="1600" b="0" i="0" u="none" strike="noStrike" baseline="0" dirty="0">
+                <a:solidFill>
+                  <a:srgbClr val="0000FF"/>
+                </a:solidFill>
+                <a:latin typeface="Courier New" panose="02070309020205020404" pitchFamily="49" charset="0"/>
+              </a:rPr>
+              <a:t>)</a:t>
+            </a:r>
+            <a:r>
+              <a:rPr lang="en-US" altLang="ko-KR" sz="1600" b="0" i="0" u="none" strike="noStrike" baseline="0" dirty="0">
+                <a:solidFill>
+                  <a:srgbClr val="000000"/>
+                </a:solidFill>
+                <a:latin typeface="Courier New" panose="02070309020205020404" pitchFamily="49" charset="0"/>
+              </a:rPr>
+              <a:t> </a:t>
+            </a:r>
+            <a:r>
+              <a:rPr lang="en-US" altLang="ko-KR" sz="1600" b="1" i="0" u="none" strike="noStrike" baseline="0" dirty="0">
+                <a:solidFill>
+                  <a:srgbClr val="0000FF"/>
+                </a:solidFill>
+                <a:latin typeface="Courier New" panose="02070309020205020404" pitchFamily="49" charset="0"/>
+              </a:rPr>
+              <a:t>USING</a:t>
+            </a:r>
+            <a:r>
+              <a:rPr lang="en-US" altLang="ko-KR" sz="1600" b="0" i="0" u="none" strike="noStrike" baseline="0" dirty="0">
+                <a:solidFill>
+                  <a:srgbClr val="000000"/>
+                </a:solidFill>
+                <a:latin typeface="Courier New" panose="02070309020205020404" pitchFamily="49" charset="0"/>
+              </a:rPr>
+              <a:t> </a:t>
+            </a:r>
+            <a:r>
+              <a:rPr lang="en-US" altLang="ko-KR" sz="1600" b="1" i="0" u="none" strike="noStrike" baseline="0" dirty="0">
+                <a:solidFill>
+                  <a:srgbClr val="800000"/>
+                </a:solidFill>
+                <a:latin typeface="Courier New" panose="02070309020205020404" pitchFamily="49" charset="0"/>
+              </a:rPr>
+              <a:t>BTREE</a:t>
+            </a:r>
+          </a:p>
+          <a:p>
+            <a:r>
+              <a:rPr lang="en-US" altLang="ko-KR" sz="1600" b="0" i="0" u="none" strike="noStrike" baseline="0" dirty="0">
+                <a:solidFill>
+                  <a:srgbClr val="0000FF"/>
+                </a:solidFill>
+                <a:latin typeface="Courier New" panose="02070309020205020404" pitchFamily="49" charset="0"/>
+              </a:rPr>
+              <a:t>)</a:t>
+            </a:r>
+          </a:p>
+          <a:p>
+            <a:r>
+              <a:rPr lang="en-US" altLang="ko-KR" sz="1600" b="1" i="0" u="none" strike="noStrike" baseline="0" dirty="0">
+                <a:solidFill>
+                  <a:srgbClr val="0000FF"/>
+                </a:solidFill>
+                <a:latin typeface="Courier New" panose="02070309020205020404" pitchFamily="49" charset="0"/>
+              </a:rPr>
+              <a:t>COLLATE</a:t>
+            </a:r>
+            <a:r>
+              <a:rPr lang="en-US" altLang="ko-KR" sz="1600" b="0" i="0" u="none" strike="noStrike" baseline="0" dirty="0">
+                <a:solidFill>
+                  <a:srgbClr val="0000FF"/>
+                </a:solidFill>
+                <a:latin typeface="Courier New" panose="02070309020205020404" pitchFamily="49" charset="0"/>
+              </a:rPr>
+              <a:t>=</a:t>
+            </a:r>
+            <a:r>
+              <a:rPr lang="en-US" altLang="ko-KR" sz="1600" b="0" i="0" u="none" strike="noStrike" baseline="0" dirty="0">
+                <a:solidFill>
+                  <a:srgbClr val="008000"/>
+                </a:solidFill>
+                <a:latin typeface="Courier New" panose="02070309020205020404" pitchFamily="49" charset="0"/>
+              </a:rPr>
+              <a:t>'utf8mb3_bin'</a:t>
+            </a:r>
+          </a:p>
+          <a:p>
+            <a:r>
+              <a:rPr lang="en-US" altLang="ko-KR" sz="1600" b="1" i="0" u="none" strike="noStrike" baseline="0" dirty="0">
+                <a:solidFill>
+                  <a:srgbClr val="0000FF"/>
+                </a:solidFill>
+                <a:latin typeface="Courier New" panose="02070309020205020404" pitchFamily="49" charset="0"/>
+              </a:rPr>
+              <a:t>ENGINE</a:t>
+            </a:r>
+            <a:r>
+              <a:rPr lang="en-US" altLang="ko-KR" sz="1600" b="0" i="0" u="none" strike="noStrike" baseline="0" dirty="0">
+                <a:solidFill>
+                  <a:srgbClr val="0000FF"/>
+                </a:solidFill>
+                <a:latin typeface="Courier New" panose="02070309020205020404" pitchFamily="49" charset="0"/>
+              </a:rPr>
+              <a:t>=</a:t>
+            </a:r>
+            <a:r>
+              <a:rPr lang="en-US" altLang="ko-KR" sz="1600" b="1" i="0" u="none" strike="noStrike" baseline="0" dirty="0" err="1">
+                <a:solidFill>
+                  <a:srgbClr val="800000"/>
+                </a:solidFill>
+                <a:latin typeface="Courier New" panose="02070309020205020404" pitchFamily="49" charset="0"/>
+              </a:rPr>
+              <a:t>InnoDB</a:t>
+            </a:r>
+            <a:endParaRPr lang="en-US" altLang="ko-KR" sz="1600" b="1" i="0" u="none" strike="noStrike" baseline="0" dirty="0">
+              <a:solidFill>
+                <a:srgbClr val="800000"/>
+              </a:solidFill>
+              <a:latin typeface="Courier New" panose="02070309020205020404" pitchFamily="49" charset="0"/>
+            </a:endParaRPr>
+          </a:p>
+          <a:p>
+            <a:r>
+              <a:rPr lang="en-US" altLang="ko-KR" sz="1600" b="0" i="0" u="none" strike="noStrike" baseline="0" dirty="0">
+                <a:solidFill>
+                  <a:srgbClr val="0000FF"/>
+                </a:solidFill>
+                <a:latin typeface="Courier New" panose="02070309020205020404" pitchFamily="49" charset="0"/>
+              </a:rPr>
+              <a:t>;</a:t>
+            </a:r>
+          </a:p>
+          <a:p>
+            <a:endParaRPr lang="ko-KR" altLang="en-US" sz="1600" b="0" i="0" u="none" strike="noStrike" baseline="0" dirty="0">
+              <a:solidFill>
+                <a:srgbClr val="0000FF"/>
+              </a:solidFill>
+              <a:latin typeface="Courier New" panose="02070309020205020404" pitchFamily="49" charset="0"/>
+            </a:endParaRPr>
+          </a:p>
+        </p:txBody>
+      </p:sp>
+    </p:spTree>
+    <p:extLst>
+      <p:ext uri="{BB962C8B-B14F-4D97-AF65-F5344CB8AC3E}">
+        <p14:creationId xmlns:p14="http://schemas.microsoft.com/office/powerpoint/2010/main" val="2641726551"/>
+      </p:ext>
+    </p:extLst>
+  </p:cSld>
+  <p:clrMapOvr>
+    <a:masterClrMapping/>
+  </p:clrMapOvr>
+</p:sld>
+</file>
+
+<file path=ppt/slides/slide4.xml><?xml version="1.0" encoding="utf-8"?>
 <p:sld xmlns:a="http://schemas.openxmlformats.org/drawingml/2006/main" xmlns:r="http://schemas.openxmlformats.org/officeDocument/2006/relationships" xmlns:p="http://schemas.openxmlformats.org/presentationml/2006/main">
   <p:cSld>
     <p:spTree>
@@ -11487,14 +13498,14 @@
           <p:nvPr>
             <p:extLst>
               <p:ext uri="{D42A27DB-BD31-4B8C-83A1-F6EECF244321}">
-                <p14:modId xmlns:p14="http://schemas.microsoft.com/office/powerpoint/2010/main" val="1549577213"/>
+                <p14:modId xmlns:p14="http://schemas.microsoft.com/office/powerpoint/2010/main" val="3349039271"/>
               </p:ext>
             </p:extLst>
           </p:nvPr>
         </p:nvGraphicFramePr>
         <p:xfrm>
           <a:off x="243980" y="630314"/>
-          <a:ext cx="10524636" cy="5885892"/>
+          <a:ext cx="10524636" cy="3923928"/>
         </p:xfrm>
         <a:graphic>
           <a:graphicData uri="http://schemas.openxmlformats.org/drawingml/2006/table">
@@ -11524,14 +13535,14 @@
                     </a:ext>
                   </a:extLst>
                 </a:gridCol>
-                <a:gridCol w="1754106">
+                <a:gridCol w="1287534">
                   <a:extLst>
                     <a:ext uri="{9D8B030D-6E8A-4147-A177-3AD203B41FA5}">
                       <a16:colId xmlns:a16="http://schemas.microsoft.com/office/drawing/2014/main" val="2758590768"/>
                     </a:ext>
                   </a:extLst>
                 </a:gridCol>
-                <a:gridCol w="1754106">
+                <a:gridCol w="2220678">
                   <a:extLst>
                     <a:ext uri="{9D8B030D-6E8A-4147-A177-3AD203B41FA5}">
                       <a16:colId xmlns:a16="http://schemas.microsoft.com/office/drawing/2014/main" val="3388955752"/>
@@ -12014,6 +14025,10 @@
                     <a:lstStyle/>
                     <a:p>
                       <a:pPr latinLnBrk="1"/>
+                      <a:r>
+                        <a:rPr lang="en-US" altLang="ko-KR" sz="1700" dirty="0"/>
+                        <a:t>Q_ID</a:t>
+                      </a:r>
                       <a:endParaRPr lang="ko-KR" altLang="en-US" sz="1700" dirty="0"/>
                     </a:p>
                   </a:txBody>
@@ -12065,6 +14080,10 @@
                     <a:lstStyle/>
                     <a:p>
                       <a:pPr latinLnBrk="1"/>
+                      <a:r>
+                        <a:rPr lang="en-US" altLang="ko-KR" sz="1700" dirty="0"/>
+                        <a:t>INT(11)</a:t>
+                      </a:r>
                       <a:endParaRPr lang="ko-KR" altLang="en-US" sz="1700" dirty="0"/>
                     </a:p>
                   </a:txBody>
@@ -12115,8 +14134,54 @@
                     <a:bodyPr/>
                     <a:lstStyle/>
                     <a:p>
-                      <a:pPr latinLnBrk="1"/>
-                      <a:endParaRPr lang="ko-KR" altLang="en-US" sz="1700" dirty="0"/>
+                      <a:pPr marL="0" marR="0" lvl="0" indent="0" algn="l" defTabSz="914400" rtl="0" eaLnBrk="1" fontAlgn="auto" latinLnBrk="1" hangingPunct="1">
+                        <a:lnSpc>
+                          <a:spcPct val="100000"/>
+                        </a:lnSpc>
+                        <a:spcBef>
+                          <a:spcPts val="0"/>
+                        </a:spcBef>
+                        <a:spcAft>
+                          <a:spcPts val="0"/>
+                        </a:spcAft>
+                        <a:buClrTx/>
+                        <a:buSzTx/>
+                        <a:buFontTx/>
+                        <a:buNone/>
+                        <a:tabLst/>
+                        <a:defRPr/>
+                      </a:pPr>
+                      <a:r>
+                        <a:rPr kumimoji="0" lang="en-US" altLang="ko-KR" sz="1700" b="0" i="0" u="none" strike="noStrike" kern="1200" cap="none" spc="0" normalizeH="0" baseline="0" noProof="0">
+                          <a:ln>
+                            <a:noFill/>
+                          </a:ln>
+                          <a:solidFill>
+                            <a:prstClr val="black"/>
+                          </a:solidFill>
+                          <a:effectLst/>
+                          <a:uLnTx/>
+                          <a:uFillTx/>
+                          <a:latin typeface="맑은 고딕" panose="020F0502020204030204"/>
+                          <a:ea typeface="맑은 고딕" panose="020B0503020000020004" pitchFamily="50" charset="-127"/>
+                          <a:cs typeface="+mn-cs"/>
+                        </a:rPr>
+                        <a:t>NO</a:t>
+                      </a:r>
+                      <a:endParaRPr kumimoji="0" lang="ko-KR" altLang="en-US" sz="1700" b="0" i="0" u="none" strike="noStrike" kern="1200" cap="none" spc="0" normalizeH="0" baseline="0" noProof="0" dirty="0">
+                        <a:ln>
+                          <a:noFill/>
+                        </a:ln>
+                        <a:solidFill>
+                          <a:prstClr val="black"/>
+                        </a:solidFill>
+                        <a:effectLst/>
+                        <a:uLnTx/>
+                        <a:uFillTx/>
+                        <a:latin typeface="맑은 고딕" panose="020F0502020204030204"/>
+                        <a:ea typeface="맑은 고딕" panose="020B0503020000020004" pitchFamily="50" charset="-127"/>
+                        <a:cs typeface="+mn-cs"/>
+                      </a:endParaRPr>
                     </a:p>
                   </a:txBody>
                   <a:tcPr marL="85579" marR="85579" marT="42790" marB="42790">
@@ -12167,6 +14232,10 @@
                     <a:lstStyle/>
                     <a:p>
                       <a:pPr latinLnBrk="1"/>
+                      <a:r>
+                        <a:rPr lang="en-US" altLang="ko-KR" sz="1700" dirty="0"/>
+                        <a:t>PK</a:t>
+                      </a:r>
                       <a:endParaRPr lang="ko-KR" altLang="en-US" sz="1700" dirty="0"/>
                     </a:p>
                   </a:txBody>
@@ -12218,6 +14287,10 @@
                     <a:lstStyle/>
                     <a:p>
                       <a:pPr latinLnBrk="1"/>
+                      <a:r>
+                        <a:rPr lang="en-US" altLang="ko-KR" sz="1700" dirty="0"/>
+                        <a:t>AUTO_INCREMENT</a:t>
+                      </a:r>
                       <a:endParaRPr lang="ko-KR" altLang="en-US" sz="1700" dirty="0"/>
                     </a:p>
                   </a:txBody>
@@ -12268,8 +14341,54 @@
                     <a:bodyPr/>
                     <a:lstStyle/>
                     <a:p>
-                      <a:pPr latinLnBrk="1"/>
-                      <a:endParaRPr lang="ko-KR" altLang="en-US" sz="1700" dirty="0"/>
+                      <a:pPr marL="0" marR="0" lvl="0" indent="0" algn="l" defTabSz="914400" rtl="0" eaLnBrk="1" fontAlgn="auto" latinLnBrk="1" hangingPunct="1">
+                        <a:lnSpc>
+                          <a:spcPct val="100000"/>
+                        </a:lnSpc>
+                        <a:spcBef>
+                          <a:spcPts val="0"/>
+                        </a:spcBef>
+                        <a:spcAft>
+                          <a:spcPts val="0"/>
+                        </a:spcAft>
+                        <a:buClrTx/>
+                        <a:buSzTx/>
+                        <a:buFontTx/>
+                        <a:buNone/>
+                        <a:tabLst/>
+                        <a:defRPr/>
+                      </a:pPr>
+                      <a:r>
+                        <a:rPr kumimoji="0" lang="en-US" altLang="ko-KR" sz="1700" b="0" i="0" u="none" strike="noStrike" kern="1200" cap="none" spc="0" normalizeH="0" baseline="0" noProof="0">
+                          <a:ln>
+                            <a:noFill/>
+                          </a:ln>
+                          <a:solidFill>
+                            <a:prstClr val="black"/>
+                          </a:solidFill>
+                          <a:effectLst/>
+                          <a:uLnTx/>
+                          <a:uFillTx/>
+                          <a:latin typeface="맑은 고딕" panose="020F0502020204030204"/>
+                          <a:ea typeface="맑은 고딕" panose="020B0503020000020004" pitchFamily="50" charset="-127"/>
+                          <a:cs typeface="+mn-cs"/>
+                        </a:rPr>
+                        <a:t>utf8mb3_bin</a:t>
+                      </a:r>
+                      <a:endParaRPr kumimoji="0" lang="ko-KR" altLang="en-US" sz="1700" b="0" i="0" u="none" strike="noStrike" kern="1200" cap="none" spc="0" normalizeH="0" baseline="0" noProof="0" dirty="0">
+                        <a:ln>
+                          <a:noFill/>
+                        </a:ln>
+                        <a:solidFill>
+                          <a:prstClr val="black"/>
+                        </a:solidFill>
+                        <a:effectLst/>
+                        <a:uLnTx/>
+                        <a:uFillTx/>
+                        <a:latin typeface="맑은 고딕" panose="020F0502020204030204"/>
+                        <a:ea typeface="맑은 고딕" panose="020B0503020000020004" pitchFamily="50" charset="-127"/>
+                        <a:cs typeface="+mn-cs"/>
+                      </a:endParaRPr>
                     </a:p>
                   </a:txBody>
                   <a:tcPr marL="85579" marR="85579" marT="42790" marB="42790">
@@ -12327,6 +14446,10 @@
                     <a:lstStyle/>
                     <a:p>
                       <a:pPr latinLnBrk="1"/>
+                      <a:r>
+                        <a:rPr lang="en-US" altLang="ko-KR" sz="1700" dirty="0"/>
+                        <a:t>M_ID</a:t>
+                      </a:r>
                       <a:endParaRPr lang="ko-KR" altLang="en-US" sz="1700" dirty="0"/>
                     </a:p>
                   </a:txBody>
@@ -12378,6 +14501,10 @@
                     <a:lstStyle/>
                     <a:p>
                       <a:pPr latinLnBrk="1"/>
+                      <a:r>
+                        <a:rPr lang="en-US" altLang="ko-KR" sz="1700" dirty="0"/>
+                        <a:t>VARCHAR(20)</a:t>
+                      </a:r>
                       <a:endParaRPr lang="ko-KR" altLang="en-US" sz="1700" dirty="0"/>
                     </a:p>
                   </a:txBody>
@@ -12428,8 +14555,54 @@
                     <a:bodyPr/>
                     <a:lstStyle/>
                     <a:p>
-                      <a:pPr latinLnBrk="1"/>
-                      <a:endParaRPr lang="ko-KR" altLang="en-US" sz="1700" dirty="0"/>
+                      <a:pPr marL="0" marR="0" lvl="0" indent="0" algn="l" defTabSz="914400" rtl="0" eaLnBrk="1" fontAlgn="auto" latinLnBrk="1" hangingPunct="1">
+                        <a:lnSpc>
+                          <a:spcPct val="100000"/>
+                        </a:lnSpc>
+                        <a:spcBef>
+                          <a:spcPts val="0"/>
+                        </a:spcBef>
+                        <a:spcAft>
+                          <a:spcPts val="0"/>
+                        </a:spcAft>
+                        <a:buClrTx/>
+                        <a:buSzTx/>
+                        <a:buFontTx/>
+                        <a:buNone/>
+                        <a:tabLst/>
+                        <a:defRPr/>
+                      </a:pPr>
+                      <a:r>
+                        <a:rPr kumimoji="0" lang="en-US" altLang="ko-KR" sz="1700" b="0" i="0" u="none" strike="noStrike" kern="1200" cap="none" spc="0" normalizeH="0" baseline="0" noProof="0">
+                          <a:ln>
+                            <a:noFill/>
+                          </a:ln>
+                          <a:solidFill>
+                            <a:prstClr val="black"/>
+                          </a:solidFill>
+                          <a:effectLst/>
+                          <a:uLnTx/>
+                          <a:uFillTx/>
+                          <a:latin typeface="맑은 고딕" panose="020F0502020204030204"/>
+                          <a:ea typeface="맑은 고딕" panose="020B0503020000020004" pitchFamily="50" charset="-127"/>
+                          <a:cs typeface="+mn-cs"/>
+                        </a:rPr>
+                        <a:t>NO</a:t>
+                      </a:r>
+                      <a:endParaRPr kumimoji="0" lang="ko-KR" altLang="en-US" sz="1700" b="0" i="0" u="none" strike="noStrike" kern="1200" cap="none" spc="0" normalizeH="0" baseline="0" noProof="0" dirty="0">
+                        <a:ln>
+                          <a:noFill/>
+                        </a:ln>
+                        <a:solidFill>
+                          <a:prstClr val="black"/>
+                        </a:solidFill>
+                        <a:effectLst/>
+                        <a:uLnTx/>
+                        <a:uFillTx/>
+                        <a:latin typeface="맑은 고딕" panose="020F0502020204030204"/>
+                        <a:ea typeface="맑은 고딕" panose="020B0503020000020004" pitchFamily="50" charset="-127"/>
+                        <a:cs typeface="+mn-cs"/>
+                      </a:endParaRPr>
                     </a:p>
                   </a:txBody>
                   <a:tcPr marL="85579" marR="85579" marT="42790" marB="42790">
@@ -12480,6 +14653,10 @@
                     <a:lstStyle/>
                     <a:p>
                       <a:pPr latinLnBrk="1"/>
+                      <a:r>
+                        <a:rPr lang="en-US" altLang="ko-KR" sz="1700" dirty="0"/>
+                        <a:t>FK</a:t>
+                      </a:r>
                       <a:endParaRPr lang="ko-KR" altLang="en-US" sz="1700" dirty="0"/>
                     </a:p>
                   </a:txBody>
@@ -12581,8 +14758,54 @@
                     <a:bodyPr/>
                     <a:lstStyle/>
                     <a:p>
-                      <a:pPr latinLnBrk="1"/>
-                      <a:endParaRPr lang="ko-KR" altLang="en-US" sz="1700"/>
+                      <a:pPr marL="0" marR="0" lvl="0" indent="0" algn="l" defTabSz="914400" rtl="0" eaLnBrk="1" fontAlgn="auto" latinLnBrk="1" hangingPunct="1">
+                        <a:lnSpc>
+                          <a:spcPct val="100000"/>
+                        </a:lnSpc>
+                        <a:spcBef>
+                          <a:spcPts val="0"/>
+                        </a:spcBef>
+                        <a:spcAft>
+                          <a:spcPts val="0"/>
+                        </a:spcAft>
+                        <a:buClrTx/>
+                        <a:buSzTx/>
+                        <a:buFontTx/>
+                        <a:buNone/>
+                        <a:tabLst/>
+                        <a:defRPr/>
+                      </a:pPr>
+                      <a:r>
+                        <a:rPr kumimoji="0" lang="en-US" altLang="ko-KR" sz="1700" b="0" i="0" u="none" strike="noStrike" kern="1200" cap="none" spc="0" normalizeH="0" baseline="0" noProof="0">
+                          <a:ln>
+                            <a:noFill/>
+                          </a:ln>
+                          <a:solidFill>
+                            <a:prstClr val="black"/>
+                          </a:solidFill>
+                          <a:effectLst/>
+                          <a:uLnTx/>
+                          <a:uFillTx/>
+                          <a:latin typeface="맑은 고딕" panose="020F0502020204030204"/>
+                          <a:ea typeface="맑은 고딕" panose="020B0503020000020004" pitchFamily="50" charset="-127"/>
+                          <a:cs typeface="+mn-cs"/>
+                        </a:rPr>
+                        <a:t>utf8mb3_bin</a:t>
+                      </a:r>
+                      <a:endParaRPr kumimoji="0" lang="ko-KR" altLang="en-US" sz="1700" b="0" i="0" u="none" strike="noStrike" kern="1200" cap="none" spc="0" normalizeH="0" baseline="0" noProof="0" dirty="0">
+                        <a:ln>
+                          <a:noFill/>
+                        </a:ln>
+                        <a:solidFill>
+                          <a:prstClr val="black"/>
+                        </a:solidFill>
+                        <a:effectLst/>
+                        <a:uLnTx/>
+                        <a:uFillTx/>
+                        <a:latin typeface="맑은 고딕" panose="020F0502020204030204"/>
+                        <a:ea typeface="맑은 고딕" panose="020B0503020000020004" pitchFamily="50" charset="-127"/>
+                        <a:cs typeface="+mn-cs"/>
+                      </a:endParaRPr>
                     </a:p>
                   </a:txBody>
                   <a:tcPr marL="85579" marR="85579" marT="42790" marB="42790">
@@ -12640,6 +14863,10 @@
                     <a:lstStyle/>
                     <a:p>
                       <a:pPr latinLnBrk="1"/>
+                      <a:r>
+                        <a:rPr lang="en-US" altLang="ko-KR" sz="1700" dirty="0"/>
+                        <a:t>Q_TITLE</a:t>
+                      </a:r>
                       <a:endParaRPr lang="ko-KR" altLang="en-US" sz="1700" dirty="0"/>
                     </a:p>
                   </a:txBody>
@@ -12691,6 +14918,10 @@
                     <a:lstStyle/>
                     <a:p>
                       <a:pPr latinLnBrk="1"/>
+                      <a:r>
+                        <a:rPr lang="en-US" altLang="ko-KR" sz="1700" dirty="0"/>
+                        <a:t>BLOB</a:t>
+                      </a:r>
                       <a:endParaRPr lang="ko-KR" altLang="en-US" sz="1700" dirty="0"/>
                     </a:p>
                   </a:txBody>
@@ -12741,8 +14972,54 @@
                     <a:bodyPr/>
                     <a:lstStyle/>
                     <a:p>
-                      <a:pPr latinLnBrk="1"/>
-                      <a:endParaRPr lang="ko-KR" altLang="en-US" sz="1700" dirty="0"/>
+                      <a:pPr marL="0" marR="0" lvl="0" indent="0" algn="l" defTabSz="914400" rtl="0" eaLnBrk="1" fontAlgn="auto" latinLnBrk="1" hangingPunct="1">
+                        <a:lnSpc>
+                          <a:spcPct val="100000"/>
+                        </a:lnSpc>
+                        <a:spcBef>
+                          <a:spcPts val="0"/>
+                        </a:spcBef>
+                        <a:spcAft>
+                          <a:spcPts val="0"/>
+                        </a:spcAft>
+                        <a:buClrTx/>
+                        <a:buSzTx/>
+                        <a:buFontTx/>
+                        <a:buNone/>
+                        <a:tabLst/>
+                        <a:defRPr/>
+                      </a:pPr>
+                      <a:r>
+                        <a:rPr kumimoji="0" lang="en-US" altLang="ko-KR" sz="1700" b="0" i="0" u="none" strike="noStrike" kern="1200" cap="none" spc="0" normalizeH="0" baseline="0" noProof="0">
+                          <a:ln>
+                            <a:noFill/>
+                          </a:ln>
+                          <a:solidFill>
+                            <a:prstClr val="black"/>
+                          </a:solidFill>
+                          <a:effectLst/>
+                          <a:uLnTx/>
+                          <a:uFillTx/>
+                          <a:latin typeface="맑은 고딕" panose="020F0502020204030204"/>
+                          <a:ea typeface="맑은 고딕" panose="020B0503020000020004" pitchFamily="50" charset="-127"/>
+                          <a:cs typeface="+mn-cs"/>
+                        </a:rPr>
+                        <a:t>NO</a:t>
+                      </a:r>
+                      <a:endParaRPr kumimoji="0" lang="ko-KR" altLang="en-US" sz="1700" b="0" i="0" u="none" strike="noStrike" kern="1200" cap="none" spc="0" normalizeH="0" baseline="0" noProof="0" dirty="0">
+                        <a:ln>
+                          <a:noFill/>
+                        </a:ln>
+                        <a:solidFill>
+                          <a:prstClr val="black"/>
+                        </a:solidFill>
+                        <a:effectLst/>
+                        <a:uLnTx/>
+                        <a:uFillTx/>
+                        <a:latin typeface="맑은 고딕" panose="020F0502020204030204"/>
+                        <a:ea typeface="맑은 고딕" panose="020B0503020000020004" pitchFamily="50" charset="-127"/>
+                        <a:cs typeface="+mn-cs"/>
+                      </a:endParaRPr>
                     </a:p>
                   </a:txBody>
                   <a:tcPr marL="85579" marR="85579" marT="42790" marB="42790">
@@ -12894,8 +15171,54 @@
                     <a:bodyPr/>
                     <a:lstStyle/>
                     <a:p>
-                      <a:pPr latinLnBrk="1"/>
-                      <a:endParaRPr lang="ko-KR" altLang="en-US" sz="1700"/>
+                      <a:pPr marL="0" marR="0" lvl="0" indent="0" algn="l" defTabSz="914400" rtl="0" eaLnBrk="1" fontAlgn="auto" latinLnBrk="1" hangingPunct="1">
+                        <a:lnSpc>
+                          <a:spcPct val="100000"/>
+                        </a:lnSpc>
+                        <a:spcBef>
+                          <a:spcPts val="0"/>
+                        </a:spcBef>
+                        <a:spcAft>
+                          <a:spcPts val="0"/>
+                        </a:spcAft>
+                        <a:buClrTx/>
+                        <a:buSzTx/>
+                        <a:buFontTx/>
+                        <a:buNone/>
+                        <a:tabLst/>
+                        <a:defRPr/>
+                      </a:pPr>
+                      <a:r>
+                        <a:rPr kumimoji="0" lang="en-US" altLang="ko-KR" sz="1700" b="0" i="0" u="none" strike="noStrike" kern="1200" cap="none" spc="0" normalizeH="0" baseline="0" noProof="0">
+                          <a:ln>
+                            <a:noFill/>
+                          </a:ln>
+                          <a:solidFill>
+                            <a:prstClr val="black"/>
+                          </a:solidFill>
+                          <a:effectLst/>
+                          <a:uLnTx/>
+                          <a:uFillTx/>
+                          <a:latin typeface="맑은 고딕" panose="020F0502020204030204"/>
+                          <a:ea typeface="맑은 고딕" panose="020B0503020000020004" pitchFamily="50" charset="-127"/>
+                          <a:cs typeface="+mn-cs"/>
+                        </a:rPr>
+                        <a:t>utf8mb3_bin</a:t>
+                      </a:r>
+                      <a:endParaRPr kumimoji="0" lang="ko-KR" altLang="en-US" sz="1700" b="0" i="0" u="none" strike="noStrike" kern="1200" cap="none" spc="0" normalizeH="0" baseline="0" noProof="0" dirty="0">
+                        <a:ln>
+                          <a:noFill/>
+                        </a:ln>
+                        <a:solidFill>
+                          <a:prstClr val="black"/>
+                        </a:solidFill>
+                        <a:effectLst/>
+                        <a:uLnTx/>
+                        <a:uFillTx/>
+                        <a:latin typeface="맑은 고딕" panose="020F0502020204030204"/>
+                        <a:ea typeface="맑은 고딕" panose="020B0503020000020004" pitchFamily="50" charset="-127"/>
+                        <a:cs typeface="+mn-cs"/>
+                      </a:endParaRPr>
                     </a:p>
                   </a:txBody>
                   <a:tcPr marL="85579" marR="85579" marT="42790" marB="42790">
@@ -12953,6 +15276,10 @@
                     <a:lstStyle/>
                     <a:p>
                       <a:pPr latinLnBrk="1"/>
+                      <a:r>
+                        <a:rPr lang="en-US" altLang="ko-KR" sz="1700" dirty="0"/>
+                        <a:t>Q_DATE</a:t>
+                      </a:r>
                       <a:endParaRPr lang="ko-KR" altLang="en-US" sz="1700" dirty="0"/>
                     </a:p>
                   </a:txBody>
@@ -13004,6 +15331,10 @@
                     <a:lstStyle/>
                     <a:p>
                       <a:pPr latinLnBrk="1"/>
+                      <a:r>
+                        <a:rPr lang="en-US" altLang="ko-KR" sz="1700" dirty="0"/>
+                        <a:t>DATE</a:t>
+                      </a:r>
                       <a:endParaRPr lang="ko-KR" altLang="en-US" sz="1700" dirty="0"/>
                     </a:p>
                   </a:txBody>
@@ -13054,8 +15385,54 @@
                     <a:bodyPr/>
                     <a:lstStyle/>
                     <a:p>
-                      <a:pPr latinLnBrk="1"/>
-                      <a:endParaRPr lang="ko-KR" altLang="en-US" sz="1700" dirty="0"/>
+                      <a:pPr marL="0" marR="0" lvl="0" indent="0" algn="l" defTabSz="914400" rtl="0" eaLnBrk="1" fontAlgn="auto" latinLnBrk="1" hangingPunct="1">
+                        <a:lnSpc>
+                          <a:spcPct val="100000"/>
+                        </a:lnSpc>
+                        <a:spcBef>
+                          <a:spcPts val="0"/>
+                        </a:spcBef>
+                        <a:spcAft>
+                          <a:spcPts val="0"/>
+                        </a:spcAft>
+                        <a:buClrTx/>
+                        <a:buSzTx/>
+                        <a:buFontTx/>
+                        <a:buNone/>
+                        <a:tabLst/>
+                        <a:defRPr/>
+                      </a:pPr>
+                      <a:r>
+                        <a:rPr kumimoji="0" lang="en-US" altLang="ko-KR" sz="1700" b="0" i="0" u="none" strike="noStrike" kern="1200" cap="none" spc="0" normalizeH="0" baseline="0" noProof="0">
+                          <a:ln>
+                            <a:noFill/>
+                          </a:ln>
+                          <a:solidFill>
+                            <a:prstClr val="black"/>
+                          </a:solidFill>
+                          <a:effectLst/>
+                          <a:uLnTx/>
+                          <a:uFillTx/>
+                          <a:latin typeface="맑은 고딕" panose="020F0502020204030204"/>
+                          <a:ea typeface="맑은 고딕" panose="020B0503020000020004" pitchFamily="50" charset="-127"/>
+                          <a:cs typeface="+mn-cs"/>
+                        </a:rPr>
+                        <a:t>NO</a:t>
+                      </a:r>
+                      <a:endParaRPr kumimoji="0" lang="ko-KR" altLang="en-US" sz="1700" b="0" i="0" u="none" strike="noStrike" kern="1200" cap="none" spc="0" normalizeH="0" baseline="0" noProof="0" dirty="0">
+                        <a:ln>
+                          <a:noFill/>
+                        </a:ln>
+                        <a:solidFill>
+                          <a:prstClr val="black"/>
+                        </a:solidFill>
+                        <a:effectLst/>
+                        <a:uLnTx/>
+                        <a:uFillTx/>
+                        <a:latin typeface="맑은 고딕" panose="020F0502020204030204"/>
+                        <a:ea typeface="맑은 고딕" panose="020B0503020000020004" pitchFamily="50" charset="-127"/>
+                        <a:cs typeface="+mn-cs"/>
+                      </a:endParaRPr>
                     </a:p>
                   </a:txBody>
                   <a:tcPr marL="85579" marR="85579" marT="42790" marB="42790">
@@ -13156,7 +15533,31 @@
                     <a:bodyPr/>
                     <a:lstStyle/>
                     <a:p>
-                      <a:pPr latinLnBrk="1"/>
+                      <a:pPr marL="0" marR="0" lvl="0" indent="0" algn="l" defTabSz="914400" rtl="0" eaLnBrk="1" fontAlgn="auto" latinLnBrk="1" hangingPunct="1">
+                        <a:lnSpc>
+                          <a:spcPct val="100000"/>
+                        </a:lnSpc>
+                        <a:spcBef>
+                          <a:spcPts val="0"/>
+                        </a:spcBef>
+                        <a:spcAft>
+                          <a:spcPts val="0"/>
+                        </a:spcAft>
+                        <a:buClrTx/>
+                        <a:buSzTx/>
+                        <a:buFontTx/>
+                        <a:buNone/>
+                        <a:tabLst/>
+                        <a:defRPr/>
+                      </a:pPr>
+                      <a:r>
+                        <a:rPr lang="en-US" altLang="ko-KR" sz="1700" dirty="0" err="1"/>
+                        <a:t>curdate</a:t>
+                      </a:r>
+                      <a:r>
+                        <a:rPr lang="en-US" altLang="ko-KR" sz="1700" dirty="0"/>
+                        <a:t>()</a:t>
+                      </a:r>
                       <a:endParaRPr lang="ko-KR" altLang="en-US" sz="1700" dirty="0"/>
                     </a:p>
                   </a:txBody>
@@ -13207,8 +15608,54 @@
                     <a:bodyPr/>
                     <a:lstStyle/>
                     <a:p>
-                      <a:pPr latinLnBrk="1"/>
-                      <a:endParaRPr lang="ko-KR" altLang="en-US" sz="1700" dirty="0"/>
+                      <a:pPr marL="0" marR="0" lvl="0" indent="0" algn="l" defTabSz="914400" rtl="0" eaLnBrk="1" fontAlgn="auto" latinLnBrk="1" hangingPunct="1">
+                        <a:lnSpc>
+                          <a:spcPct val="100000"/>
+                        </a:lnSpc>
+                        <a:spcBef>
+                          <a:spcPts val="0"/>
+                        </a:spcBef>
+                        <a:spcAft>
+                          <a:spcPts val="0"/>
+                        </a:spcAft>
+                        <a:buClrTx/>
+                        <a:buSzTx/>
+                        <a:buFontTx/>
+                        <a:buNone/>
+                        <a:tabLst/>
+                        <a:defRPr/>
+                      </a:pPr>
+                      <a:r>
+                        <a:rPr kumimoji="0" lang="en-US" altLang="ko-KR" sz="1700" b="0" i="0" u="none" strike="noStrike" kern="1200" cap="none" spc="0" normalizeH="0" baseline="0" noProof="0">
+                          <a:ln>
+                            <a:noFill/>
+                          </a:ln>
+                          <a:solidFill>
+                            <a:prstClr val="black"/>
+                          </a:solidFill>
+                          <a:effectLst/>
+                          <a:uLnTx/>
+                          <a:uFillTx/>
+                          <a:latin typeface="맑은 고딕" panose="020F0502020204030204"/>
+                          <a:ea typeface="맑은 고딕" panose="020B0503020000020004" pitchFamily="50" charset="-127"/>
+                          <a:cs typeface="+mn-cs"/>
+                        </a:rPr>
+                        <a:t>utf8mb3_bin</a:t>
+                      </a:r>
+                      <a:endParaRPr kumimoji="0" lang="ko-KR" altLang="en-US" sz="1700" b="0" i="0" u="none" strike="noStrike" kern="1200" cap="none" spc="0" normalizeH="0" baseline="0" noProof="0" dirty="0">
+                        <a:ln>
+                          <a:noFill/>
+                        </a:ln>
+                        <a:solidFill>
+                          <a:prstClr val="black"/>
+                        </a:solidFill>
+                        <a:effectLst/>
+                        <a:uLnTx/>
+                        <a:uFillTx/>
+                        <a:latin typeface="맑은 고딕" panose="020F0502020204030204"/>
+                        <a:ea typeface="맑은 고딕" panose="020B0503020000020004" pitchFamily="50" charset="-127"/>
+                        <a:cs typeface="+mn-cs"/>
+                      </a:endParaRPr>
                     </a:p>
                   </a:txBody>
                   <a:tcPr marL="85579" marR="85579" marT="42790" marB="42790">
@@ -13266,6 +15713,10 @@
                     <a:lstStyle/>
                     <a:p>
                       <a:pPr latinLnBrk="1"/>
+                      <a:r>
+                        <a:rPr lang="en-US" altLang="ko-KR" sz="1700" dirty="0"/>
+                        <a:t>Q_FILE</a:t>
+                      </a:r>
                       <a:endParaRPr lang="ko-KR" altLang="en-US" sz="1700" dirty="0"/>
                     </a:p>
                   </a:txBody>
@@ -13317,6 +15768,10 @@
                     <a:lstStyle/>
                     <a:p>
                       <a:pPr latinLnBrk="1"/>
+                      <a:r>
+                        <a:rPr lang="en-US" altLang="ko-KR" sz="1700" dirty="0"/>
+                        <a:t>BLOB</a:t>
+                      </a:r>
                       <a:endParaRPr lang="ko-KR" altLang="en-US" sz="1700" dirty="0"/>
                     </a:p>
                   </a:txBody>
@@ -13367,8 +15822,54 @@
                     <a:bodyPr/>
                     <a:lstStyle/>
                     <a:p>
-                      <a:pPr latinLnBrk="1"/>
-                      <a:endParaRPr lang="ko-KR" altLang="en-US" sz="1700" dirty="0"/>
+                      <a:pPr marL="0" marR="0" lvl="0" indent="0" algn="l" defTabSz="914400" rtl="0" eaLnBrk="1" fontAlgn="auto" latinLnBrk="1" hangingPunct="1">
+                        <a:lnSpc>
+                          <a:spcPct val="100000"/>
+                        </a:lnSpc>
+                        <a:spcBef>
+                          <a:spcPts val="0"/>
+                        </a:spcBef>
+                        <a:spcAft>
+                          <a:spcPts val="0"/>
+                        </a:spcAft>
+                        <a:buClrTx/>
+                        <a:buSzTx/>
+                        <a:buFontTx/>
+                        <a:buNone/>
+                        <a:tabLst/>
+                        <a:defRPr/>
+                      </a:pPr>
+                      <a:r>
+                        <a:rPr kumimoji="0" lang="en-US" altLang="ko-KR" sz="1700" b="0" i="0" u="none" strike="noStrike" kern="1200" cap="none" spc="0" normalizeH="0" baseline="0" noProof="0" dirty="0">
+                          <a:ln>
+                            <a:noFill/>
+                          </a:ln>
+                          <a:solidFill>
+                            <a:prstClr val="black"/>
+                          </a:solidFill>
+                          <a:effectLst/>
+                          <a:uLnTx/>
+                          <a:uFillTx/>
+                          <a:latin typeface="맑은 고딕" panose="020F0502020204030204"/>
+                          <a:ea typeface="맑은 고딕" panose="020B0503020000020004" pitchFamily="50" charset="-127"/>
+                          <a:cs typeface="+mn-cs"/>
+                        </a:rPr>
+                        <a:t>YES</a:t>
+                      </a:r>
+                      <a:endParaRPr kumimoji="0" lang="ko-KR" altLang="en-US" sz="1700" b="0" i="0" u="none" strike="noStrike" kern="1200" cap="none" spc="0" normalizeH="0" baseline="0" noProof="0" dirty="0">
+                        <a:ln>
+                          <a:noFill/>
+                        </a:ln>
+                        <a:solidFill>
+                          <a:prstClr val="black"/>
+                        </a:solidFill>
+                        <a:effectLst/>
+                        <a:uLnTx/>
+                        <a:uFillTx/>
+                        <a:latin typeface="맑은 고딕" panose="020F0502020204030204"/>
+                        <a:ea typeface="맑은 고딕" panose="020B0503020000020004" pitchFamily="50" charset="-127"/>
+                        <a:cs typeface="+mn-cs"/>
+                      </a:endParaRPr>
                     </a:p>
                   </a:txBody>
                   <a:tcPr marL="85579" marR="85579" marT="42790" marB="42790">
@@ -13520,8 +16021,54 @@
                     <a:bodyPr/>
                     <a:lstStyle/>
                     <a:p>
-                      <a:pPr latinLnBrk="1"/>
-                      <a:endParaRPr lang="ko-KR" altLang="en-US" sz="1700" dirty="0"/>
+                      <a:pPr marL="0" marR="0" lvl="0" indent="0" algn="l" defTabSz="914400" rtl="0" eaLnBrk="1" fontAlgn="auto" latinLnBrk="1" hangingPunct="1">
+                        <a:lnSpc>
+                          <a:spcPct val="100000"/>
+                        </a:lnSpc>
+                        <a:spcBef>
+                          <a:spcPts val="0"/>
+                        </a:spcBef>
+                        <a:spcAft>
+                          <a:spcPts val="0"/>
+                        </a:spcAft>
+                        <a:buClrTx/>
+                        <a:buSzTx/>
+                        <a:buFontTx/>
+                        <a:buNone/>
+                        <a:tabLst/>
+                        <a:defRPr/>
+                      </a:pPr>
+                      <a:r>
+                        <a:rPr kumimoji="0" lang="en-US" altLang="ko-KR" sz="1700" b="0" i="0" u="none" strike="noStrike" kern="1200" cap="none" spc="0" normalizeH="0" baseline="0" noProof="0">
+                          <a:ln>
+                            <a:noFill/>
+                          </a:ln>
+                          <a:solidFill>
+                            <a:prstClr val="black"/>
+                          </a:solidFill>
+                          <a:effectLst/>
+                          <a:uLnTx/>
+                          <a:uFillTx/>
+                          <a:latin typeface="맑은 고딕" panose="020F0502020204030204"/>
+                          <a:ea typeface="맑은 고딕" panose="020B0503020000020004" pitchFamily="50" charset="-127"/>
+                          <a:cs typeface="+mn-cs"/>
+                        </a:rPr>
+                        <a:t>utf8mb3_bin</a:t>
+                      </a:r>
+                      <a:endParaRPr kumimoji="0" lang="ko-KR" altLang="en-US" sz="1700" b="0" i="0" u="none" strike="noStrike" kern="1200" cap="none" spc="0" normalizeH="0" baseline="0" noProof="0" dirty="0">
+                        <a:ln>
+                          <a:noFill/>
+                        </a:ln>
+                        <a:solidFill>
+                          <a:prstClr val="black"/>
+                        </a:solidFill>
+                        <a:effectLst/>
+                        <a:uLnTx/>
+                        <a:uFillTx/>
+                        <a:latin typeface="맑은 고딕" panose="020F0502020204030204"/>
+                        <a:ea typeface="맑은 고딕" panose="020B0503020000020004" pitchFamily="50" charset="-127"/>
+                        <a:cs typeface="+mn-cs"/>
+                      </a:endParaRPr>
                     </a:p>
                   </a:txBody>
                   <a:tcPr marL="85579" marR="85579" marT="42790" marB="42790">
@@ -13579,6 +16126,10 @@
                     <a:lstStyle/>
                     <a:p>
                       <a:pPr latinLnBrk="1"/>
+                      <a:r>
+                        <a:rPr lang="en-US" altLang="ko-KR" sz="1700" dirty="0"/>
+                        <a:t>Q_CONT</a:t>
+                      </a:r>
                       <a:endParaRPr lang="ko-KR" altLang="en-US" sz="1700" dirty="0"/>
                     </a:p>
                   </a:txBody>
@@ -13630,6 +16181,10 @@
                     <a:lstStyle/>
                     <a:p>
                       <a:pPr latinLnBrk="1"/>
+                      <a:r>
+                        <a:rPr lang="en-US" altLang="ko-KR" sz="1700" dirty="0"/>
+                        <a:t>BLOB</a:t>
+                      </a:r>
                       <a:endParaRPr lang="ko-KR" altLang="en-US" sz="1700" dirty="0"/>
                     </a:p>
                   </a:txBody>
@@ -13680,8 +16235,54 @@
                     <a:bodyPr/>
                     <a:lstStyle/>
                     <a:p>
-                      <a:pPr latinLnBrk="1"/>
-                      <a:endParaRPr lang="ko-KR" altLang="en-US" sz="1700" dirty="0"/>
+                      <a:pPr marL="0" marR="0" lvl="0" indent="0" algn="l" defTabSz="914400" rtl="0" eaLnBrk="1" fontAlgn="auto" latinLnBrk="1" hangingPunct="1">
+                        <a:lnSpc>
+                          <a:spcPct val="100000"/>
+                        </a:lnSpc>
+                        <a:spcBef>
+                          <a:spcPts val="0"/>
+                        </a:spcBef>
+                        <a:spcAft>
+                          <a:spcPts val="0"/>
+                        </a:spcAft>
+                        <a:buClrTx/>
+                        <a:buSzTx/>
+                        <a:buFontTx/>
+                        <a:buNone/>
+                        <a:tabLst/>
+                        <a:defRPr/>
+                      </a:pPr>
+                      <a:r>
+                        <a:rPr kumimoji="0" lang="en-US" altLang="ko-KR" sz="1700" b="0" i="0" u="none" strike="noStrike" kern="1200" cap="none" spc="0" normalizeH="0" baseline="0" noProof="0">
+                          <a:ln>
+                            <a:noFill/>
+                          </a:ln>
+                          <a:solidFill>
+                            <a:prstClr val="black"/>
+                          </a:solidFill>
+                          <a:effectLst/>
+                          <a:uLnTx/>
+                          <a:uFillTx/>
+                          <a:latin typeface="맑은 고딕" panose="020F0502020204030204"/>
+                          <a:ea typeface="맑은 고딕" panose="020B0503020000020004" pitchFamily="50" charset="-127"/>
+                          <a:cs typeface="+mn-cs"/>
+                        </a:rPr>
+                        <a:t>NO</a:t>
+                      </a:r>
+                      <a:endParaRPr kumimoji="0" lang="ko-KR" altLang="en-US" sz="1700" b="0" i="0" u="none" strike="noStrike" kern="1200" cap="none" spc="0" normalizeH="0" baseline="0" noProof="0" dirty="0">
+                        <a:ln>
+                          <a:noFill/>
+                        </a:ln>
+                        <a:solidFill>
+                          <a:prstClr val="black"/>
+                        </a:solidFill>
+                        <a:effectLst/>
+                        <a:uLnTx/>
+                        <a:uFillTx/>
+                        <a:latin typeface="맑은 고딕" panose="020F0502020204030204"/>
+                        <a:ea typeface="맑은 고딕" panose="020B0503020000020004" pitchFamily="50" charset="-127"/>
+                        <a:cs typeface="+mn-cs"/>
+                      </a:endParaRPr>
                     </a:p>
                   </a:txBody>
                   <a:tcPr marL="85579" marR="85579" marT="42790" marB="42790">
@@ -13833,8 +16434,54 @@
                     <a:bodyPr/>
                     <a:lstStyle/>
                     <a:p>
-                      <a:pPr latinLnBrk="1"/>
-                      <a:endParaRPr lang="ko-KR" altLang="en-US" sz="1700" dirty="0"/>
+                      <a:pPr marL="0" marR="0" lvl="0" indent="0" algn="l" defTabSz="914400" rtl="0" eaLnBrk="1" fontAlgn="auto" latinLnBrk="1" hangingPunct="1">
+                        <a:lnSpc>
+                          <a:spcPct val="100000"/>
+                        </a:lnSpc>
+                        <a:spcBef>
+                          <a:spcPts val="0"/>
+                        </a:spcBef>
+                        <a:spcAft>
+                          <a:spcPts val="0"/>
+                        </a:spcAft>
+                        <a:buClrTx/>
+                        <a:buSzTx/>
+                        <a:buFontTx/>
+                        <a:buNone/>
+                        <a:tabLst/>
+                        <a:defRPr/>
+                      </a:pPr>
+                      <a:r>
+                        <a:rPr kumimoji="0" lang="en-US" altLang="ko-KR" sz="1700" b="0" i="0" u="none" strike="noStrike" kern="1200" cap="none" spc="0" normalizeH="0" baseline="0" noProof="0">
+                          <a:ln>
+                            <a:noFill/>
+                          </a:ln>
+                          <a:solidFill>
+                            <a:prstClr val="black"/>
+                          </a:solidFill>
+                          <a:effectLst/>
+                          <a:uLnTx/>
+                          <a:uFillTx/>
+                          <a:latin typeface="맑은 고딕" panose="020F0502020204030204"/>
+                          <a:ea typeface="맑은 고딕" panose="020B0503020000020004" pitchFamily="50" charset="-127"/>
+                          <a:cs typeface="+mn-cs"/>
+                        </a:rPr>
+                        <a:t>utf8mb3_bin</a:t>
+                      </a:r>
+                      <a:endParaRPr kumimoji="0" lang="ko-KR" altLang="en-US" sz="1700" b="0" i="0" u="none" strike="noStrike" kern="1200" cap="none" spc="0" normalizeH="0" baseline="0" noProof="0" dirty="0">
+                        <a:ln>
+                          <a:noFill/>
+                        </a:ln>
+                        <a:solidFill>
+                          <a:prstClr val="black"/>
+                        </a:solidFill>
+                        <a:effectLst/>
+                        <a:uLnTx/>
+                        <a:uFillTx/>
+                        <a:latin typeface="맑은 고딕" panose="020F0502020204030204"/>
+                        <a:ea typeface="맑은 고딕" panose="020B0503020000020004" pitchFamily="50" charset="-127"/>
+                        <a:cs typeface="+mn-cs"/>
+                      </a:endParaRPr>
                     </a:p>
                   </a:txBody>
                   <a:tcPr marL="85579" marR="85579" marT="42790" marB="42790">
@@ -13892,6 +16539,10 @@
                     <a:lstStyle/>
                     <a:p>
                       <a:pPr latinLnBrk="1"/>
+                      <a:r>
+                        <a:rPr lang="en-US" altLang="ko-KR" sz="1700" dirty="0"/>
+                        <a:t>Q_HIT</a:t>
+                      </a:r>
                       <a:endParaRPr lang="ko-KR" altLang="en-US" sz="1700" dirty="0"/>
                     </a:p>
                   </a:txBody>
@@ -13943,6 +16594,10 @@
                     <a:lstStyle/>
                     <a:p>
                       <a:pPr latinLnBrk="1"/>
+                      <a:r>
+                        <a:rPr lang="en-US" altLang="ko-KR" sz="1700" dirty="0"/>
+                        <a:t>INT(11)</a:t>
+                      </a:r>
                       <a:endParaRPr lang="ko-KR" altLang="en-US" sz="1700" dirty="0"/>
                     </a:p>
                   </a:txBody>
@@ -13993,8 +16648,54 @@
                     <a:bodyPr/>
                     <a:lstStyle/>
                     <a:p>
-                      <a:pPr latinLnBrk="1"/>
-                      <a:endParaRPr lang="ko-KR" altLang="en-US" sz="1700" dirty="0"/>
+                      <a:pPr marL="0" marR="0" lvl="0" indent="0" algn="l" defTabSz="914400" rtl="0" eaLnBrk="1" fontAlgn="auto" latinLnBrk="1" hangingPunct="1">
+                        <a:lnSpc>
+                          <a:spcPct val="100000"/>
+                        </a:lnSpc>
+                        <a:spcBef>
+                          <a:spcPts val="0"/>
+                        </a:spcBef>
+                        <a:spcAft>
+                          <a:spcPts val="0"/>
+                        </a:spcAft>
+                        <a:buClrTx/>
+                        <a:buSzTx/>
+                        <a:buFontTx/>
+                        <a:buNone/>
+                        <a:tabLst/>
+                        <a:defRPr/>
+                      </a:pPr>
+                      <a:r>
+                        <a:rPr kumimoji="0" lang="en-US" altLang="ko-KR" sz="1700" b="0" i="0" u="none" strike="noStrike" kern="1200" cap="none" spc="0" normalizeH="0" baseline="0" noProof="0" dirty="0">
+                          <a:ln>
+                            <a:noFill/>
+                          </a:ln>
+                          <a:solidFill>
+                            <a:prstClr val="black"/>
+                          </a:solidFill>
+                          <a:effectLst/>
+                          <a:uLnTx/>
+                          <a:uFillTx/>
+                          <a:latin typeface="+mn-lt"/>
+                          <a:ea typeface="+mn-ea"/>
+                          <a:cs typeface="+mn-cs"/>
+                        </a:rPr>
+                        <a:t>YES</a:t>
+                      </a:r>
+                      <a:endParaRPr kumimoji="0" lang="ko-KR" altLang="en-US" sz="1700" b="0" i="0" u="none" strike="noStrike" kern="1200" cap="none" spc="0" normalizeH="0" baseline="0" noProof="0" dirty="0">
+                        <a:ln>
+                          <a:noFill/>
+                        </a:ln>
+                        <a:solidFill>
+                          <a:prstClr val="black"/>
+                        </a:solidFill>
+                        <a:effectLst/>
+                        <a:uLnTx/>
+                        <a:uFillTx/>
+                        <a:latin typeface="+mn-lt"/>
+                        <a:ea typeface="+mn-ea"/>
+                        <a:cs typeface="+mn-cs"/>
+                      </a:endParaRPr>
                     </a:p>
                   </a:txBody>
                   <a:tcPr marL="85579" marR="85579" marT="42790" marB="42790">
@@ -14146,8 +16847,54 @@
                     <a:bodyPr/>
                     <a:lstStyle/>
                     <a:p>
-                      <a:pPr latinLnBrk="1"/>
-                      <a:endParaRPr lang="ko-KR" altLang="en-US" sz="1700" dirty="0"/>
+                      <a:pPr marL="0" marR="0" lvl="0" indent="0" algn="l" defTabSz="914400" rtl="0" eaLnBrk="1" fontAlgn="auto" latinLnBrk="1" hangingPunct="1">
+                        <a:lnSpc>
+                          <a:spcPct val="100000"/>
+                        </a:lnSpc>
+                        <a:spcBef>
+                          <a:spcPts val="0"/>
+                        </a:spcBef>
+                        <a:spcAft>
+                          <a:spcPts val="0"/>
+                        </a:spcAft>
+                        <a:buClrTx/>
+                        <a:buSzTx/>
+                        <a:buFontTx/>
+                        <a:buNone/>
+                        <a:tabLst/>
+                        <a:defRPr/>
+                      </a:pPr>
+                      <a:r>
+                        <a:rPr kumimoji="0" lang="en-US" altLang="ko-KR" sz="1700" b="0" i="0" u="none" strike="noStrike" kern="1200" cap="none" spc="0" normalizeH="0" baseline="0" noProof="0" dirty="0">
+                          <a:ln>
+                            <a:noFill/>
+                          </a:ln>
+                          <a:solidFill>
+                            <a:prstClr val="black"/>
+                          </a:solidFill>
+                          <a:effectLst/>
+                          <a:uLnTx/>
+                          <a:uFillTx/>
+                          <a:latin typeface="맑은 고딕" panose="020F0502020204030204"/>
+                          <a:ea typeface="맑은 고딕" panose="020B0503020000020004" pitchFamily="50" charset="-127"/>
+                          <a:cs typeface="+mn-cs"/>
+                        </a:rPr>
+                        <a:t>utf8mb3_bin</a:t>
+                      </a:r>
+                      <a:endParaRPr kumimoji="0" lang="ko-KR" altLang="en-US" sz="1700" b="0" i="0" u="none" strike="noStrike" kern="1200" cap="none" spc="0" normalizeH="0" baseline="0" noProof="0" dirty="0">
+                        <a:ln>
+                          <a:noFill/>
+                        </a:ln>
+                        <a:solidFill>
+                          <a:prstClr val="black"/>
+                        </a:solidFill>
+                        <a:effectLst/>
+                        <a:uLnTx/>
+                        <a:uFillTx/>
+                        <a:latin typeface="맑은 고딕" panose="020F0502020204030204"/>
+                        <a:ea typeface="맑은 고딕" panose="020B0503020000020004" pitchFamily="50" charset="-127"/>
+                        <a:cs typeface="+mn-cs"/>
+                      </a:endParaRPr>
                     </a:p>
                   </a:txBody>
                   <a:tcPr marL="85579" marR="85579" marT="42790" marB="42790">
@@ -14195,1258 +16942,6 @@
                 <a:extLst>
                   <a:ext uri="{0D108BD9-81ED-4DB2-BD59-A6C34878D82A}">
                     <a16:rowId xmlns:a16="http://schemas.microsoft.com/office/drawing/2014/main" val="1588448190"/>
-                  </a:ext>
-                </a:extLst>
-              </a:tr>
-              <a:tr h="490491">
-                <a:tc>
-                  <a:txBody>
-                    <a:bodyPr/>
-                    <a:lstStyle/>
-                    <a:p>
-                      <a:pPr latinLnBrk="1"/>
-                      <a:endParaRPr lang="ko-KR" altLang="en-US" sz="1700" dirty="0"/>
-                    </a:p>
-                  </a:txBody>
-                  <a:tcPr marL="85579" marR="85579" marT="42790" marB="42790">
-                    <a:lnL w="12700" cap="flat" cmpd="sng" algn="ctr">
-                      <a:solidFill>
-                        <a:schemeClr val="tx1"/>
-                      </a:solidFill>
-                      <a:prstDash val="solid"/>
-                      <a:round/>
-                      <a:headEnd type="none" w="med" len="med"/>
-                      <a:tailEnd type="none" w="med" len="med"/>
-                    </a:lnL>
-                    <a:lnR w="12700" cap="flat" cmpd="sng" algn="ctr">
-                      <a:solidFill>
-                        <a:schemeClr val="tx1"/>
-                      </a:solidFill>
-                      <a:prstDash val="solid"/>
-                      <a:round/>
-                      <a:headEnd type="none" w="med" len="med"/>
-                      <a:tailEnd type="none" w="med" len="med"/>
-                    </a:lnR>
-                    <a:lnT w="12700" cap="flat" cmpd="sng" algn="ctr">
-                      <a:solidFill>
-                        <a:schemeClr val="tx1"/>
-                      </a:solidFill>
-                      <a:prstDash val="solid"/>
-                      <a:round/>
-                      <a:headEnd type="none" w="med" len="med"/>
-                      <a:tailEnd type="none" w="med" len="med"/>
-                    </a:lnT>
-                    <a:lnB w="12700" cap="flat" cmpd="sng" algn="ctr">
-                      <a:solidFill>
-                        <a:schemeClr val="tx1"/>
-                      </a:solidFill>
-                      <a:prstDash val="solid"/>
-                      <a:round/>
-                      <a:headEnd type="none" w="med" len="med"/>
-                      <a:tailEnd type="none" w="med" len="med"/>
-                    </a:lnB>
-                    <a:solidFill>
-                      <a:schemeClr val="bg1"/>
-                    </a:solidFill>
-                  </a:tcPr>
-                </a:tc>
-                <a:tc>
-                  <a:txBody>
-                    <a:bodyPr/>
-                    <a:lstStyle/>
-                    <a:p>
-                      <a:pPr latinLnBrk="1"/>
-                      <a:endParaRPr lang="ko-KR" altLang="en-US" sz="1700" dirty="0"/>
-                    </a:p>
-                  </a:txBody>
-                  <a:tcPr marL="85579" marR="85579" marT="42790" marB="42790">
-                    <a:lnL w="12700" cap="flat" cmpd="sng" algn="ctr">
-                      <a:solidFill>
-                        <a:schemeClr val="tx1"/>
-                      </a:solidFill>
-                      <a:prstDash val="solid"/>
-                      <a:round/>
-                      <a:headEnd type="none" w="med" len="med"/>
-                      <a:tailEnd type="none" w="med" len="med"/>
-                    </a:lnL>
-                    <a:lnR w="12700" cap="flat" cmpd="sng" algn="ctr">
-                      <a:solidFill>
-                        <a:schemeClr val="tx1"/>
-                      </a:solidFill>
-                      <a:prstDash val="solid"/>
-                      <a:round/>
-                      <a:headEnd type="none" w="med" len="med"/>
-                      <a:tailEnd type="none" w="med" len="med"/>
-                    </a:lnR>
-                    <a:lnT w="12700" cap="flat" cmpd="sng" algn="ctr">
-                      <a:solidFill>
-                        <a:schemeClr val="tx1"/>
-                      </a:solidFill>
-                      <a:prstDash val="solid"/>
-                      <a:round/>
-                      <a:headEnd type="none" w="med" len="med"/>
-                      <a:tailEnd type="none" w="med" len="med"/>
-                    </a:lnT>
-                    <a:lnB w="12700" cap="flat" cmpd="sng" algn="ctr">
-                      <a:solidFill>
-                        <a:schemeClr val="tx1"/>
-                      </a:solidFill>
-                      <a:prstDash val="solid"/>
-                      <a:round/>
-                      <a:headEnd type="none" w="med" len="med"/>
-                      <a:tailEnd type="none" w="med" len="med"/>
-                    </a:lnB>
-                    <a:solidFill>
-                      <a:schemeClr val="bg1"/>
-                    </a:solidFill>
-                  </a:tcPr>
-                </a:tc>
-                <a:tc>
-                  <a:txBody>
-                    <a:bodyPr/>
-                    <a:lstStyle/>
-                    <a:p>
-                      <a:pPr latinLnBrk="1"/>
-                      <a:endParaRPr lang="ko-KR" altLang="en-US" sz="1700" dirty="0"/>
-                    </a:p>
-                  </a:txBody>
-                  <a:tcPr marL="85579" marR="85579" marT="42790" marB="42790">
-                    <a:lnL w="12700" cap="flat" cmpd="sng" algn="ctr">
-                      <a:solidFill>
-                        <a:schemeClr val="tx1"/>
-                      </a:solidFill>
-                      <a:prstDash val="solid"/>
-                      <a:round/>
-                      <a:headEnd type="none" w="med" len="med"/>
-                      <a:tailEnd type="none" w="med" len="med"/>
-                    </a:lnL>
-                    <a:lnR w="12700" cap="flat" cmpd="sng" algn="ctr">
-                      <a:solidFill>
-                        <a:schemeClr val="tx1"/>
-                      </a:solidFill>
-                      <a:prstDash val="solid"/>
-                      <a:round/>
-                      <a:headEnd type="none" w="med" len="med"/>
-                      <a:tailEnd type="none" w="med" len="med"/>
-                    </a:lnR>
-                    <a:lnT w="12700" cap="flat" cmpd="sng" algn="ctr">
-                      <a:solidFill>
-                        <a:schemeClr val="tx1"/>
-                      </a:solidFill>
-                      <a:prstDash val="solid"/>
-                      <a:round/>
-                      <a:headEnd type="none" w="med" len="med"/>
-                      <a:tailEnd type="none" w="med" len="med"/>
-                    </a:lnT>
-                    <a:lnB w="12700" cap="flat" cmpd="sng" algn="ctr">
-                      <a:solidFill>
-                        <a:schemeClr val="tx1"/>
-                      </a:solidFill>
-                      <a:prstDash val="solid"/>
-                      <a:round/>
-                      <a:headEnd type="none" w="med" len="med"/>
-                      <a:tailEnd type="none" w="med" len="med"/>
-                    </a:lnB>
-                    <a:solidFill>
-                      <a:schemeClr val="bg1"/>
-                    </a:solidFill>
-                  </a:tcPr>
-                </a:tc>
-                <a:tc>
-                  <a:txBody>
-                    <a:bodyPr/>
-                    <a:lstStyle/>
-                    <a:p>
-                      <a:pPr latinLnBrk="1"/>
-                      <a:endParaRPr lang="ko-KR" altLang="en-US" sz="1700"/>
-                    </a:p>
-                  </a:txBody>
-                  <a:tcPr marL="85579" marR="85579" marT="42790" marB="42790">
-                    <a:lnL w="12700" cap="flat" cmpd="sng" algn="ctr">
-                      <a:solidFill>
-                        <a:schemeClr val="tx1"/>
-                      </a:solidFill>
-                      <a:prstDash val="solid"/>
-                      <a:round/>
-                      <a:headEnd type="none" w="med" len="med"/>
-                      <a:tailEnd type="none" w="med" len="med"/>
-                    </a:lnL>
-                    <a:lnR w="12700" cap="flat" cmpd="sng" algn="ctr">
-                      <a:solidFill>
-                        <a:schemeClr val="tx1"/>
-                      </a:solidFill>
-                      <a:prstDash val="solid"/>
-                      <a:round/>
-                      <a:headEnd type="none" w="med" len="med"/>
-                      <a:tailEnd type="none" w="med" len="med"/>
-                    </a:lnR>
-                    <a:lnT w="12700" cap="flat" cmpd="sng" algn="ctr">
-                      <a:solidFill>
-                        <a:schemeClr val="tx1"/>
-                      </a:solidFill>
-                      <a:prstDash val="solid"/>
-                      <a:round/>
-                      <a:headEnd type="none" w="med" len="med"/>
-                      <a:tailEnd type="none" w="med" len="med"/>
-                    </a:lnT>
-                    <a:lnB w="12700" cap="flat" cmpd="sng" algn="ctr">
-                      <a:solidFill>
-                        <a:schemeClr val="tx1"/>
-                      </a:solidFill>
-                      <a:prstDash val="solid"/>
-                      <a:round/>
-                      <a:headEnd type="none" w="med" len="med"/>
-                      <a:tailEnd type="none" w="med" len="med"/>
-                    </a:lnB>
-                    <a:solidFill>
-                      <a:schemeClr val="bg1"/>
-                    </a:solidFill>
-                  </a:tcPr>
-                </a:tc>
-                <a:tc>
-                  <a:txBody>
-                    <a:bodyPr/>
-                    <a:lstStyle/>
-                    <a:p>
-                      <a:pPr latinLnBrk="1"/>
-                      <a:endParaRPr lang="ko-KR" altLang="en-US" sz="1700" dirty="0"/>
-                    </a:p>
-                  </a:txBody>
-                  <a:tcPr marL="85579" marR="85579" marT="42790" marB="42790">
-                    <a:lnL w="12700" cap="flat" cmpd="sng" algn="ctr">
-                      <a:solidFill>
-                        <a:schemeClr val="tx1"/>
-                      </a:solidFill>
-                      <a:prstDash val="solid"/>
-                      <a:round/>
-                      <a:headEnd type="none" w="med" len="med"/>
-                      <a:tailEnd type="none" w="med" len="med"/>
-                    </a:lnL>
-                    <a:lnR w="12700" cap="flat" cmpd="sng" algn="ctr">
-                      <a:solidFill>
-                        <a:schemeClr val="tx1"/>
-                      </a:solidFill>
-                      <a:prstDash val="solid"/>
-                      <a:round/>
-                      <a:headEnd type="none" w="med" len="med"/>
-                      <a:tailEnd type="none" w="med" len="med"/>
-                    </a:lnR>
-                    <a:lnT w="12700" cap="flat" cmpd="sng" algn="ctr">
-                      <a:solidFill>
-                        <a:schemeClr val="tx1"/>
-                      </a:solidFill>
-                      <a:prstDash val="solid"/>
-                      <a:round/>
-                      <a:headEnd type="none" w="med" len="med"/>
-                      <a:tailEnd type="none" w="med" len="med"/>
-                    </a:lnT>
-                    <a:lnB w="12700" cap="flat" cmpd="sng" algn="ctr">
-                      <a:solidFill>
-                        <a:schemeClr val="tx1"/>
-                      </a:solidFill>
-                      <a:prstDash val="solid"/>
-                      <a:round/>
-                      <a:headEnd type="none" w="med" len="med"/>
-                      <a:tailEnd type="none" w="med" len="med"/>
-                    </a:lnB>
-                    <a:solidFill>
-                      <a:schemeClr val="bg1"/>
-                    </a:solidFill>
-                  </a:tcPr>
-                </a:tc>
-                <a:tc>
-                  <a:txBody>
-                    <a:bodyPr/>
-                    <a:lstStyle/>
-                    <a:p>
-                      <a:pPr latinLnBrk="1"/>
-                      <a:endParaRPr lang="ko-KR" altLang="en-US" sz="1700" dirty="0"/>
-                    </a:p>
-                  </a:txBody>
-                  <a:tcPr marL="85579" marR="85579" marT="42790" marB="42790">
-                    <a:lnL w="12700" cap="flat" cmpd="sng" algn="ctr">
-                      <a:solidFill>
-                        <a:schemeClr val="tx1"/>
-                      </a:solidFill>
-                      <a:prstDash val="solid"/>
-                      <a:round/>
-                      <a:headEnd type="none" w="med" len="med"/>
-                      <a:tailEnd type="none" w="med" len="med"/>
-                    </a:lnL>
-                    <a:lnR w="12700" cap="flat" cmpd="sng" algn="ctr">
-                      <a:solidFill>
-                        <a:schemeClr val="tx1"/>
-                      </a:solidFill>
-                      <a:prstDash val="solid"/>
-                      <a:round/>
-                      <a:headEnd type="none" w="med" len="med"/>
-                      <a:tailEnd type="none" w="med" len="med"/>
-                    </a:lnR>
-                    <a:lnT w="12700" cap="flat" cmpd="sng" algn="ctr">
-                      <a:solidFill>
-                        <a:schemeClr val="tx1"/>
-                      </a:solidFill>
-                      <a:prstDash val="solid"/>
-                      <a:round/>
-                      <a:headEnd type="none" w="med" len="med"/>
-                      <a:tailEnd type="none" w="med" len="med"/>
-                    </a:lnT>
-                    <a:lnB w="12700" cap="flat" cmpd="sng" algn="ctr">
-                      <a:solidFill>
-                        <a:schemeClr val="tx1"/>
-                      </a:solidFill>
-                      <a:prstDash val="solid"/>
-                      <a:round/>
-                      <a:headEnd type="none" w="med" len="med"/>
-                      <a:tailEnd type="none" w="med" len="med"/>
-                    </a:lnB>
-                    <a:solidFill>
-                      <a:schemeClr val="bg1"/>
-                    </a:solidFill>
-                  </a:tcPr>
-                </a:tc>
-                <a:extLst>
-                  <a:ext uri="{0D108BD9-81ED-4DB2-BD59-A6C34878D82A}">
-                    <a16:rowId xmlns:a16="http://schemas.microsoft.com/office/drawing/2014/main" val="2525656676"/>
-                  </a:ext>
-                </a:extLst>
-              </a:tr>
-              <a:tr h="490491">
-                <a:tc>
-                  <a:txBody>
-                    <a:bodyPr/>
-                    <a:lstStyle/>
-                    <a:p>
-                      <a:pPr latinLnBrk="1"/>
-                      <a:endParaRPr lang="ko-KR" altLang="en-US" sz="1700" dirty="0"/>
-                    </a:p>
-                  </a:txBody>
-                  <a:tcPr marL="85579" marR="85579" marT="42790" marB="42790">
-                    <a:lnL w="12700" cap="flat" cmpd="sng" algn="ctr">
-                      <a:solidFill>
-                        <a:schemeClr val="tx1"/>
-                      </a:solidFill>
-                      <a:prstDash val="solid"/>
-                      <a:round/>
-                      <a:headEnd type="none" w="med" len="med"/>
-                      <a:tailEnd type="none" w="med" len="med"/>
-                    </a:lnL>
-                    <a:lnR w="12700" cap="flat" cmpd="sng" algn="ctr">
-                      <a:solidFill>
-                        <a:schemeClr val="tx1"/>
-                      </a:solidFill>
-                      <a:prstDash val="solid"/>
-                      <a:round/>
-                      <a:headEnd type="none" w="med" len="med"/>
-                      <a:tailEnd type="none" w="med" len="med"/>
-                    </a:lnR>
-                    <a:lnT w="12700" cap="flat" cmpd="sng" algn="ctr">
-                      <a:solidFill>
-                        <a:schemeClr val="tx1"/>
-                      </a:solidFill>
-                      <a:prstDash val="solid"/>
-                      <a:round/>
-                      <a:headEnd type="none" w="med" len="med"/>
-                      <a:tailEnd type="none" w="med" len="med"/>
-                    </a:lnT>
-                    <a:lnB w="12700" cap="flat" cmpd="sng" algn="ctr">
-                      <a:solidFill>
-                        <a:schemeClr val="tx1"/>
-                      </a:solidFill>
-                      <a:prstDash val="solid"/>
-                      <a:round/>
-                      <a:headEnd type="none" w="med" len="med"/>
-                      <a:tailEnd type="none" w="med" len="med"/>
-                    </a:lnB>
-                    <a:solidFill>
-                      <a:schemeClr val="bg1"/>
-                    </a:solidFill>
-                  </a:tcPr>
-                </a:tc>
-                <a:tc>
-                  <a:txBody>
-                    <a:bodyPr/>
-                    <a:lstStyle/>
-                    <a:p>
-                      <a:pPr latinLnBrk="1"/>
-                      <a:endParaRPr lang="ko-KR" altLang="en-US" sz="1700" dirty="0"/>
-                    </a:p>
-                  </a:txBody>
-                  <a:tcPr marL="85579" marR="85579" marT="42790" marB="42790">
-                    <a:lnL w="12700" cap="flat" cmpd="sng" algn="ctr">
-                      <a:solidFill>
-                        <a:schemeClr val="tx1"/>
-                      </a:solidFill>
-                      <a:prstDash val="solid"/>
-                      <a:round/>
-                      <a:headEnd type="none" w="med" len="med"/>
-                      <a:tailEnd type="none" w="med" len="med"/>
-                    </a:lnL>
-                    <a:lnR w="12700" cap="flat" cmpd="sng" algn="ctr">
-                      <a:solidFill>
-                        <a:schemeClr val="tx1"/>
-                      </a:solidFill>
-                      <a:prstDash val="solid"/>
-                      <a:round/>
-                      <a:headEnd type="none" w="med" len="med"/>
-                      <a:tailEnd type="none" w="med" len="med"/>
-                    </a:lnR>
-                    <a:lnT w="12700" cap="flat" cmpd="sng" algn="ctr">
-                      <a:solidFill>
-                        <a:schemeClr val="tx1"/>
-                      </a:solidFill>
-                      <a:prstDash val="solid"/>
-                      <a:round/>
-                      <a:headEnd type="none" w="med" len="med"/>
-                      <a:tailEnd type="none" w="med" len="med"/>
-                    </a:lnT>
-                    <a:lnB w="12700" cap="flat" cmpd="sng" algn="ctr">
-                      <a:solidFill>
-                        <a:schemeClr val="tx1"/>
-                      </a:solidFill>
-                      <a:prstDash val="solid"/>
-                      <a:round/>
-                      <a:headEnd type="none" w="med" len="med"/>
-                      <a:tailEnd type="none" w="med" len="med"/>
-                    </a:lnB>
-                    <a:solidFill>
-                      <a:schemeClr val="bg1"/>
-                    </a:solidFill>
-                  </a:tcPr>
-                </a:tc>
-                <a:tc>
-                  <a:txBody>
-                    <a:bodyPr/>
-                    <a:lstStyle/>
-                    <a:p>
-                      <a:pPr latinLnBrk="1"/>
-                      <a:endParaRPr lang="ko-KR" altLang="en-US" sz="1700" dirty="0"/>
-                    </a:p>
-                  </a:txBody>
-                  <a:tcPr marL="85579" marR="85579" marT="42790" marB="42790">
-                    <a:lnL w="12700" cap="flat" cmpd="sng" algn="ctr">
-                      <a:solidFill>
-                        <a:schemeClr val="tx1"/>
-                      </a:solidFill>
-                      <a:prstDash val="solid"/>
-                      <a:round/>
-                      <a:headEnd type="none" w="med" len="med"/>
-                      <a:tailEnd type="none" w="med" len="med"/>
-                    </a:lnL>
-                    <a:lnR w="12700" cap="flat" cmpd="sng" algn="ctr">
-                      <a:solidFill>
-                        <a:schemeClr val="tx1"/>
-                      </a:solidFill>
-                      <a:prstDash val="solid"/>
-                      <a:round/>
-                      <a:headEnd type="none" w="med" len="med"/>
-                      <a:tailEnd type="none" w="med" len="med"/>
-                    </a:lnR>
-                    <a:lnT w="12700" cap="flat" cmpd="sng" algn="ctr">
-                      <a:solidFill>
-                        <a:schemeClr val="tx1"/>
-                      </a:solidFill>
-                      <a:prstDash val="solid"/>
-                      <a:round/>
-                      <a:headEnd type="none" w="med" len="med"/>
-                      <a:tailEnd type="none" w="med" len="med"/>
-                    </a:lnT>
-                    <a:lnB w="12700" cap="flat" cmpd="sng" algn="ctr">
-                      <a:solidFill>
-                        <a:schemeClr val="tx1"/>
-                      </a:solidFill>
-                      <a:prstDash val="solid"/>
-                      <a:round/>
-                      <a:headEnd type="none" w="med" len="med"/>
-                      <a:tailEnd type="none" w="med" len="med"/>
-                    </a:lnB>
-                    <a:solidFill>
-                      <a:schemeClr val="bg1"/>
-                    </a:solidFill>
-                  </a:tcPr>
-                </a:tc>
-                <a:tc>
-                  <a:txBody>
-                    <a:bodyPr/>
-                    <a:lstStyle/>
-                    <a:p>
-                      <a:pPr latinLnBrk="1"/>
-                      <a:endParaRPr lang="ko-KR" altLang="en-US" sz="1700" dirty="0"/>
-                    </a:p>
-                  </a:txBody>
-                  <a:tcPr marL="85579" marR="85579" marT="42790" marB="42790">
-                    <a:lnL w="12700" cap="flat" cmpd="sng" algn="ctr">
-                      <a:solidFill>
-                        <a:schemeClr val="tx1"/>
-                      </a:solidFill>
-                      <a:prstDash val="solid"/>
-                      <a:round/>
-                      <a:headEnd type="none" w="med" len="med"/>
-                      <a:tailEnd type="none" w="med" len="med"/>
-                    </a:lnL>
-                    <a:lnR w="12700" cap="flat" cmpd="sng" algn="ctr">
-                      <a:solidFill>
-                        <a:schemeClr val="tx1"/>
-                      </a:solidFill>
-                      <a:prstDash val="solid"/>
-                      <a:round/>
-                      <a:headEnd type="none" w="med" len="med"/>
-                      <a:tailEnd type="none" w="med" len="med"/>
-                    </a:lnR>
-                    <a:lnT w="12700" cap="flat" cmpd="sng" algn="ctr">
-                      <a:solidFill>
-                        <a:schemeClr val="tx1"/>
-                      </a:solidFill>
-                      <a:prstDash val="solid"/>
-                      <a:round/>
-                      <a:headEnd type="none" w="med" len="med"/>
-                      <a:tailEnd type="none" w="med" len="med"/>
-                    </a:lnT>
-                    <a:lnB w="12700" cap="flat" cmpd="sng" algn="ctr">
-                      <a:solidFill>
-                        <a:schemeClr val="tx1"/>
-                      </a:solidFill>
-                      <a:prstDash val="solid"/>
-                      <a:round/>
-                      <a:headEnd type="none" w="med" len="med"/>
-                      <a:tailEnd type="none" w="med" len="med"/>
-                    </a:lnB>
-                    <a:solidFill>
-                      <a:schemeClr val="bg1"/>
-                    </a:solidFill>
-                  </a:tcPr>
-                </a:tc>
-                <a:tc>
-                  <a:txBody>
-                    <a:bodyPr/>
-                    <a:lstStyle/>
-                    <a:p>
-                      <a:pPr latinLnBrk="1"/>
-                      <a:endParaRPr lang="ko-KR" altLang="en-US" sz="1700" dirty="0"/>
-                    </a:p>
-                  </a:txBody>
-                  <a:tcPr marL="85579" marR="85579" marT="42790" marB="42790">
-                    <a:lnL w="12700" cap="flat" cmpd="sng" algn="ctr">
-                      <a:solidFill>
-                        <a:schemeClr val="tx1"/>
-                      </a:solidFill>
-                      <a:prstDash val="solid"/>
-                      <a:round/>
-                      <a:headEnd type="none" w="med" len="med"/>
-                      <a:tailEnd type="none" w="med" len="med"/>
-                    </a:lnL>
-                    <a:lnR w="12700" cap="flat" cmpd="sng" algn="ctr">
-                      <a:solidFill>
-                        <a:schemeClr val="tx1"/>
-                      </a:solidFill>
-                      <a:prstDash val="solid"/>
-                      <a:round/>
-                      <a:headEnd type="none" w="med" len="med"/>
-                      <a:tailEnd type="none" w="med" len="med"/>
-                    </a:lnR>
-                    <a:lnT w="12700" cap="flat" cmpd="sng" algn="ctr">
-                      <a:solidFill>
-                        <a:schemeClr val="tx1"/>
-                      </a:solidFill>
-                      <a:prstDash val="solid"/>
-                      <a:round/>
-                      <a:headEnd type="none" w="med" len="med"/>
-                      <a:tailEnd type="none" w="med" len="med"/>
-                    </a:lnT>
-                    <a:lnB w="12700" cap="flat" cmpd="sng" algn="ctr">
-                      <a:solidFill>
-                        <a:schemeClr val="tx1"/>
-                      </a:solidFill>
-                      <a:prstDash val="solid"/>
-                      <a:round/>
-                      <a:headEnd type="none" w="med" len="med"/>
-                      <a:tailEnd type="none" w="med" len="med"/>
-                    </a:lnB>
-                    <a:solidFill>
-                      <a:schemeClr val="bg1"/>
-                    </a:solidFill>
-                  </a:tcPr>
-                </a:tc>
-                <a:tc>
-                  <a:txBody>
-                    <a:bodyPr/>
-                    <a:lstStyle/>
-                    <a:p>
-                      <a:pPr latinLnBrk="1"/>
-                      <a:endParaRPr lang="ko-KR" altLang="en-US" sz="1700" dirty="0"/>
-                    </a:p>
-                  </a:txBody>
-                  <a:tcPr marL="85579" marR="85579" marT="42790" marB="42790">
-                    <a:lnL w="12700" cap="flat" cmpd="sng" algn="ctr">
-                      <a:solidFill>
-                        <a:schemeClr val="tx1"/>
-                      </a:solidFill>
-                      <a:prstDash val="solid"/>
-                      <a:round/>
-                      <a:headEnd type="none" w="med" len="med"/>
-                      <a:tailEnd type="none" w="med" len="med"/>
-                    </a:lnL>
-                    <a:lnR w="12700" cap="flat" cmpd="sng" algn="ctr">
-                      <a:solidFill>
-                        <a:schemeClr val="tx1"/>
-                      </a:solidFill>
-                      <a:prstDash val="solid"/>
-                      <a:round/>
-                      <a:headEnd type="none" w="med" len="med"/>
-                      <a:tailEnd type="none" w="med" len="med"/>
-                    </a:lnR>
-                    <a:lnT w="12700" cap="flat" cmpd="sng" algn="ctr">
-                      <a:solidFill>
-                        <a:schemeClr val="tx1"/>
-                      </a:solidFill>
-                      <a:prstDash val="solid"/>
-                      <a:round/>
-                      <a:headEnd type="none" w="med" len="med"/>
-                      <a:tailEnd type="none" w="med" len="med"/>
-                    </a:lnT>
-                    <a:lnB w="12700" cap="flat" cmpd="sng" algn="ctr">
-                      <a:solidFill>
-                        <a:schemeClr val="tx1"/>
-                      </a:solidFill>
-                      <a:prstDash val="solid"/>
-                      <a:round/>
-                      <a:headEnd type="none" w="med" len="med"/>
-                      <a:tailEnd type="none" w="med" len="med"/>
-                    </a:lnB>
-                    <a:solidFill>
-                      <a:schemeClr val="bg1"/>
-                    </a:solidFill>
-                  </a:tcPr>
-                </a:tc>
-                <a:extLst>
-                  <a:ext uri="{0D108BD9-81ED-4DB2-BD59-A6C34878D82A}">
-                    <a16:rowId xmlns:a16="http://schemas.microsoft.com/office/drawing/2014/main" val="4118377084"/>
-                  </a:ext>
-                </a:extLst>
-              </a:tr>
-              <a:tr h="490491">
-                <a:tc>
-                  <a:txBody>
-                    <a:bodyPr/>
-                    <a:lstStyle/>
-                    <a:p>
-                      <a:pPr latinLnBrk="1"/>
-                      <a:endParaRPr lang="ko-KR" altLang="en-US" sz="1700" dirty="0"/>
-                    </a:p>
-                  </a:txBody>
-                  <a:tcPr marL="85579" marR="85579" marT="42790" marB="42790">
-                    <a:lnL w="12700" cap="flat" cmpd="sng" algn="ctr">
-                      <a:solidFill>
-                        <a:schemeClr val="tx1"/>
-                      </a:solidFill>
-                      <a:prstDash val="solid"/>
-                      <a:round/>
-                      <a:headEnd type="none" w="med" len="med"/>
-                      <a:tailEnd type="none" w="med" len="med"/>
-                    </a:lnL>
-                    <a:lnR w="12700" cap="flat" cmpd="sng" algn="ctr">
-                      <a:solidFill>
-                        <a:schemeClr val="tx1"/>
-                      </a:solidFill>
-                      <a:prstDash val="solid"/>
-                      <a:round/>
-                      <a:headEnd type="none" w="med" len="med"/>
-                      <a:tailEnd type="none" w="med" len="med"/>
-                    </a:lnR>
-                    <a:lnT w="12700" cap="flat" cmpd="sng" algn="ctr">
-                      <a:solidFill>
-                        <a:schemeClr val="tx1"/>
-                      </a:solidFill>
-                      <a:prstDash val="solid"/>
-                      <a:round/>
-                      <a:headEnd type="none" w="med" len="med"/>
-                      <a:tailEnd type="none" w="med" len="med"/>
-                    </a:lnT>
-                    <a:lnB w="12700" cap="flat" cmpd="sng" algn="ctr">
-                      <a:solidFill>
-                        <a:schemeClr val="tx1"/>
-                      </a:solidFill>
-                      <a:prstDash val="solid"/>
-                      <a:round/>
-                      <a:headEnd type="none" w="med" len="med"/>
-                      <a:tailEnd type="none" w="med" len="med"/>
-                    </a:lnB>
-                    <a:solidFill>
-                      <a:schemeClr val="bg1"/>
-                    </a:solidFill>
-                  </a:tcPr>
-                </a:tc>
-                <a:tc>
-                  <a:txBody>
-                    <a:bodyPr/>
-                    <a:lstStyle/>
-                    <a:p>
-                      <a:pPr latinLnBrk="1"/>
-                      <a:endParaRPr lang="ko-KR" altLang="en-US" sz="1700" dirty="0"/>
-                    </a:p>
-                  </a:txBody>
-                  <a:tcPr marL="85579" marR="85579" marT="42790" marB="42790">
-                    <a:lnL w="12700" cap="flat" cmpd="sng" algn="ctr">
-                      <a:solidFill>
-                        <a:schemeClr val="tx1"/>
-                      </a:solidFill>
-                      <a:prstDash val="solid"/>
-                      <a:round/>
-                      <a:headEnd type="none" w="med" len="med"/>
-                      <a:tailEnd type="none" w="med" len="med"/>
-                    </a:lnL>
-                    <a:lnR w="12700" cap="flat" cmpd="sng" algn="ctr">
-                      <a:solidFill>
-                        <a:schemeClr val="tx1"/>
-                      </a:solidFill>
-                      <a:prstDash val="solid"/>
-                      <a:round/>
-                      <a:headEnd type="none" w="med" len="med"/>
-                      <a:tailEnd type="none" w="med" len="med"/>
-                    </a:lnR>
-                    <a:lnT w="12700" cap="flat" cmpd="sng" algn="ctr">
-                      <a:solidFill>
-                        <a:schemeClr val="tx1"/>
-                      </a:solidFill>
-                      <a:prstDash val="solid"/>
-                      <a:round/>
-                      <a:headEnd type="none" w="med" len="med"/>
-                      <a:tailEnd type="none" w="med" len="med"/>
-                    </a:lnT>
-                    <a:lnB w="12700" cap="flat" cmpd="sng" algn="ctr">
-                      <a:solidFill>
-                        <a:schemeClr val="tx1"/>
-                      </a:solidFill>
-                      <a:prstDash val="solid"/>
-                      <a:round/>
-                      <a:headEnd type="none" w="med" len="med"/>
-                      <a:tailEnd type="none" w="med" len="med"/>
-                    </a:lnB>
-                    <a:solidFill>
-                      <a:schemeClr val="bg1"/>
-                    </a:solidFill>
-                  </a:tcPr>
-                </a:tc>
-                <a:tc>
-                  <a:txBody>
-                    <a:bodyPr/>
-                    <a:lstStyle/>
-                    <a:p>
-                      <a:pPr latinLnBrk="1"/>
-                      <a:endParaRPr lang="ko-KR" altLang="en-US" sz="1700" dirty="0"/>
-                    </a:p>
-                  </a:txBody>
-                  <a:tcPr marL="85579" marR="85579" marT="42790" marB="42790">
-                    <a:lnL w="12700" cap="flat" cmpd="sng" algn="ctr">
-                      <a:solidFill>
-                        <a:schemeClr val="tx1"/>
-                      </a:solidFill>
-                      <a:prstDash val="solid"/>
-                      <a:round/>
-                      <a:headEnd type="none" w="med" len="med"/>
-                      <a:tailEnd type="none" w="med" len="med"/>
-                    </a:lnL>
-                    <a:lnR w="12700" cap="flat" cmpd="sng" algn="ctr">
-                      <a:solidFill>
-                        <a:schemeClr val="tx1"/>
-                      </a:solidFill>
-                      <a:prstDash val="solid"/>
-                      <a:round/>
-                      <a:headEnd type="none" w="med" len="med"/>
-                      <a:tailEnd type="none" w="med" len="med"/>
-                    </a:lnR>
-                    <a:lnT w="12700" cap="flat" cmpd="sng" algn="ctr">
-                      <a:solidFill>
-                        <a:schemeClr val="tx1"/>
-                      </a:solidFill>
-                      <a:prstDash val="solid"/>
-                      <a:round/>
-                      <a:headEnd type="none" w="med" len="med"/>
-                      <a:tailEnd type="none" w="med" len="med"/>
-                    </a:lnT>
-                    <a:lnB w="12700" cap="flat" cmpd="sng" algn="ctr">
-                      <a:solidFill>
-                        <a:schemeClr val="tx1"/>
-                      </a:solidFill>
-                      <a:prstDash val="solid"/>
-                      <a:round/>
-                      <a:headEnd type="none" w="med" len="med"/>
-                      <a:tailEnd type="none" w="med" len="med"/>
-                    </a:lnB>
-                    <a:solidFill>
-                      <a:schemeClr val="bg1"/>
-                    </a:solidFill>
-                  </a:tcPr>
-                </a:tc>
-                <a:tc>
-                  <a:txBody>
-                    <a:bodyPr/>
-                    <a:lstStyle/>
-                    <a:p>
-                      <a:pPr latinLnBrk="1"/>
-                      <a:endParaRPr lang="ko-KR" altLang="en-US" sz="1700" dirty="0"/>
-                    </a:p>
-                  </a:txBody>
-                  <a:tcPr marL="85579" marR="85579" marT="42790" marB="42790">
-                    <a:lnL w="12700" cap="flat" cmpd="sng" algn="ctr">
-                      <a:solidFill>
-                        <a:schemeClr val="tx1"/>
-                      </a:solidFill>
-                      <a:prstDash val="solid"/>
-                      <a:round/>
-                      <a:headEnd type="none" w="med" len="med"/>
-                      <a:tailEnd type="none" w="med" len="med"/>
-                    </a:lnL>
-                    <a:lnR w="12700" cap="flat" cmpd="sng" algn="ctr">
-                      <a:solidFill>
-                        <a:schemeClr val="tx1"/>
-                      </a:solidFill>
-                      <a:prstDash val="solid"/>
-                      <a:round/>
-                      <a:headEnd type="none" w="med" len="med"/>
-                      <a:tailEnd type="none" w="med" len="med"/>
-                    </a:lnR>
-                    <a:lnT w="12700" cap="flat" cmpd="sng" algn="ctr">
-                      <a:solidFill>
-                        <a:schemeClr val="tx1"/>
-                      </a:solidFill>
-                      <a:prstDash val="solid"/>
-                      <a:round/>
-                      <a:headEnd type="none" w="med" len="med"/>
-                      <a:tailEnd type="none" w="med" len="med"/>
-                    </a:lnT>
-                    <a:lnB w="12700" cap="flat" cmpd="sng" algn="ctr">
-                      <a:solidFill>
-                        <a:schemeClr val="tx1"/>
-                      </a:solidFill>
-                      <a:prstDash val="solid"/>
-                      <a:round/>
-                      <a:headEnd type="none" w="med" len="med"/>
-                      <a:tailEnd type="none" w="med" len="med"/>
-                    </a:lnB>
-                    <a:solidFill>
-                      <a:schemeClr val="bg1"/>
-                    </a:solidFill>
-                  </a:tcPr>
-                </a:tc>
-                <a:tc>
-                  <a:txBody>
-                    <a:bodyPr/>
-                    <a:lstStyle/>
-                    <a:p>
-                      <a:pPr latinLnBrk="1"/>
-                      <a:endParaRPr lang="ko-KR" altLang="en-US" sz="1700" dirty="0"/>
-                    </a:p>
-                  </a:txBody>
-                  <a:tcPr marL="85579" marR="85579" marT="42790" marB="42790">
-                    <a:lnL w="12700" cap="flat" cmpd="sng" algn="ctr">
-                      <a:solidFill>
-                        <a:schemeClr val="tx1"/>
-                      </a:solidFill>
-                      <a:prstDash val="solid"/>
-                      <a:round/>
-                      <a:headEnd type="none" w="med" len="med"/>
-                      <a:tailEnd type="none" w="med" len="med"/>
-                    </a:lnL>
-                    <a:lnR w="12700" cap="flat" cmpd="sng" algn="ctr">
-                      <a:solidFill>
-                        <a:schemeClr val="tx1"/>
-                      </a:solidFill>
-                      <a:prstDash val="solid"/>
-                      <a:round/>
-                      <a:headEnd type="none" w="med" len="med"/>
-                      <a:tailEnd type="none" w="med" len="med"/>
-                    </a:lnR>
-                    <a:lnT w="12700" cap="flat" cmpd="sng" algn="ctr">
-                      <a:solidFill>
-                        <a:schemeClr val="tx1"/>
-                      </a:solidFill>
-                      <a:prstDash val="solid"/>
-                      <a:round/>
-                      <a:headEnd type="none" w="med" len="med"/>
-                      <a:tailEnd type="none" w="med" len="med"/>
-                    </a:lnT>
-                    <a:lnB w="12700" cap="flat" cmpd="sng" algn="ctr">
-                      <a:solidFill>
-                        <a:schemeClr val="tx1"/>
-                      </a:solidFill>
-                      <a:prstDash val="solid"/>
-                      <a:round/>
-                      <a:headEnd type="none" w="med" len="med"/>
-                      <a:tailEnd type="none" w="med" len="med"/>
-                    </a:lnB>
-                    <a:solidFill>
-                      <a:schemeClr val="bg1"/>
-                    </a:solidFill>
-                  </a:tcPr>
-                </a:tc>
-                <a:tc>
-                  <a:txBody>
-                    <a:bodyPr/>
-                    <a:lstStyle/>
-                    <a:p>
-                      <a:pPr latinLnBrk="1"/>
-                      <a:endParaRPr lang="ko-KR" altLang="en-US" sz="1700" dirty="0"/>
-                    </a:p>
-                  </a:txBody>
-                  <a:tcPr marL="85579" marR="85579" marT="42790" marB="42790">
-                    <a:lnL w="12700" cap="flat" cmpd="sng" algn="ctr">
-                      <a:solidFill>
-                        <a:schemeClr val="tx1"/>
-                      </a:solidFill>
-                      <a:prstDash val="solid"/>
-                      <a:round/>
-                      <a:headEnd type="none" w="med" len="med"/>
-                      <a:tailEnd type="none" w="med" len="med"/>
-                    </a:lnL>
-                    <a:lnR w="12700" cap="flat" cmpd="sng" algn="ctr">
-                      <a:solidFill>
-                        <a:schemeClr val="tx1"/>
-                      </a:solidFill>
-                      <a:prstDash val="solid"/>
-                      <a:round/>
-                      <a:headEnd type="none" w="med" len="med"/>
-                      <a:tailEnd type="none" w="med" len="med"/>
-                    </a:lnR>
-                    <a:lnT w="12700" cap="flat" cmpd="sng" algn="ctr">
-                      <a:solidFill>
-                        <a:schemeClr val="tx1"/>
-                      </a:solidFill>
-                      <a:prstDash val="solid"/>
-                      <a:round/>
-                      <a:headEnd type="none" w="med" len="med"/>
-                      <a:tailEnd type="none" w="med" len="med"/>
-                    </a:lnT>
-                    <a:lnB w="12700" cap="flat" cmpd="sng" algn="ctr">
-                      <a:solidFill>
-                        <a:schemeClr val="tx1"/>
-                      </a:solidFill>
-                      <a:prstDash val="solid"/>
-                      <a:round/>
-                      <a:headEnd type="none" w="med" len="med"/>
-                      <a:tailEnd type="none" w="med" len="med"/>
-                    </a:lnB>
-                    <a:solidFill>
-                      <a:schemeClr val="bg1"/>
-                    </a:solidFill>
-                  </a:tcPr>
-                </a:tc>
-                <a:extLst>
-                  <a:ext uri="{0D108BD9-81ED-4DB2-BD59-A6C34878D82A}">
-                    <a16:rowId xmlns:a16="http://schemas.microsoft.com/office/drawing/2014/main" val="1712556544"/>
-                  </a:ext>
-                </a:extLst>
-              </a:tr>
-              <a:tr h="490491">
-                <a:tc>
-                  <a:txBody>
-                    <a:bodyPr/>
-                    <a:lstStyle/>
-                    <a:p>
-                      <a:pPr latinLnBrk="1"/>
-                      <a:endParaRPr lang="ko-KR" altLang="en-US" sz="1700" dirty="0"/>
-                    </a:p>
-                  </a:txBody>
-                  <a:tcPr marL="85579" marR="85579" marT="42790" marB="42790">
-                    <a:lnL w="12700" cap="flat" cmpd="sng" algn="ctr">
-                      <a:solidFill>
-                        <a:schemeClr val="tx1"/>
-                      </a:solidFill>
-                      <a:prstDash val="solid"/>
-                      <a:round/>
-                      <a:headEnd type="none" w="med" len="med"/>
-                      <a:tailEnd type="none" w="med" len="med"/>
-                    </a:lnL>
-                    <a:lnR w="12700" cap="flat" cmpd="sng" algn="ctr">
-                      <a:solidFill>
-                        <a:schemeClr val="tx1"/>
-                      </a:solidFill>
-                      <a:prstDash val="solid"/>
-                      <a:round/>
-                      <a:headEnd type="none" w="med" len="med"/>
-                      <a:tailEnd type="none" w="med" len="med"/>
-                    </a:lnR>
-                    <a:lnT w="12700" cap="flat" cmpd="sng" algn="ctr">
-                      <a:solidFill>
-                        <a:schemeClr val="tx1"/>
-                      </a:solidFill>
-                      <a:prstDash val="solid"/>
-                      <a:round/>
-                      <a:headEnd type="none" w="med" len="med"/>
-                      <a:tailEnd type="none" w="med" len="med"/>
-                    </a:lnT>
-                    <a:lnB w="12700" cap="flat" cmpd="sng" algn="ctr">
-                      <a:solidFill>
-                        <a:schemeClr val="tx1"/>
-                      </a:solidFill>
-                      <a:prstDash val="solid"/>
-                      <a:round/>
-                      <a:headEnd type="none" w="med" len="med"/>
-                      <a:tailEnd type="none" w="med" len="med"/>
-                    </a:lnB>
-                    <a:solidFill>
-                      <a:schemeClr val="bg1"/>
-                    </a:solidFill>
-                  </a:tcPr>
-                </a:tc>
-                <a:tc>
-                  <a:txBody>
-                    <a:bodyPr/>
-                    <a:lstStyle/>
-                    <a:p>
-                      <a:pPr latinLnBrk="1"/>
-                      <a:endParaRPr lang="ko-KR" altLang="en-US" sz="1700" dirty="0"/>
-                    </a:p>
-                  </a:txBody>
-                  <a:tcPr marL="85579" marR="85579" marT="42790" marB="42790">
-                    <a:lnL w="12700" cap="flat" cmpd="sng" algn="ctr">
-                      <a:solidFill>
-                        <a:schemeClr val="tx1"/>
-                      </a:solidFill>
-                      <a:prstDash val="solid"/>
-                      <a:round/>
-                      <a:headEnd type="none" w="med" len="med"/>
-                      <a:tailEnd type="none" w="med" len="med"/>
-                    </a:lnL>
-                    <a:lnR w="12700" cap="flat" cmpd="sng" algn="ctr">
-                      <a:solidFill>
-                        <a:schemeClr val="tx1"/>
-                      </a:solidFill>
-                      <a:prstDash val="solid"/>
-                      <a:round/>
-                      <a:headEnd type="none" w="med" len="med"/>
-                      <a:tailEnd type="none" w="med" len="med"/>
-                    </a:lnR>
-                    <a:lnT w="12700" cap="flat" cmpd="sng" algn="ctr">
-                      <a:solidFill>
-                        <a:schemeClr val="tx1"/>
-                      </a:solidFill>
-                      <a:prstDash val="solid"/>
-                      <a:round/>
-                      <a:headEnd type="none" w="med" len="med"/>
-                      <a:tailEnd type="none" w="med" len="med"/>
-                    </a:lnT>
-                    <a:lnB w="12700" cap="flat" cmpd="sng" algn="ctr">
-                      <a:solidFill>
-                        <a:schemeClr val="tx1"/>
-                      </a:solidFill>
-                      <a:prstDash val="solid"/>
-                      <a:round/>
-                      <a:headEnd type="none" w="med" len="med"/>
-                      <a:tailEnd type="none" w="med" len="med"/>
-                    </a:lnB>
-                    <a:solidFill>
-                      <a:schemeClr val="bg1"/>
-                    </a:solidFill>
-                  </a:tcPr>
-                </a:tc>
-                <a:tc>
-                  <a:txBody>
-                    <a:bodyPr/>
-                    <a:lstStyle/>
-                    <a:p>
-                      <a:pPr latinLnBrk="1"/>
-                      <a:endParaRPr lang="ko-KR" altLang="en-US" sz="1700" dirty="0"/>
-                    </a:p>
-                  </a:txBody>
-                  <a:tcPr marL="85579" marR="85579" marT="42790" marB="42790">
-                    <a:lnL w="12700" cap="flat" cmpd="sng" algn="ctr">
-                      <a:solidFill>
-                        <a:schemeClr val="tx1"/>
-                      </a:solidFill>
-                      <a:prstDash val="solid"/>
-                      <a:round/>
-                      <a:headEnd type="none" w="med" len="med"/>
-                      <a:tailEnd type="none" w="med" len="med"/>
-                    </a:lnL>
-                    <a:lnR w="12700" cap="flat" cmpd="sng" algn="ctr">
-                      <a:solidFill>
-                        <a:schemeClr val="tx1"/>
-                      </a:solidFill>
-                      <a:prstDash val="solid"/>
-                      <a:round/>
-                      <a:headEnd type="none" w="med" len="med"/>
-                      <a:tailEnd type="none" w="med" len="med"/>
-                    </a:lnR>
-                    <a:lnT w="12700" cap="flat" cmpd="sng" algn="ctr">
-                      <a:solidFill>
-                        <a:schemeClr val="tx1"/>
-                      </a:solidFill>
-                      <a:prstDash val="solid"/>
-                      <a:round/>
-                      <a:headEnd type="none" w="med" len="med"/>
-                      <a:tailEnd type="none" w="med" len="med"/>
-                    </a:lnT>
-                    <a:lnB w="12700" cap="flat" cmpd="sng" algn="ctr">
-                      <a:solidFill>
-                        <a:schemeClr val="tx1"/>
-                      </a:solidFill>
-                      <a:prstDash val="solid"/>
-                      <a:round/>
-                      <a:headEnd type="none" w="med" len="med"/>
-                      <a:tailEnd type="none" w="med" len="med"/>
-                    </a:lnB>
-                    <a:solidFill>
-                      <a:schemeClr val="bg1"/>
-                    </a:solidFill>
-                  </a:tcPr>
-                </a:tc>
-                <a:tc>
-                  <a:txBody>
-                    <a:bodyPr/>
-                    <a:lstStyle/>
-                    <a:p>
-                      <a:pPr latinLnBrk="1"/>
-                      <a:endParaRPr lang="ko-KR" altLang="en-US" sz="1700" dirty="0"/>
-                    </a:p>
-                  </a:txBody>
-                  <a:tcPr marL="85579" marR="85579" marT="42790" marB="42790">
-                    <a:lnL w="12700" cap="flat" cmpd="sng" algn="ctr">
-                      <a:solidFill>
-                        <a:schemeClr val="tx1"/>
-                      </a:solidFill>
-                      <a:prstDash val="solid"/>
-                      <a:round/>
-                      <a:headEnd type="none" w="med" len="med"/>
-                      <a:tailEnd type="none" w="med" len="med"/>
-                    </a:lnL>
-                    <a:lnR w="12700" cap="flat" cmpd="sng" algn="ctr">
-                      <a:solidFill>
-                        <a:schemeClr val="tx1"/>
-                      </a:solidFill>
-                      <a:prstDash val="solid"/>
-                      <a:round/>
-                      <a:headEnd type="none" w="med" len="med"/>
-                      <a:tailEnd type="none" w="med" len="med"/>
-                    </a:lnR>
-                    <a:lnT w="12700" cap="flat" cmpd="sng" algn="ctr">
-                      <a:solidFill>
-                        <a:schemeClr val="tx1"/>
-                      </a:solidFill>
-                      <a:prstDash val="solid"/>
-                      <a:round/>
-                      <a:headEnd type="none" w="med" len="med"/>
-                      <a:tailEnd type="none" w="med" len="med"/>
-                    </a:lnT>
-                    <a:lnB w="12700" cap="flat" cmpd="sng" algn="ctr">
-                      <a:solidFill>
-                        <a:schemeClr val="tx1"/>
-                      </a:solidFill>
-                      <a:prstDash val="solid"/>
-                      <a:round/>
-                      <a:headEnd type="none" w="med" len="med"/>
-                      <a:tailEnd type="none" w="med" len="med"/>
-                    </a:lnB>
-                    <a:solidFill>
-                      <a:schemeClr val="bg1"/>
-                    </a:solidFill>
-                  </a:tcPr>
-                </a:tc>
-                <a:tc>
-                  <a:txBody>
-                    <a:bodyPr/>
-                    <a:lstStyle/>
-                    <a:p>
-                      <a:pPr latinLnBrk="1"/>
-                      <a:endParaRPr lang="ko-KR" altLang="en-US" sz="1700" dirty="0"/>
-                    </a:p>
-                  </a:txBody>
-                  <a:tcPr marL="85579" marR="85579" marT="42790" marB="42790">
-                    <a:lnL w="12700" cap="flat" cmpd="sng" algn="ctr">
-                      <a:solidFill>
-                        <a:schemeClr val="tx1"/>
-                      </a:solidFill>
-                      <a:prstDash val="solid"/>
-                      <a:round/>
-                      <a:headEnd type="none" w="med" len="med"/>
-                      <a:tailEnd type="none" w="med" len="med"/>
-                    </a:lnL>
-                    <a:lnR w="12700" cap="flat" cmpd="sng" algn="ctr">
-                      <a:solidFill>
-                        <a:schemeClr val="tx1"/>
-                      </a:solidFill>
-                      <a:prstDash val="solid"/>
-                      <a:round/>
-                      <a:headEnd type="none" w="med" len="med"/>
-                      <a:tailEnd type="none" w="med" len="med"/>
-                    </a:lnR>
-                    <a:lnT w="12700" cap="flat" cmpd="sng" algn="ctr">
-                      <a:solidFill>
-                        <a:schemeClr val="tx1"/>
-                      </a:solidFill>
-                      <a:prstDash val="solid"/>
-                      <a:round/>
-                      <a:headEnd type="none" w="med" len="med"/>
-                      <a:tailEnd type="none" w="med" len="med"/>
-                    </a:lnT>
-                    <a:lnB w="12700" cap="flat" cmpd="sng" algn="ctr">
-                      <a:solidFill>
-                        <a:schemeClr val="tx1"/>
-                      </a:solidFill>
-                      <a:prstDash val="solid"/>
-                      <a:round/>
-                      <a:headEnd type="none" w="med" len="med"/>
-                      <a:tailEnd type="none" w="med" len="med"/>
-                    </a:lnB>
-                    <a:solidFill>
-                      <a:schemeClr val="bg1"/>
-                    </a:solidFill>
-                  </a:tcPr>
-                </a:tc>
-                <a:tc>
-                  <a:txBody>
-                    <a:bodyPr/>
-                    <a:lstStyle/>
-                    <a:p>
-                      <a:pPr latinLnBrk="1"/>
-                      <a:endParaRPr lang="ko-KR" altLang="en-US" sz="1700" dirty="0"/>
-                    </a:p>
-                  </a:txBody>
-                  <a:tcPr marL="85579" marR="85579" marT="42790" marB="42790">
-                    <a:lnL w="12700" cap="flat" cmpd="sng" algn="ctr">
-                      <a:solidFill>
-                        <a:schemeClr val="tx1"/>
-                      </a:solidFill>
-                      <a:prstDash val="solid"/>
-                      <a:round/>
-                      <a:headEnd type="none" w="med" len="med"/>
-                      <a:tailEnd type="none" w="med" len="med"/>
-                    </a:lnL>
-                    <a:lnR w="12700" cap="flat" cmpd="sng" algn="ctr">
-                      <a:solidFill>
-                        <a:schemeClr val="tx1"/>
-                      </a:solidFill>
-                      <a:prstDash val="solid"/>
-                      <a:round/>
-                      <a:headEnd type="none" w="med" len="med"/>
-                      <a:tailEnd type="none" w="med" len="med"/>
-                    </a:lnR>
-                    <a:lnT w="12700" cap="flat" cmpd="sng" algn="ctr">
-                      <a:solidFill>
-                        <a:schemeClr val="tx1"/>
-                      </a:solidFill>
-                      <a:prstDash val="solid"/>
-                      <a:round/>
-                      <a:headEnd type="none" w="med" len="med"/>
-                      <a:tailEnd type="none" w="med" len="med"/>
-                    </a:lnT>
-                    <a:lnB w="12700" cap="flat" cmpd="sng" algn="ctr">
-                      <a:solidFill>
-                        <a:schemeClr val="tx1"/>
-                      </a:solidFill>
-                      <a:prstDash val="solid"/>
-                      <a:round/>
-                      <a:headEnd type="none" w="med" len="med"/>
-                      <a:tailEnd type="none" w="med" len="med"/>
-                    </a:lnB>
-                    <a:solidFill>
-                      <a:schemeClr val="bg1"/>
-                    </a:solidFill>
-                  </a:tcPr>
-                </a:tc>
-                <a:extLst>
-                  <a:ext uri="{0D108BD9-81ED-4DB2-BD59-A6C34878D82A}">
-                    <a16:rowId xmlns:a16="http://schemas.microsoft.com/office/drawing/2014/main" val="3002430764"/>
                   </a:ext>
                 </a:extLst>
               </a:tr>
@@ -15467,7 +16962,1686 @@
 </p:sld>
 </file>
 
-<file path=ppt/slides/slide4.xml><?xml version="1.0" encoding="utf-8"?>
+<file path=ppt/slides/slide5.xml><?xml version="1.0" encoding="utf-8"?>
+<p:sld xmlns:a="http://schemas.openxmlformats.org/drawingml/2006/main" xmlns:r="http://schemas.openxmlformats.org/officeDocument/2006/relationships" xmlns:p="http://schemas.openxmlformats.org/presentationml/2006/main">
+  <p:cSld>
+    <p:spTree>
+      <p:nvGrpSpPr>
+        <p:cNvPr id="1" name=""/>
+        <p:cNvGrpSpPr/>
+        <p:nvPr/>
+      </p:nvGrpSpPr>
+      <p:grpSpPr>
+        <a:xfrm>
+          <a:off x="0" y="0"/>
+          <a:ext cx="0" cy="0"/>
+          <a:chOff x="0" y="0"/>
+          <a:chExt cx="0" cy="0"/>
+        </a:xfrm>
+      </p:grpSpPr>
+      <p:sp>
+        <p:nvSpPr>
+          <p:cNvPr id="4" name="직사각형 3">
+            <a:extLst>
+              <a:ext uri="{FF2B5EF4-FFF2-40B4-BE49-F238E27FC236}">
+                <a16:creationId xmlns:a16="http://schemas.microsoft.com/office/drawing/2014/main" id="{78F54972-19BA-BBED-B02E-8E131B18B1E7}"/>
+              </a:ext>
+            </a:extLst>
+          </p:cNvPr>
+          <p:cNvSpPr/>
+          <p:nvPr/>
+        </p:nvSpPr>
+        <p:spPr>
+          <a:xfrm>
+            <a:off x="0" y="0"/>
+            <a:ext cx="8549196" cy="452761"/>
+          </a:xfrm>
+          <a:prstGeom prst="rect">
+            <a:avLst/>
+          </a:prstGeom>
+          <a:noFill/>
+          <a:ln>
+            <a:noFill/>
+          </a:ln>
+        </p:spPr>
+        <p:style>
+          <a:lnRef idx="2">
+            <a:schemeClr val="accent1">
+              <a:shade val="50000"/>
+            </a:schemeClr>
+          </a:lnRef>
+          <a:fillRef idx="1">
+            <a:schemeClr val="accent1"/>
+          </a:fillRef>
+          <a:effectRef idx="0">
+            <a:schemeClr val="accent1"/>
+          </a:effectRef>
+          <a:fontRef idx="minor">
+            <a:schemeClr val="lt1"/>
+          </a:fontRef>
+        </p:style>
+        <p:txBody>
+          <a:bodyPr rtlCol="0" anchor="ctr"/>
+          <a:lstStyle/>
+          <a:p>
+            <a:r>
+              <a:rPr lang="ko-KR" altLang="en-US" sz="2400" b="1" dirty="0">
+                <a:solidFill>
+                  <a:schemeClr val="tx1"/>
+                </a:solidFill>
+              </a:rPr>
+              <a:t>테이블 구조도 </a:t>
+            </a:r>
+            <a:r>
+              <a:rPr lang="en-US" altLang="ko-KR" sz="2400" b="1" dirty="0">
+                <a:solidFill>
+                  <a:schemeClr val="tx1"/>
+                </a:solidFill>
+              </a:rPr>
+              <a:t>– Factory </a:t>
+            </a:r>
+            <a:r>
+              <a:rPr lang="ko-KR" altLang="en-US" sz="2400" b="1" dirty="0">
+                <a:solidFill>
+                  <a:schemeClr val="tx1"/>
+                </a:solidFill>
+              </a:rPr>
+              <a:t>테이블</a:t>
+            </a:r>
+            <a:r>
+              <a:rPr lang="en-US" altLang="ko-KR" sz="2400" b="1" dirty="0">
+                <a:solidFill>
+                  <a:schemeClr val="tx1"/>
+                </a:solidFill>
+              </a:rPr>
+              <a:t>(</a:t>
+            </a:r>
+            <a:r>
+              <a:rPr lang="ko-KR" altLang="en-US" sz="2400" dirty="0">
+                <a:solidFill>
+                  <a:schemeClr val="tx1"/>
+                </a:solidFill>
+              </a:rPr>
+              <a:t>공장 목록 테이블 </a:t>
+            </a:r>
+            <a:r>
+              <a:rPr lang="en-US" altLang="ko-KR" sz="2400" dirty="0">
+                <a:solidFill>
+                  <a:schemeClr val="tx1"/>
+                </a:solidFill>
+              </a:rPr>
+              <a:t>API</a:t>
+            </a:r>
+            <a:r>
+              <a:rPr lang="en-US" altLang="ko-KR" sz="2400" b="1" dirty="0">
+                <a:solidFill>
+                  <a:schemeClr val="tx1"/>
+                </a:solidFill>
+              </a:rPr>
+              <a:t>) </a:t>
+            </a:r>
+            <a:endParaRPr lang="ko-KR" altLang="en-US" sz="2400" b="1" dirty="0">
+              <a:solidFill>
+                <a:schemeClr val="tx1"/>
+              </a:solidFill>
+            </a:endParaRPr>
+          </a:p>
+        </p:txBody>
+      </p:sp>
+      <p:sp>
+        <p:nvSpPr>
+          <p:cNvPr id="6" name="TextBox 5">
+            <a:extLst>
+              <a:ext uri="{FF2B5EF4-FFF2-40B4-BE49-F238E27FC236}">
+                <a16:creationId xmlns:a16="http://schemas.microsoft.com/office/drawing/2014/main" id="{5F680C96-0947-58FD-3965-0B03411C5B0B}"/>
+              </a:ext>
+            </a:extLst>
+          </p:cNvPr>
+          <p:cNvSpPr txBox="1"/>
+          <p:nvPr/>
+        </p:nvSpPr>
+        <p:spPr>
+          <a:xfrm>
+            <a:off x="136357" y="448322"/>
+            <a:ext cx="6144126" cy="4770537"/>
+          </a:xfrm>
+          <a:prstGeom prst="rect">
+            <a:avLst/>
+          </a:prstGeom>
+          <a:noFill/>
+        </p:spPr>
+        <p:txBody>
+          <a:bodyPr wrap="square">
+            <a:spAutoFit/>
+          </a:bodyPr>
+          <a:lstStyle/>
+          <a:p>
+            <a:r>
+              <a:rPr lang="en-US" altLang="ko-KR" sz="1600" b="1" i="0" u="none" strike="noStrike" baseline="0" dirty="0">
+                <a:solidFill>
+                  <a:srgbClr val="0000FF"/>
+                </a:solidFill>
+                <a:latin typeface="Courier New" panose="02070309020205020404" pitchFamily="49" charset="0"/>
+              </a:rPr>
+              <a:t>CREATE</a:t>
+            </a:r>
+            <a:r>
+              <a:rPr lang="en-US" altLang="ko-KR" sz="1600" b="0" i="0" u="none" strike="noStrike" baseline="0" dirty="0">
+                <a:solidFill>
+                  <a:srgbClr val="000000"/>
+                </a:solidFill>
+                <a:latin typeface="Courier New" panose="02070309020205020404" pitchFamily="49" charset="0"/>
+              </a:rPr>
+              <a:t> </a:t>
+            </a:r>
+            <a:r>
+              <a:rPr lang="en-US" altLang="ko-KR" sz="1600" b="1" i="0" u="none" strike="noStrike" baseline="0" dirty="0">
+                <a:solidFill>
+                  <a:srgbClr val="0000FF"/>
+                </a:solidFill>
+                <a:latin typeface="Courier New" panose="02070309020205020404" pitchFamily="49" charset="0"/>
+              </a:rPr>
+              <a:t>TABLE</a:t>
+            </a:r>
+            <a:r>
+              <a:rPr lang="en-US" altLang="ko-KR" sz="1600" b="0" i="0" u="none" strike="noStrike" baseline="0" dirty="0">
+                <a:solidFill>
+                  <a:srgbClr val="000000"/>
+                </a:solidFill>
+                <a:latin typeface="Courier New" panose="02070309020205020404" pitchFamily="49" charset="0"/>
+              </a:rPr>
+              <a:t> </a:t>
+            </a:r>
+            <a:r>
+              <a:rPr lang="en-US" altLang="ko-KR" sz="1600" b="0" i="0" u="none" strike="noStrike" baseline="0" dirty="0">
+                <a:solidFill>
+                  <a:srgbClr val="808000"/>
+                </a:solidFill>
+                <a:latin typeface="Courier New" panose="02070309020205020404" pitchFamily="49" charset="0"/>
+              </a:rPr>
+              <a:t>`</a:t>
+            </a:r>
+            <a:r>
+              <a:rPr lang="en-US" altLang="ko-KR" sz="1600" b="0" i="0" u="none" strike="noStrike" baseline="0" dirty="0" err="1">
+                <a:solidFill>
+                  <a:srgbClr val="808000"/>
+                </a:solidFill>
+                <a:latin typeface="Courier New" panose="02070309020205020404" pitchFamily="49" charset="0"/>
+              </a:rPr>
+              <a:t>qna</a:t>
+            </a:r>
+            <a:r>
+              <a:rPr lang="en-US" altLang="ko-KR" sz="1600" b="0" i="0" u="none" strike="noStrike" baseline="0" dirty="0">
+                <a:solidFill>
+                  <a:srgbClr val="808000"/>
+                </a:solidFill>
+                <a:latin typeface="Courier New" panose="02070309020205020404" pitchFamily="49" charset="0"/>
+              </a:rPr>
+              <a:t>`</a:t>
+            </a:r>
+            <a:r>
+              <a:rPr lang="en-US" altLang="ko-KR" sz="1600" b="0" i="0" u="none" strike="noStrike" baseline="0" dirty="0">
+                <a:solidFill>
+                  <a:srgbClr val="000000"/>
+                </a:solidFill>
+                <a:latin typeface="Courier New" panose="02070309020205020404" pitchFamily="49" charset="0"/>
+              </a:rPr>
+              <a:t> </a:t>
+            </a:r>
+            <a:r>
+              <a:rPr lang="en-US" altLang="ko-KR" sz="1600" b="0" i="0" u="none" strike="noStrike" baseline="0" dirty="0">
+                <a:solidFill>
+                  <a:srgbClr val="0000FF"/>
+                </a:solidFill>
+                <a:latin typeface="Courier New" panose="02070309020205020404" pitchFamily="49" charset="0"/>
+              </a:rPr>
+              <a:t>(</a:t>
+            </a:r>
+          </a:p>
+          <a:p>
+            <a:r>
+              <a:rPr lang="en-US" altLang="ko-KR" sz="1600" b="0" i="0" u="none" strike="noStrike" baseline="0" dirty="0">
+                <a:solidFill>
+                  <a:srgbClr val="808000"/>
+                </a:solidFill>
+                <a:latin typeface="Courier New" panose="02070309020205020404" pitchFamily="49" charset="0"/>
+              </a:rPr>
+              <a:t>`Q_ID`</a:t>
+            </a:r>
+            <a:r>
+              <a:rPr lang="en-US" altLang="ko-KR" sz="1600" b="0" i="0" u="none" strike="noStrike" baseline="0" dirty="0">
+                <a:solidFill>
+                  <a:srgbClr val="000000"/>
+                </a:solidFill>
+                <a:latin typeface="Courier New" panose="02070309020205020404" pitchFamily="49" charset="0"/>
+              </a:rPr>
+              <a:t> </a:t>
+            </a:r>
+            <a:r>
+              <a:rPr lang="en-US" altLang="ko-KR" sz="1600" b="1" i="0" u="none" strike="noStrike" baseline="0" dirty="0">
+                <a:solidFill>
+                  <a:srgbClr val="800000"/>
+                </a:solidFill>
+                <a:latin typeface="Courier New" panose="02070309020205020404" pitchFamily="49" charset="0"/>
+              </a:rPr>
+              <a:t>INT</a:t>
+            </a:r>
+            <a:r>
+              <a:rPr lang="en-US" altLang="ko-KR" sz="1600" b="0" i="0" u="none" strike="noStrike" baseline="0" dirty="0">
+                <a:solidFill>
+                  <a:srgbClr val="0000FF"/>
+                </a:solidFill>
+                <a:latin typeface="Courier New" panose="02070309020205020404" pitchFamily="49" charset="0"/>
+              </a:rPr>
+              <a:t>(</a:t>
+            </a:r>
+            <a:r>
+              <a:rPr lang="en-US" altLang="ko-KR" sz="1600" b="0" i="0" u="none" strike="noStrike" baseline="0" dirty="0">
+                <a:solidFill>
+                  <a:srgbClr val="800080"/>
+                </a:solidFill>
+                <a:latin typeface="Courier New" panose="02070309020205020404" pitchFamily="49" charset="0"/>
+              </a:rPr>
+              <a:t>11</a:t>
+            </a:r>
+            <a:r>
+              <a:rPr lang="en-US" altLang="ko-KR" sz="1600" b="0" i="0" u="none" strike="noStrike" baseline="0" dirty="0">
+                <a:solidFill>
+                  <a:srgbClr val="0000FF"/>
+                </a:solidFill>
+                <a:latin typeface="Courier New" panose="02070309020205020404" pitchFamily="49" charset="0"/>
+              </a:rPr>
+              <a:t>)</a:t>
+            </a:r>
+            <a:r>
+              <a:rPr lang="en-US" altLang="ko-KR" sz="1600" b="0" i="0" u="none" strike="noStrike" baseline="0" dirty="0">
+                <a:solidFill>
+                  <a:srgbClr val="000000"/>
+                </a:solidFill>
+                <a:latin typeface="Courier New" panose="02070309020205020404" pitchFamily="49" charset="0"/>
+              </a:rPr>
+              <a:t> </a:t>
+            </a:r>
+            <a:r>
+              <a:rPr lang="en-US" altLang="ko-KR" sz="1600" b="1" i="0" u="none" strike="noStrike" baseline="0" dirty="0">
+                <a:solidFill>
+                  <a:srgbClr val="0000FF"/>
+                </a:solidFill>
+                <a:latin typeface="Courier New" panose="02070309020205020404" pitchFamily="49" charset="0"/>
+              </a:rPr>
+              <a:t>NOT</a:t>
+            </a:r>
+            <a:r>
+              <a:rPr lang="en-US" altLang="ko-KR" sz="1600" b="0" i="0" u="none" strike="noStrike" baseline="0" dirty="0">
+                <a:solidFill>
+                  <a:srgbClr val="000000"/>
+                </a:solidFill>
+                <a:latin typeface="Courier New" panose="02070309020205020404" pitchFamily="49" charset="0"/>
+              </a:rPr>
+              <a:t> </a:t>
+            </a:r>
+            <a:r>
+              <a:rPr lang="en-US" altLang="ko-KR" sz="1600" b="1" i="0" u="none" strike="noStrike" baseline="0" dirty="0">
+                <a:solidFill>
+                  <a:srgbClr val="0000FF"/>
+                </a:solidFill>
+                <a:latin typeface="Courier New" panose="02070309020205020404" pitchFamily="49" charset="0"/>
+              </a:rPr>
+              <a:t>NULL</a:t>
+            </a:r>
+            <a:r>
+              <a:rPr lang="en-US" altLang="ko-KR" sz="1600" b="0" i="0" u="none" strike="noStrike" baseline="0" dirty="0">
+                <a:solidFill>
+                  <a:srgbClr val="000000"/>
+                </a:solidFill>
+                <a:latin typeface="Courier New" panose="02070309020205020404" pitchFamily="49" charset="0"/>
+              </a:rPr>
+              <a:t> </a:t>
+            </a:r>
+            <a:r>
+              <a:rPr lang="en-US" altLang="ko-KR" sz="1600" b="1" i="0" u="none" strike="noStrike" baseline="0" dirty="0">
+                <a:solidFill>
+                  <a:srgbClr val="0000FF"/>
+                </a:solidFill>
+                <a:latin typeface="Courier New" panose="02070309020205020404" pitchFamily="49" charset="0"/>
+              </a:rPr>
+              <a:t>AUTO_INCREMENT</a:t>
+            </a:r>
+            <a:r>
+              <a:rPr lang="en-US" altLang="ko-KR" sz="1600" b="0" i="0" u="none" strike="noStrike" baseline="0" dirty="0">
+                <a:solidFill>
+                  <a:srgbClr val="0000FF"/>
+                </a:solidFill>
+                <a:latin typeface="Courier New" panose="02070309020205020404" pitchFamily="49" charset="0"/>
+              </a:rPr>
+              <a:t>,</a:t>
+            </a:r>
+          </a:p>
+          <a:p>
+            <a:r>
+              <a:rPr lang="en-US" altLang="ko-KR" sz="1600" b="0" i="0" u="none" strike="noStrike" baseline="0" dirty="0">
+                <a:solidFill>
+                  <a:srgbClr val="808000"/>
+                </a:solidFill>
+                <a:latin typeface="Courier New" panose="02070309020205020404" pitchFamily="49" charset="0"/>
+              </a:rPr>
+              <a:t>`M_ID`</a:t>
+            </a:r>
+            <a:r>
+              <a:rPr lang="en-US" altLang="ko-KR" sz="1600" b="0" i="0" u="none" strike="noStrike" baseline="0" dirty="0">
+                <a:solidFill>
+                  <a:srgbClr val="000000"/>
+                </a:solidFill>
+                <a:latin typeface="Courier New" panose="02070309020205020404" pitchFamily="49" charset="0"/>
+              </a:rPr>
+              <a:t> </a:t>
+            </a:r>
+            <a:r>
+              <a:rPr lang="en-US" altLang="ko-KR" sz="1600" b="1" i="0" u="none" strike="noStrike" baseline="0" dirty="0">
+                <a:solidFill>
+                  <a:srgbClr val="800000"/>
+                </a:solidFill>
+                <a:latin typeface="Courier New" panose="02070309020205020404" pitchFamily="49" charset="0"/>
+              </a:rPr>
+              <a:t>VARCHAR</a:t>
+            </a:r>
+            <a:r>
+              <a:rPr lang="en-US" altLang="ko-KR" sz="1600" b="0" i="0" u="none" strike="noStrike" baseline="0" dirty="0">
+                <a:solidFill>
+                  <a:srgbClr val="0000FF"/>
+                </a:solidFill>
+                <a:latin typeface="Courier New" panose="02070309020205020404" pitchFamily="49" charset="0"/>
+              </a:rPr>
+              <a:t>(</a:t>
+            </a:r>
+            <a:r>
+              <a:rPr lang="en-US" altLang="ko-KR" sz="1600" b="0" i="0" u="none" strike="noStrike" baseline="0" dirty="0">
+                <a:solidFill>
+                  <a:srgbClr val="800080"/>
+                </a:solidFill>
+                <a:latin typeface="Courier New" panose="02070309020205020404" pitchFamily="49" charset="0"/>
+              </a:rPr>
+              <a:t>20</a:t>
+            </a:r>
+            <a:r>
+              <a:rPr lang="en-US" altLang="ko-KR" sz="1600" b="0" i="0" u="none" strike="noStrike" baseline="0" dirty="0">
+                <a:solidFill>
+                  <a:srgbClr val="0000FF"/>
+                </a:solidFill>
+                <a:latin typeface="Courier New" panose="02070309020205020404" pitchFamily="49" charset="0"/>
+              </a:rPr>
+              <a:t>)</a:t>
+            </a:r>
+            <a:r>
+              <a:rPr lang="en-US" altLang="ko-KR" sz="1600" b="0" i="0" u="none" strike="noStrike" baseline="0" dirty="0">
+                <a:solidFill>
+                  <a:srgbClr val="000000"/>
+                </a:solidFill>
+                <a:latin typeface="Courier New" panose="02070309020205020404" pitchFamily="49" charset="0"/>
+              </a:rPr>
+              <a:t> </a:t>
+            </a:r>
+            <a:r>
+              <a:rPr lang="en-US" altLang="ko-KR" sz="1600" b="1" i="0" u="none" strike="noStrike" baseline="0" dirty="0">
+                <a:solidFill>
+                  <a:srgbClr val="0000FF"/>
+                </a:solidFill>
+                <a:latin typeface="Courier New" panose="02070309020205020404" pitchFamily="49" charset="0"/>
+              </a:rPr>
+              <a:t>NOT</a:t>
+            </a:r>
+            <a:r>
+              <a:rPr lang="en-US" altLang="ko-KR" sz="1600" b="0" i="0" u="none" strike="noStrike" baseline="0" dirty="0">
+                <a:solidFill>
+                  <a:srgbClr val="000000"/>
+                </a:solidFill>
+                <a:latin typeface="Courier New" panose="02070309020205020404" pitchFamily="49" charset="0"/>
+              </a:rPr>
+              <a:t> </a:t>
+            </a:r>
+            <a:r>
+              <a:rPr lang="en-US" altLang="ko-KR" sz="1600" b="1" i="0" u="none" strike="noStrike" baseline="0" dirty="0">
+                <a:solidFill>
+                  <a:srgbClr val="0000FF"/>
+                </a:solidFill>
+                <a:latin typeface="Courier New" panose="02070309020205020404" pitchFamily="49" charset="0"/>
+              </a:rPr>
+              <a:t>NULL</a:t>
+            </a:r>
+            <a:r>
+              <a:rPr lang="en-US" altLang="ko-KR" sz="1600" b="0" i="0" u="none" strike="noStrike" baseline="0" dirty="0">
+                <a:solidFill>
+                  <a:srgbClr val="000000"/>
+                </a:solidFill>
+                <a:latin typeface="Courier New" panose="02070309020205020404" pitchFamily="49" charset="0"/>
+              </a:rPr>
+              <a:t> </a:t>
+            </a:r>
+            <a:r>
+              <a:rPr lang="en-US" altLang="ko-KR" sz="1600" b="1" i="0" u="none" strike="noStrike" baseline="0" dirty="0">
+                <a:solidFill>
+                  <a:srgbClr val="0000FF"/>
+                </a:solidFill>
+                <a:latin typeface="Courier New" panose="02070309020205020404" pitchFamily="49" charset="0"/>
+              </a:rPr>
+              <a:t>DEFAULT</a:t>
+            </a:r>
+            <a:r>
+              <a:rPr lang="en-US" altLang="ko-KR" sz="1600" b="0" i="0" u="none" strike="noStrike" baseline="0" dirty="0">
+                <a:solidFill>
+                  <a:srgbClr val="000000"/>
+                </a:solidFill>
+                <a:latin typeface="Courier New" panose="02070309020205020404" pitchFamily="49" charset="0"/>
+              </a:rPr>
+              <a:t> </a:t>
+            </a:r>
+            <a:r>
+              <a:rPr lang="en-US" altLang="ko-KR" sz="1600" b="0" i="0" u="none" strike="noStrike" baseline="0" dirty="0">
+                <a:solidFill>
+                  <a:srgbClr val="008000"/>
+                </a:solidFill>
+                <a:latin typeface="Courier New" panose="02070309020205020404" pitchFamily="49" charset="0"/>
+              </a:rPr>
+              <a:t>''</a:t>
+            </a:r>
+            <a:r>
+              <a:rPr lang="en-US" altLang="ko-KR" sz="1600" b="0" i="0" u="none" strike="noStrike" baseline="0" dirty="0">
+                <a:solidFill>
+                  <a:srgbClr val="000000"/>
+                </a:solidFill>
+                <a:latin typeface="Courier New" panose="02070309020205020404" pitchFamily="49" charset="0"/>
+              </a:rPr>
+              <a:t> </a:t>
+            </a:r>
+            <a:r>
+              <a:rPr lang="en-US" altLang="ko-KR" sz="1600" b="1" i="0" u="none" strike="noStrike" baseline="0" dirty="0">
+                <a:solidFill>
+                  <a:srgbClr val="0000FF"/>
+                </a:solidFill>
+                <a:latin typeface="Courier New" panose="02070309020205020404" pitchFamily="49" charset="0"/>
+              </a:rPr>
+              <a:t>COLLATE</a:t>
+            </a:r>
+            <a:r>
+              <a:rPr lang="en-US" altLang="ko-KR" sz="1600" b="0" i="0" u="none" strike="noStrike" baseline="0" dirty="0">
+                <a:solidFill>
+                  <a:srgbClr val="000000"/>
+                </a:solidFill>
+                <a:latin typeface="Courier New" panose="02070309020205020404" pitchFamily="49" charset="0"/>
+              </a:rPr>
+              <a:t> </a:t>
+            </a:r>
+            <a:r>
+              <a:rPr lang="en-US" altLang="ko-KR" sz="1600" b="0" i="0" u="none" strike="noStrike" baseline="0" dirty="0">
+                <a:solidFill>
+                  <a:srgbClr val="008000"/>
+                </a:solidFill>
+                <a:latin typeface="Courier New" panose="02070309020205020404" pitchFamily="49" charset="0"/>
+              </a:rPr>
+              <a:t>'utf8mb3_bin'</a:t>
+            </a:r>
+            <a:r>
+              <a:rPr lang="en-US" altLang="ko-KR" sz="1600" b="0" i="0" u="none" strike="noStrike" baseline="0" dirty="0">
+                <a:solidFill>
+                  <a:srgbClr val="0000FF"/>
+                </a:solidFill>
+                <a:latin typeface="Courier New" panose="02070309020205020404" pitchFamily="49" charset="0"/>
+              </a:rPr>
+              <a:t>,</a:t>
+            </a:r>
+          </a:p>
+          <a:p>
+            <a:r>
+              <a:rPr lang="en-US" altLang="ko-KR" sz="1600" b="0" i="0" u="none" strike="noStrike" baseline="0" dirty="0">
+                <a:solidFill>
+                  <a:srgbClr val="808000"/>
+                </a:solidFill>
+                <a:latin typeface="Courier New" panose="02070309020205020404" pitchFamily="49" charset="0"/>
+              </a:rPr>
+              <a:t>`Q_TITLE`</a:t>
+            </a:r>
+            <a:r>
+              <a:rPr lang="en-US" altLang="ko-KR" sz="1600" b="0" i="0" u="none" strike="noStrike" baseline="0" dirty="0">
+                <a:solidFill>
+                  <a:srgbClr val="000000"/>
+                </a:solidFill>
+                <a:latin typeface="Courier New" panose="02070309020205020404" pitchFamily="49" charset="0"/>
+              </a:rPr>
+              <a:t> </a:t>
+            </a:r>
+            <a:r>
+              <a:rPr lang="en-US" altLang="ko-KR" sz="1600" b="1" i="0" u="none" strike="noStrike" baseline="0" dirty="0">
+                <a:solidFill>
+                  <a:srgbClr val="800000"/>
+                </a:solidFill>
+                <a:latin typeface="Courier New" panose="02070309020205020404" pitchFamily="49" charset="0"/>
+              </a:rPr>
+              <a:t>BLOB</a:t>
+            </a:r>
+            <a:r>
+              <a:rPr lang="en-US" altLang="ko-KR" sz="1600" b="0" i="0" u="none" strike="noStrike" baseline="0" dirty="0">
+                <a:solidFill>
+                  <a:srgbClr val="000000"/>
+                </a:solidFill>
+                <a:latin typeface="Courier New" panose="02070309020205020404" pitchFamily="49" charset="0"/>
+              </a:rPr>
+              <a:t> </a:t>
+            </a:r>
+            <a:r>
+              <a:rPr lang="en-US" altLang="ko-KR" sz="1600" b="1" i="0" u="none" strike="noStrike" baseline="0" dirty="0">
+                <a:solidFill>
+                  <a:srgbClr val="0000FF"/>
+                </a:solidFill>
+                <a:latin typeface="Courier New" panose="02070309020205020404" pitchFamily="49" charset="0"/>
+              </a:rPr>
+              <a:t>NOT</a:t>
+            </a:r>
+            <a:r>
+              <a:rPr lang="en-US" altLang="ko-KR" sz="1600" b="0" i="0" u="none" strike="noStrike" baseline="0" dirty="0">
+                <a:solidFill>
+                  <a:srgbClr val="000000"/>
+                </a:solidFill>
+                <a:latin typeface="Courier New" panose="02070309020205020404" pitchFamily="49" charset="0"/>
+              </a:rPr>
+              <a:t> </a:t>
+            </a:r>
+            <a:r>
+              <a:rPr lang="en-US" altLang="ko-KR" sz="1600" b="1" i="0" u="none" strike="noStrike" baseline="0" dirty="0">
+                <a:solidFill>
+                  <a:srgbClr val="0000FF"/>
+                </a:solidFill>
+                <a:latin typeface="Courier New" panose="02070309020205020404" pitchFamily="49" charset="0"/>
+              </a:rPr>
+              <a:t>NULL</a:t>
+            </a:r>
+            <a:r>
+              <a:rPr lang="en-US" altLang="ko-KR" sz="1600" b="0" i="0" u="none" strike="noStrike" baseline="0" dirty="0">
+                <a:solidFill>
+                  <a:srgbClr val="0000FF"/>
+                </a:solidFill>
+                <a:latin typeface="Courier New" panose="02070309020205020404" pitchFamily="49" charset="0"/>
+              </a:rPr>
+              <a:t>,</a:t>
+            </a:r>
+          </a:p>
+          <a:p>
+            <a:r>
+              <a:rPr lang="en-US" altLang="ko-KR" sz="1600" b="0" i="0" u="none" strike="noStrike" baseline="0" dirty="0">
+                <a:solidFill>
+                  <a:srgbClr val="808000"/>
+                </a:solidFill>
+                <a:latin typeface="Courier New" panose="02070309020205020404" pitchFamily="49" charset="0"/>
+              </a:rPr>
+              <a:t>`Q_DATE`</a:t>
+            </a:r>
+            <a:r>
+              <a:rPr lang="en-US" altLang="ko-KR" sz="1600" b="0" i="0" u="none" strike="noStrike" baseline="0" dirty="0">
+                <a:solidFill>
+                  <a:srgbClr val="000000"/>
+                </a:solidFill>
+                <a:latin typeface="Courier New" panose="02070309020205020404" pitchFamily="49" charset="0"/>
+              </a:rPr>
+              <a:t> </a:t>
+            </a:r>
+            <a:r>
+              <a:rPr lang="en-US" altLang="ko-KR" sz="1600" b="1" i="0" u="none" strike="noStrike" baseline="0" dirty="0">
+                <a:solidFill>
+                  <a:srgbClr val="800000"/>
+                </a:solidFill>
+                <a:latin typeface="Courier New" panose="02070309020205020404" pitchFamily="49" charset="0"/>
+              </a:rPr>
+              <a:t>DATE</a:t>
+            </a:r>
+            <a:r>
+              <a:rPr lang="en-US" altLang="ko-KR" sz="1600" b="0" i="0" u="none" strike="noStrike" baseline="0" dirty="0">
+                <a:solidFill>
+                  <a:srgbClr val="000000"/>
+                </a:solidFill>
+                <a:latin typeface="Courier New" panose="02070309020205020404" pitchFamily="49" charset="0"/>
+              </a:rPr>
+              <a:t> </a:t>
+            </a:r>
+            <a:r>
+              <a:rPr lang="en-US" altLang="ko-KR" sz="1600" b="1" i="0" u="none" strike="noStrike" baseline="0" dirty="0">
+                <a:solidFill>
+                  <a:srgbClr val="0000FF"/>
+                </a:solidFill>
+                <a:latin typeface="Courier New" panose="02070309020205020404" pitchFamily="49" charset="0"/>
+              </a:rPr>
+              <a:t>NOT</a:t>
+            </a:r>
+            <a:r>
+              <a:rPr lang="en-US" altLang="ko-KR" sz="1600" b="0" i="0" u="none" strike="noStrike" baseline="0" dirty="0">
+                <a:solidFill>
+                  <a:srgbClr val="000000"/>
+                </a:solidFill>
+                <a:latin typeface="Courier New" panose="02070309020205020404" pitchFamily="49" charset="0"/>
+              </a:rPr>
+              <a:t> </a:t>
+            </a:r>
+            <a:r>
+              <a:rPr lang="en-US" altLang="ko-KR" sz="1600" b="1" i="0" u="none" strike="noStrike" baseline="0" dirty="0">
+                <a:solidFill>
+                  <a:srgbClr val="0000FF"/>
+                </a:solidFill>
+                <a:latin typeface="Courier New" panose="02070309020205020404" pitchFamily="49" charset="0"/>
+              </a:rPr>
+              <a:t>NULL</a:t>
+            </a:r>
+            <a:r>
+              <a:rPr lang="en-US" altLang="ko-KR" sz="1600" b="0" i="0" u="none" strike="noStrike" baseline="0" dirty="0">
+                <a:solidFill>
+                  <a:srgbClr val="000000"/>
+                </a:solidFill>
+                <a:latin typeface="Courier New" panose="02070309020205020404" pitchFamily="49" charset="0"/>
+              </a:rPr>
+              <a:t> </a:t>
+            </a:r>
+            <a:r>
+              <a:rPr lang="en-US" altLang="ko-KR" sz="1600" b="1" i="0" u="none" strike="noStrike" baseline="0" dirty="0">
+                <a:solidFill>
+                  <a:srgbClr val="0000FF"/>
+                </a:solidFill>
+                <a:latin typeface="Courier New" panose="02070309020205020404" pitchFamily="49" charset="0"/>
+              </a:rPr>
+              <a:t>DEFAULT</a:t>
+            </a:r>
+            <a:r>
+              <a:rPr lang="en-US" altLang="ko-KR" sz="1600" b="0" i="0" u="none" strike="noStrike" baseline="0" dirty="0">
+                <a:solidFill>
+                  <a:srgbClr val="000000"/>
+                </a:solidFill>
+                <a:latin typeface="Courier New" panose="02070309020205020404" pitchFamily="49" charset="0"/>
+              </a:rPr>
+              <a:t> </a:t>
+            </a:r>
+            <a:r>
+              <a:rPr lang="en-US" altLang="ko-KR" sz="1600" b="1" i="0" u="none" strike="noStrike" baseline="0" dirty="0" err="1">
+                <a:solidFill>
+                  <a:srgbClr val="000080"/>
+                </a:solidFill>
+                <a:latin typeface="Courier New" panose="02070309020205020404" pitchFamily="49" charset="0"/>
+              </a:rPr>
+              <a:t>curdate</a:t>
+            </a:r>
+            <a:r>
+              <a:rPr lang="en-US" altLang="ko-KR" sz="1600" b="0" i="0" u="none" strike="noStrike" baseline="0" dirty="0">
+                <a:solidFill>
+                  <a:srgbClr val="0000FF"/>
+                </a:solidFill>
+                <a:latin typeface="Courier New" panose="02070309020205020404" pitchFamily="49" charset="0"/>
+              </a:rPr>
+              <a:t>(),</a:t>
+            </a:r>
+          </a:p>
+          <a:p>
+            <a:r>
+              <a:rPr lang="en-US" altLang="ko-KR" sz="1600" b="0" i="0" u="none" strike="noStrike" baseline="0" dirty="0">
+                <a:solidFill>
+                  <a:srgbClr val="808000"/>
+                </a:solidFill>
+                <a:latin typeface="Courier New" panose="02070309020205020404" pitchFamily="49" charset="0"/>
+              </a:rPr>
+              <a:t>`Q_FILE`</a:t>
+            </a:r>
+            <a:r>
+              <a:rPr lang="en-US" altLang="ko-KR" sz="1600" b="0" i="0" u="none" strike="noStrike" baseline="0" dirty="0">
+                <a:solidFill>
+                  <a:srgbClr val="000000"/>
+                </a:solidFill>
+                <a:latin typeface="Courier New" panose="02070309020205020404" pitchFamily="49" charset="0"/>
+              </a:rPr>
+              <a:t> </a:t>
+            </a:r>
+            <a:r>
+              <a:rPr lang="en-US" altLang="ko-KR" sz="1600" b="1" i="0" u="none" strike="noStrike" baseline="0" dirty="0">
+                <a:solidFill>
+                  <a:srgbClr val="800000"/>
+                </a:solidFill>
+                <a:latin typeface="Courier New" panose="02070309020205020404" pitchFamily="49" charset="0"/>
+              </a:rPr>
+              <a:t>BLOB</a:t>
+            </a:r>
+            <a:r>
+              <a:rPr lang="en-US" altLang="ko-KR" sz="1600" b="0" i="0" u="none" strike="noStrike" baseline="0" dirty="0">
+                <a:solidFill>
+                  <a:srgbClr val="000000"/>
+                </a:solidFill>
+                <a:latin typeface="Courier New" panose="02070309020205020404" pitchFamily="49" charset="0"/>
+              </a:rPr>
+              <a:t> </a:t>
+            </a:r>
+            <a:r>
+              <a:rPr lang="en-US" altLang="ko-KR" sz="1600" b="1" i="0" u="none" strike="noStrike" baseline="0" dirty="0">
+                <a:solidFill>
+                  <a:srgbClr val="0000FF"/>
+                </a:solidFill>
+                <a:latin typeface="Courier New" panose="02070309020205020404" pitchFamily="49" charset="0"/>
+              </a:rPr>
+              <a:t>NULL</a:t>
+            </a:r>
+            <a:r>
+              <a:rPr lang="en-US" altLang="ko-KR" sz="1600" b="0" i="0" u="none" strike="noStrike" baseline="0" dirty="0">
+                <a:solidFill>
+                  <a:srgbClr val="000000"/>
+                </a:solidFill>
+                <a:latin typeface="Courier New" panose="02070309020205020404" pitchFamily="49" charset="0"/>
+              </a:rPr>
+              <a:t> </a:t>
+            </a:r>
+            <a:r>
+              <a:rPr lang="en-US" altLang="ko-KR" sz="1600" b="1" i="0" u="none" strike="noStrike" baseline="0" dirty="0">
+                <a:solidFill>
+                  <a:srgbClr val="0000FF"/>
+                </a:solidFill>
+                <a:latin typeface="Courier New" panose="02070309020205020404" pitchFamily="49" charset="0"/>
+              </a:rPr>
+              <a:t>DEFAULT</a:t>
+            </a:r>
+            <a:r>
+              <a:rPr lang="en-US" altLang="ko-KR" sz="1600" b="0" i="0" u="none" strike="noStrike" baseline="0" dirty="0">
+                <a:solidFill>
+                  <a:srgbClr val="000000"/>
+                </a:solidFill>
+                <a:latin typeface="Courier New" panose="02070309020205020404" pitchFamily="49" charset="0"/>
+              </a:rPr>
+              <a:t> </a:t>
+            </a:r>
+            <a:r>
+              <a:rPr lang="en-US" altLang="ko-KR" sz="1600" b="1" i="0" u="none" strike="noStrike" baseline="0" dirty="0">
+                <a:solidFill>
+                  <a:srgbClr val="0000FF"/>
+                </a:solidFill>
+                <a:latin typeface="Courier New" panose="02070309020205020404" pitchFamily="49" charset="0"/>
+              </a:rPr>
+              <a:t>NULL</a:t>
+            </a:r>
+            <a:r>
+              <a:rPr lang="en-US" altLang="ko-KR" sz="1600" b="0" i="0" u="none" strike="noStrike" baseline="0" dirty="0">
+                <a:solidFill>
+                  <a:srgbClr val="0000FF"/>
+                </a:solidFill>
+                <a:latin typeface="Courier New" panose="02070309020205020404" pitchFamily="49" charset="0"/>
+              </a:rPr>
+              <a:t>,</a:t>
+            </a:r>
+          </a:p>
+          <a:p>
+            <a:r>
+              <a:rPr lang="en-US" altLang="ko-KR" sz="1600" b="0" i="0" u="none" strike="noStrike" baseline="0" dirty="0">
+                <a:solidFill>
+                  <a:srgbClr val="808000"/>
+                </a:solidFill>
+                <a:latin typeface="Courier New" panose="02070309020205020404" pitchFamily="49" charset="0"/>
+              </a:rPr>
+              <a:t>`Q_CONT`</a:t>
+            </a:r>
+            <a:r>
+              <a:rPr lang="en-US" altLang="ko-KR" sz="1600" b="0" i="0" u="none" strike="noStrike" baseline="0" dirty="0">
+                <a:solidFill>
+                  <a:srgbClr val="000000"/>
+                </a:solidFill>
+                <a:latin typeface="Courier New" panose="02070309020205020404" pitchFamily="49" charset="0"/>
+              </a:rPr>
+              <a:t> </a:t>
+            </a:r>
+            <a:r>
+              <a:rPr lang="en-US" altLang="ko-KR" sz="1600" b="1" i="0" u="none" strike="noStrike" baseline="0" dirty="0">
+                <a:solidFill>
+                  <a:srgbClr val="800000"/>
+                </a:solidFill>
+                <a:latin typeface="Courier New" panose="02070309020205020404" pitchFamily="49" charset="0"/>
+              </a:rPr>
+              <a:t>BLOB</a:t>
+            </a:r>
+            <a:r>
+              <a:rPr lang="en-US" altLang="ko-KR" sz="1600" b="0" i="0" u="none" strike="noStrike" baseline="0" dirty="0">
+                <a:solidFill>
+                  <a:srgbClr val="000000"/>
+                </a:solidFill>
+                <a:latin typeface="Courier New" panose="02070309020205020404" pitchFamily="49" charset="0"/>
+              </a:rPr>
+              <a:t> </a:t>
+            </a:r>
+            <a:r>
+              <a:rPr lang="en-US" altLang="ko-KR" sz="1600" b="1" i="0" u="none" strike="noStrike" baseline="0" dirty="0">
+                <a:solidFill>
+                  <a:srgbClr val="0000FF"/>
+                </a:solidFill>
+                <a:latin typeface="Courier New" panose="02070309020205020404" pitchFamily="49" charset="0"/>
+              </a:rPr>
+              <a:t>NOT</a:t>
+            </a:r>
+            <a:r>
+              <a:rPr lang="en-US" altLang="ko-KR" sz="1600" b="0" i="0" u="none" strike="noStrike" baseline="0" dirty="0">
+                <a:solidFill>
+                  <a:srgbClr val="000000"/>
+                </a:solidFill>
+                <a:latin typeface="Courier New" panose="02070309020205020404" pitchFamily="49" charset="0"/>
+              </a:rPr>
+              <a:t> </a:t>
+            </a:r>
+            <a:r>
+              <a:rPr lang="en-US" altLang="ko-KR" sz="1600" b="1" i="0" u="none" strike="noStrike" baseline="0" dirty="0">
+                <a:solidFill>
+                  <a:srgbClr val="0000FF"/>
+                </a:solidFill>
+                <a:latin typeface="Courier New" panose="02070309020205020404" pitchFamily="49" charset="0"/>
+              </a:rPr>
+              <a:t>NULL</a:t>
+            </a:r>
+            <a:r>
+              <a:rPr lang="en-US" altLang="ko-KR" sz="1600" b="0" i="0" u="none" strike="noStrike" baseline="0" dirty="0">
+                <a:solidFill>
+                  <a:srgbClr val="0000FF"/>
+                </a:solidFill>
+                <a:latin typeface="Courier New" panose="02070309020205020404" pitchFamily="49" charset="0"/>
+              </a:rPr>
+              <a:t>,</a:t>
+            </a:r>
+          </a:p>
+          <a:p>
+            <a:r>
+              <a:rPr lang="en-US" altLang="ko-KR" sz="1600" b="0" i="0" u="none" strike="noStrike" baseline="0" dirty="0">
+                <a:solidFill>
+                  <a:srgbClr val="808000"/>
+                </a:solidFill>
+                <a:latin typeface="Courier New" panose="02070309020205020404" pitchFamily="49" charset="0"/>
+              </a:rPr>
+              <a:t>`Q_HIT`</a:t>
+            </a:r>
+            <a:r>
+              <a:rPr lang="en-US" altLang="ko-KR" sz="1600" b="0" i="0" u="none" strike="noStrike" baseline="0" dirty="0">
+                <a:solidFill>
+                  <a:srgbClr val="000000"/>
+                </a:solidFill>
+                <a:latin typeface="Courier New" panose="02070309020205020404" pitchFamily="49" charset="0"/>
+              </a:rPr>
+              <a:t> </a:t>
+            </a:r>
+            <a:r>
+              <a:rPr lang="en-US" altLang="ko-KR" sz="1600" b="1" i="0" u="none" strike="noStrike" baseline="0" dirty="0">
+                <a:solidFill>
+                  <a:srgbClr val="800000"/>
+                </a:solidFill>
+                <a:latin typeface="Courier New" panose="02070309020205020404" pitchFamily="49" charset="0"/>
+              </a:rPr>
+              <a:t>INT</a:t>
+            </a:r>
+            <a:r>
+              <a:rPr lang="en-US" altLang="ko-KR" sz="1600" b="0" i="0" u="none" strike="noStrike" baseline="0" dirty="0">
+                <a:solidFill>
+                  <a:srgbClr val="0000FF"/>
+                </a:solidFill>
+                <a:latin typeface="Courier New" panose="02070309020205020404" pitchFamily="49" charset="0"/>
+              </a:rPr>
+              <a:t>(</a:t>
+            </a:r>
+            <a:r>
+              <a:rPr lang="en-US" altLang="ko-KR" sz="1600" b="0" i="0" u="none" strike="noStrike" baseline="0" dirty="0">
+                <a:solidFill>
+                  <a:srgbClr val="800080"/>
+                </a:solidFill>
+                <a:latin typeface="Courier New" panose="02070309020205020404" pitchFamily="49" charset="0"/>
+              </a:rPr>
+              <a:t>11</a:t>
+            </a:r>
+            <a:r>
+              <a:rPr lang="en-US" altLang="ko-KR" sz="1600" b="0" i="0" u="none" strike="noStrike" baseline="0" dirty="0">
+                <a:solidFill>
+                  <a:srgbClr val="0000FF"/>
+                </a:solidFill>
+                <a:latin typeface="Courier New" panose="02070309020205020404" pitchFamily="49" charset="0"/>
+              </a:rPr>
+              <a:t>)</a:t>
+            </a:r>
+            <a:r>
+              <a:rPr lang="en-US" altLang="ko-KR" sz="1600" b="0" i="0" u="none" strike="noStrike" baseline="0" dirty="0">
+                <a:solidFill>
+                  <a:srgbClr val="000000"/>
+                </a:solidFill>
+                <a:latin typeface="Courier New" panose="02070309020205020404" pitchFamily="49" charset="0"/>
+              </a:rPr>
+              <a:t> </a:t>
+            </a:r>
+            <a:r>
+              <a:rPr lang="en-US" altLang="ko-KR" sz="1600" b="1" i="0" u="none" strike="noStrike" baseline="0" dirty="0">
+                <a:solidFill>
+                  <a:srgbClr val="0000FF"/>
+                </a:solidFill>
+                <a:latin typeface="Courier New" panose="02070309020205020404" pitchFamily="49" charset="0"/>
+              </a:rPr>
+              <a:t>NULL</a:t>
+            </a:r>
+            <a:r>
+              <a:rPr lang="en-US" altLang="ko-KR" sz="1600" b="0" i="0" u="none" strike="noStrike" baseline="0" dirty="0">
+                <a:solidFill>
+                  <a:srgbClr val="000000"/>
+                </a:solidFill>
+                <a:latin typeface="Courier New" panose="02070309020205020404" pitchFamily="49" charset="0"/>
+              </a:rPr>
+              <a:t> </a:t>
+            </a:r>
+            <a:r>
+              <a:rPr lang="en-US" altLang="ko-KR" sz="1600" b="1" i="0" u="none" strike="noStrike" baseline="0" dirty="0">
+                <a:solidFill>
+                  <a:srgbClr val="0000FF"/>
+                </a:solidFill>
+                <a:latin typeface="Courier New" panose="02070309020205020404" pitchFamily="49" charset="0"/>
+              </a:rPr>
+              <a:t>DEFAULT</a:t>
+            </a:r>
+            <a:r>
+              <a:rPr lang="en-US" altLang="ko-KR" sz="1600" b="0" i="0" u="none" strike="noStrike" baseline="0" dirty="0">
+                <a:solidFill>
+                  <a:srgbClr val="000000"/>
+                </a:solidFill>
+                <a:latin typeface="Courier New" panose="02070309020205020404" pitchFamily="49" charset="0"/>
+              </a:rPr>
+              <a:t> </a:t>
+            </a:r>
+            <a:r>
+              <a:rPr lang="en-US" altLang="ko-KR" sz="1600" b="0" i="0" u="none" strike="noStrike" baseline="0" dirty="0">
+                <a:solidFill>
+                  <a:srgbClr val="008000"/>
+                </a:solidFill>
+                <a:latin typeface="Courier New" panose="02070309020205020404" pitchFamily="49" charset="0"/>
+              </a:rPr>
+              <a:t>'0'</a:t>
+            </a:r>
+            <a:r>
+              <a:rPr lang="en-US" altLang="ko-KR" sz="1600" b="0" i="0" u="none" strike="noStrike" baseline="0" dirty="0">
+                <a:solidFill>
+                  <a:srgbClr val="0000FF"/>
+                </a:solidFill>
+                <a:latin typeface="Courier New" panose="02070309020205020404" pitchFamily="49" charset="0"/>
+              </a:rPr>
+              <a:t>,</a:t>
+            </a:r>
+          </a:p>
+          <a:p>
+            <a:r>
+              <a:rPr lang="en-US" altLang="ko-KR" sz="1600" b="1" i="0" u="none" strike="noStrike" baseline="0" dirty="0">
+                <a:solidFill>
+                  <a:srgbClr val="0000FF"/>
+                </a:solidFill>
+                <a:latin typeface="Courier New" panose="02070309020205020404" pitchFamily="49" charset="0"/>
+              </a:rPr>
+              <a:t>PRIMARY</a:t>
+            </a:r>
+            <a:r>
+              <a:rPr lang="en-US" altLang="ko-KR" sz="1600" b="0" i="0" u="none" strike="noStrike" baseline="0" dirty="0">
+                <a:solidFill>
+                  <a:srgbClr val="000000"/>
+                </a:solidFill>
+                <a:latin typeface="Courier New" panose="02070309020205020404" pitchFamily="49" charset="0"/>
+              </a:rPr>
+              <a:t> </a:t>
+            </a:r>
+            <a:r>
+              <a:rPr lang="en-US" altLang="ko-KR" sz="1600" b="1" i="0" u="none" strike="noStrike" baseline="0" dirty="0">
+                <a:solidFill>
+                  <a:srgbClr val="0000FF"/>
+                </a:solidFill>
+                <a:latin typeface="Courier New" panose="02070309020205020404" pitchFamily="49" charset="0"/>
+              </a:rPr>
+              <a:t>KEY</a:t>
+            </a:r>
+            <a:r>
+              <a:rPr lang="en-US" altLang="ko-KR" sz="1600" b="0" i="0" u="none" strike="noStrike" baseline="0" dirty="0">
+                <a:solidFill>
+                  <a:srgbClr val="000000"/>
+                </a:solidFill>
+                <a:latin typeface="Courier New" panose="02070309020205020404" pitchFamily="49" charset="0"/>
+              </a:rPr>
+              <a:t> </a:t>
+            </a:r>
+            <a:r>
+              <a:rPr lang="en-US" altLang="ko-KR" sz="1600" b="0" i="0" u="none" strike="noStrike" baseline="0" dirty="0">
+                <a:solidFill>
+                  <a:srgbClr val="0000FF"/>
+                </a:solidFill>
+                <a:latin typeface="Courier New" panose="02070309020205020404" pitchFamily="49" charset="0"/>
+              </a:rPr>
+              <a:t>(</a:t>
+            </a:r>
+            <a:r>
+              <a:rPr lang="en-US" altLang="ko-KR" sz="1600" b="0" i="0" u="none" strike="noStrike" baseline="0" dirty="0">
+                <a:solidFill>
+                  <a:srgbClr val="808000"/>
+                </a:solidFill>
+                <a:latin typeface="Courier New" panose="02070309020205020404" pitchFamily="49" charset="0"/>
+              </a:rPr>
+              <a:t>`Q_ID`</a:t>
+            </a:r>
+            <a:r>
+              <a:rPr lang="en-US" altLang="ko-KR" sz="1600" b="0" i="0" u="none" strike="noStrike" baseline="0" dirty="0">
+                <a:solidFill>
+                  <a:srgbClr val="0000FF"/>
+                </a:solidFill>
+                <a:latin typeface="Courier New" panose="02070309020205020404" pitchFamily="49" charset="0"/>
+              </a:rPr>
+              <a:t>)</a:t>
+            </a:r>
+            <a:r>
+              <a:rPr lang="en-US" altLang="ko-KR" sz="1600" b="0" i="0" u="none" strike="noStrike" baseline="0" dirty="0">
+                <a:solidFill>
+                  <a:srgbClr val="000000"/>
+                </a:solidFill>
+                <a:latin typeface="Courier New" panose="02070309020205020404" pitchFamily="49" charset="0"/>
+              </a:rPr>
+              <a:t> </a:t>
+            </a:r>
+            <a:r>
+              <a:rPr lang="en-US" altLang="ko-KR" sz="1600" b="1" i="0" u="none" strike="noStrike" baseline="0" dirty="0">
+                <a:solidFill>
+                  <a:srgbClr val="0000FF"/>
+                </a:solidFill>
+                <a:latin typeface="Courier New" panose="02070309020205020404" pitchFamily="49" charset="0"/>
+              </a:rPr>
+              <a:t>USING</a:t>
+            </a:r>
+            <a:r>
+              <a:rPr lang="en-US" altLang="ko-KR" sz="1600" b="0" i="0" u="none" strike="noStrike" baseline="0" dirty="0">
+                <a:solidFill>
+                  <a:srgbClr val="000000"/>
+                </a:solidFill>
+                <a:latin typeface="Courier New" panose="02070309020205020404" pitchFamily="49" charset="0"/>
+              </a:rPr>
+              <a:t> </a:t>
+            </a:r>
+            <a:r>
+              <a:rPr lang="en-US" altLang="ko-KR" sz="1600" b="1" i="0" u="none" strike="noStrike" baseline="0" dirty="0">
+                <a:solidFill>
+                  <a:srgbClr val="800000"/>
+                </a:solidFill>
+                <a:latin typeface="Courier New" panose="02070309020205020404" pitchFamily="49" charset="0"/>
+              </a:rPr>
+              <a:t>BTREE</a:t>
+            </a:r>
+            <a:r>
+              <a:rPr lang="en-US" altLang="ko-KR" sz="1600" b="0" i="0" u="none" strike="noStrike" baseline="0" dirty="0">
+                <a:solidFill>
+                  <a:srgbClr val="0000FF"/>
+                </a:solidFill>
+                <a:latin typeface="Courier New" panose="02070309020205020404" pitchFamily="49" charset="0"/>
+              </a:rPr>
+              <a:t>,</a:t>
+            </a:r>
+          </a:p>
+          <a:p>
+            <a:r>
+              <a:rPr lang="en-US" altLang="ko-KR" sz="1600" b="1" i="0" u="none" strike="noStrike" baseline="0" dirty="0">
+                <a:solidFill>
+                  <a:srgbClr val="0000FF"/>
+                </a:solidFill>
+                <a:latin typeface="Courier New" panose="02070309020205020404" pitchFamily="49" charset="0"/>
+              </a:rPr>
+              <a:t>INDEX</a:t>
+            </a:r>
+            <a:r>
+              <a:rPr lang="en-US" altLang="ko-KR" sz="1600" b="0" i="0" u="none" strike="noStrike" baseline="0" dirty="0">
+                <a:solidFill>
+                  <a:srgbClr val="000000"/>
+                </a:solidFill>
+                <a:latin typeface="Courier New" panose="02070309020205020404" pitchFamily="49" charset="0"/>
+              </a:rPr>
+              <a:t> </a:t>
+            </a:r>
+            <a:r>
+              <a:rPr lang="en-US" altLang="ko-KR" sz="1600" b="0" i="0" u="none" strike="noStrike" baseline="0" dirty="0">
+                <a:solidFill>
+                  <a:srgbClr val="808000"/>
+                </a:solidFill>
+                <a:latin typeface="Courier New" panose="02070309020205020404" pitchFamily="49" charset="0"/>
+              </a:rPr>
+              <a:t>`M_ID`</a:t>
+            </a:r>
+            <a:r>
+              <a:rPr lang="en-US" altLang="ko-KR" sz="1600" b="0" i="0" u="none" strike="noStrike" baseline="0" dirty="0">
+                <a:solidFill>
+                  <a:srgbClr val="000000"/>
+                </a:solidFill>
+                <a:latin typeface="Courier New" panose="02070309020205020404" pitchFamily="49" charset="0"/>
+              </a:rPr>
+              <a:t> </a:t>
+            </a:r>
+            <a:r>
+              <a:rPr lang="en-US" altLang="ko-KR" sz="1600" b="0" i="0" u="none" strike="noStrike" baseline="0" dirty="0">
+                <a:solidFill>
+                  <a:srgbClr val="0000FF"/>
+                </a:solidFill>
+                <a:latin typeface="Courier New" panose="02070309020205020404" pitchFamily="49" charset="0"/>
+              </a:rPr>
+              <a:t>(</a:t>
+            </a:r>
+            <a:r>
+              <a:rPr lang="en-US" altLang="ko-KR" sz="1600" b="0" i="0" u="none" strike="noStrike" baseline="0" dirty="0">
+                <a:solidFill>
+                  <a:srgbClr val="808000"/>
+                </a:solidFill>
+                <a:latin typeface="Courier New" panose="02070309020205020404" pitchFamily="49" charset="0"/>
+              </a:rPr>
+              <a:t>`M_ID`</a:t>
+            </a:r>
+            <a:r>
+              <a:rPr lang="en-US" altLang="ko-KR" sz="1600" b="0" i="0" u="none" strike="noStrike" baseline="0" dirty="0">
+                <a:solidFill>
+                  <a:srgbClr val="0000FF"/>
+                </a:solidFill>
+                <a:latin typeface="Courier New" panose="02070309020205020404" pitchFamily="49" charset="0"/>
+              </a:rPr>
+              <a:t>)</a:t>
+            </a:r>
+            <a:r>
+              <a:rPr lang="en-US" altLang="ko-KR" sz="1600" b="0" i="0" u="none" strike="noStrike" baseline="0" dirty="0">
+                <a:solidFill>
+                  <a:srgbClr val="000000"/>
+                </a:solidFill>
+                <a:latin typeface="Courier New" panose="02070309020205020404" pitchFamily="49" charset="0"/>
+              </a:rPr>
+              <a:t> </a:t>
+            </a:r>
+            <a:r>
+              <a:rPr lang="en-US" altLang="ko-KR" sz="1600" b="1" i="0" u="none" strike="noStrike" baseline="0" dirty="0">
+                <a:solidFill>
+                  <a:srgbClr val="0000FF"/>
+                </a:solidFill>
+                <a:latin typeface="Courier New" panose="02070309020205020404" pitchFamily="49" charset="0"/>
+              </a:rPr>
+              <a:t>USING</a:t>
+            </a:r>
+            <a:r>
+              <a:rPr lang="en-US" altLang="ko-KR" sz="1600" b="0" i="0" u="none" strike="noStrike" baseline="0" dirty="0">
+                <a:solidFill>
+                  <a:srgbClr val="000000"/>
+                </a:solidFill>
+                <a:latin typeface="Courier New" panose="02070309020205020404" pitchFamily="49" charset="0"/>
+              </a:rPr>
+              <a:t> </a:t>
+            </a:r>
+            <a:r>
+              <a:rPr lang="en-US" altLang="ko-KR" sz="1600" b="1" i="0" u="none" strike="noStrike" baseline="0" dirty="0">
+                <a:solidFill>
+                  <a:srgbClr val="800000"/>
+                </a:solidFill>
+                <a:latin typeface="Courier New" panose="02070309020205020404" pitchFamily="49" charset="0"/>
+              </a:rPr>
+              <a:t>BTREE</a:t>
+            </a:r>
+            <a:r>
+              <a:rPr lang="en-US" altLang="ko-KR" sz="1600" b="0" i="0" u="none" strike="noStrike" baseline="0" dirty="0">
+                <a:solidFill>
+                  <a:srgbClr val="0000FF"/>
+                </a:solidFill>
+                <a:latin typeface="Courier New" panose="02070309020205020404" pitchFamily="49" charset="0"/>
+              </a:rPr>
+              <a:t>,</a:t>
+            </a:r>
+          </a:p>
+          <a:p>
+            <a:r>
+              <a:rPr lang="en-US" altLang="ko-KR" sz="1600" b="1" i="0" u="none" strike="noStrike" baseline="0" dirty="0">
+                <a:solidFill>
+                  <a:srgbClr val="0000FF"/>
+                </a:solidFill>
+                <a:latin typeface="Courier New" panose="02070309020205020404" pitchFamily="49" charset="0"/>
+              </a:rPr>
+              <a:t>CONSTRAINT</a:t>
+            </a:r>
+            <a:r>
+              <a:rPr lang="en-US" altLang="ko-KR" sz="1600" b="0" i="0" u="none" strike="noStrike" baseline="0" dirty="0">
+                <a:solidFill>
+                  <a:srgbClr val="000000"/>
+                </a:solidFill>
+                <a:latin typeface="Courier New" panose="02070309020205020404" pitchFamily="49" charset="0"/>
+              </a:rPr>
+              <a:t> </a:t>
+            </a:r>
+            <a:r>
+              <a:rPr lang="en-US" altLang="ko-KR" sz="1600" b="0" i="0" u="none" strike="noStrike" baseline="0" dirty="0">
+                <a:solidFill>
+                  <a:srgbClr val="808000"/>
+                </a:solidFill>
+                <a:latin typeface="Courier New" panose="02070309020205020404" pitchFamily="49" charset="0"/>
+              </a:rPr>
+              <a:t>`M_ID`</a:t>
+            </a:r>
+            <a:r>
+              <a:rPr lang="en-US" altLang="ko-KR" sz="1600" b="0" i="0" u="none" strike="noStrike" baseline="0" dirty="0">
+                <a:solidFill>
+                  <a:srgbClr val="000000"/>
+                </a:solidFill>
+                <a:latin typeface="Courier New" panose="02070309020205020404" pitchFamily="49" charset="0"/>
+              </a:rPr>
+              <a:t> </a:t>
+            </a:r>
+            <a:r>
+              <a:rPr lang="en-US" altLang="ko-KR" sz="1600" b="1" i="0" u="none" strike="noStrike" baseline="0" dirty="0">
+                <a:solidFill>
+                  <a:srgbClr val="0000FF"/>
+                </a:solidFill>
+                <a:latin typeface="Courier New" panose="02070309020205020404" pitchFamily="49" charset="0"/>
+              </a:rPr>
+              <a:t>FOREIGN</a:t>
+            </a:r>
+            <a:r>
+              <a:rPr lang="en-US" altLang="ko-KR" sz="1600" b="0" i="0" u="none" strike="noStrike" baseline="0" dirty="0">
+                <a:solidFill>
+                  <a:srgbClr val="000000"/>
+                </a:solidFill>
+                <a:latin typeface="Courier New" panose="02070309020205020404" pitchFamily="49" charset="0"/>
+              </a:rPr>
+              <a:t> </a:t>
+            </a:r>
+            <a:r>
+              <a:rPr lang="en-US" altLang="ko-KR" sz="1600" b="1" i="0" u="none" strike="noStrike" baseline="0" dirty="0">
+                <a:solidFill>
+                  <a:srgbClr val="0000FF"/>
+                </a:solidFill>
+                <a:latin typeface="Courier New" panose="02070309020205020404" pitchFamily="49" charset="0"/>
+              </a:rPr>
+              <a:t>KEY</a:t>
+            </a:r>
+            <a:r>
+              <a:rPr lang="en-US" altLang="ko-KR" sz="1600" b="0" i="0" u="none" strike="noStrike" baseline="0" dirty="0">
+                <a:solidFill>
+                  <a:srgbClr val="000000"/>
+                </a:solidFill>
+                <a:latin typeface="Courier New" panose="02070309020205020404" pitchFamily="49" charset="0"/>
+              </a:rPr>
+              <a:t> </a:t>
+            </a:r>
+            <a:r>
+              <a:rPr lang="en-US" altLang="ko-KR" sz="1600" b="0" i="0" u="none" strike="noStrike" baseline="0" dirty="0">
+                <a:solidFill>
+                  <a:srgbClr val="0000FF"/>
+                </a:solidFill>
+                <a:latin typeface="Courier New" panose="02070309020205020404" pitchFamily="49" charset="0"/>
+              </a:rPr>
+              <a:t>(</a:t>
+            </a:r>
+            <a:r>
+              <a:rPr lang="en-US" altLang="ko-KR" sz="1600" b="0" i="0" u="none" strike="noStrike" baseline="0" dirty="0">
+                <a:solidFill>
+                  <a:srgbClr val="808000"/>
+                </a:solidFill>
+                <a:latin typeface="Courier New" panose="02070309020205020404" pitchFamily="49" charset="0"/>
+              </a:rPr>
+              <a:t>`M_ID`</a:t>
+            </a:r>
+            <a:r>
+              <a:rPr lang="en-US" altLang="ko-KR" sz="1600" b="0" i="0" u="none" strike="noStrike" baseline="0" dirty="0">
+                <a:solidFill>
+                  <a:srgbClr val="0000FF"/>
+                </a:solidFill>
+                <a:latin typeface="Courier New" panose="02070309020205020404" pitchFamily="49" charset="0"/>
+              </a:rPr>
+              <a:t>)</a:t>
+            </a:r>
+            <a:r>
+              <a:rPr lang="en-US" altLang="ko-KR" sz="1600" b="0" i="0" u="none" strike="noStrike" baseline="0" dirty="0">
+                <a:solidFill>
+                  <a:srgbClr val="000000"/>
+                </a:solidFill>
+                <a:latin typeface="Courier New" panose="02070309020205020404" pitchFamily="49" charset="0"/>
+              </a:rPr>
+              <a:t> </a:t>
+            </a:r>
+            <a:r>
+              <a:rPr lang="en-US" altLang="ko-KR" sz="1600" b="1" i="0" u="none" strike="noStrike" baseline="0" dirty="0">
+                <a:solidFill>
+                  <a:srgbClr val="0000FF"/>
+                </a:solidFill>
+                <a:latin typeface="Courier New" panose="02070309020205020404" pitchFamily="49" charset="0"/>
+              </a:rPr>
+              <a:t>REFERENCES</a:t>
+            </a:r>
+            <a:r>
+              <a:rPr lang="en-US" altLang="ko-KR" sz="1600" b="0" i="0" u="none" strike="noStrike" baseline="0" dirty="0">
+                <a:solidFill>
+                  <a:srgbClr val="000000"/>
+                </a:solidFill>
+                <a:latin typeface="Courier New" panose="02070309020205020404" pitchFamily="49" charset="0"/>
+              </a:rPr>
+              <a:t> </a:t>
+            </a:r>
+            <a:r>
+              <a:rPr lang="en-US" altLang="ko-KR" sz="1600" b="0" i="0" u="none" strike="noStrike" baseline="0" dirty="0">
+                <a:solidFill>
+                  <a:srgbClr val="808000"/>
+                </a:solidFill>
+                <a:latin typeface="Courier New" panose="02070309020205020404" pitchFamily="49" charset="0"/>
+              </a:rPr>
+              <a:t>`</a:t>
+            </a:r>
+            <a:r>
+              <a:rPr lang="en-US" altLang="ko-KR" sz="1600" b="0" i="0" u="none" strike="noStrike" baseline="0" dirty="0" err="1">
+                <a:solidFill>
+                  <a:srgbClr val="808000"/>
+                </a:solidFill>
+                <a:latin typeface="Courier New" panose="02070309020205020404" pitchFamily="49" charset="0"/>
+              </a:rPr>
+              <a:t>factoreview</a:t>
+            </a:r>
+            <a:r>
+              <a:rPr lang="en-US" altLang="ko-KR" sz="1600" b="0" i="0" u="none" strike="noStrike" baseline="0" dirty="0">
+                <a:solidFill>
+                  <a:srgbClr val="808000"/>
+                </a:solidFill>
+                <a:latin typeface="Courier New" panose="02070309020205020404" pitchFamily="49" charset="0"/>
+              </a:rPr>
+              <a:t>`</a:t>
+            </a:r>
+            <a:r>
+              <a:rPr lang="en-US" altLang="ko-KR" sz="1600" b="0" i="0" u="none" strike="noStrike" baseline="0" dirty="0">
+                <a:solidFill>
+                  <a:srgbClr val="0000FF"/>
+                </a:solidFill>
+                <a:latin typeface="Courier New" panose="02070309020205020404" pitchFamily="49" charset="0"/>
+              </a:rPr>
+              <a:t>.</a:t>
+            </a:r>
+            <a:r>
+              <a:rPr lang="en-US" altLang="ko-KR" sz="1600" b="0" i="0" u="none" strike="noStrike" baseline="0" dirty="0">
+                <a:solidFill>
+                  <a:srgbClr val="808000"/>
+                </a:solidFill>
+                <a:latin typeface="Courier New" panose="02070309020205020404" pitchFamily="49" charset="0"/>
+              </a:rPr>
+              <a:t>`member`</a:t>
+            </a:r>
+            <a:r>
+              <a:rPr lang="en-US" altLang="ko-KR" sz="1600" b="0" i="0" u="none" strike="noStrike" baseline="0" dirty="0">
+                <a:solidFill>
+                  <a:srgbClr val="000000"/>
+                </a:solidFill>
+                <a:latin typeface="Courier New" panose="02070309020205020404" pitchFamily="49" charset="0"/>
+              </a:rPr>
+              <a:t> </a:t>
+            </a:r>
+            <a:r>
+              <a:rPr lang="en-US" altLang="ko-KR" sz="1600" b="0" i="0" u="none" strike="noStrike" baseline="0" dirty="0">
+                <a:solidFill>
+                  <a:srgbClr val="0000FF"/>
+                </a:solidFill>
+                <a:latin typeface="Courier New" panose="02070309020205020404" pitchFamily="49" charset="0"/>
+              </a:rPr>
+              <a:t>(</a:t>
+            </a:r>
+            <a:r>
+              <a:rPr lang="en-US" altLang="ko-KR" sz="1600" b="0" i="0" u="none" strike="noStrike" baseline="0" dirty="0">
+                <a:solidFill>
+                  <a:srgbClr val="808000"/>
+                </a:solidFill>
+                <a:latin typeface="Courier New" panose="02070309020205020404" pitchFamily="49" charset="0"/>
+              </a:rPr>
+              <a:t>`M_ID`</a:t>
+            </a:r>
+            <a:r>
+              <a:rPr lang="en-US" altLang="ko-KR" sz="1600" b="0" i="0" u="none" strike="noStrike" baseline="0" dirty="0">
+                <a:solidFill>
+                  <a:srgbClr val="0000FF"/>
+                </a:solidFill>
+                <a:latin typeface="Courier New" panose="02070309020205020404" pitchFamily="49" charset="0"/>
+              </a:rPr>
+              <a:t>)</a:t>
+            </a:r>
+            <a:r>
+              <a:rPr lang="en-US" altLang="ko-KR" sz="1600" b="0" i="0" u="none" strike="noStrike" baseline="0" dirty="0">
+                <a:solidFill>
+                  <a:srgbClr val="000000"/>
+                </a:solidFill>
+                <a:latin typeface="Courier New" panose="02070309020205020404" pitchFamily="49" charset="0"/>
+              </a:rPr>
+              <a:t> </a:t>
+            </a:r>
+            <a:r>
+              <a:rPr lang="en-US" altLang="ko-KR" sz="1600" b="1" i="0" u="none" strike="noStrike" baseline="0" dirty="0">
+                <a:solidFill>
+                  <a:srgbClr val="0000FF"/>
+                </a:solidFill>
+                <a:latin typeface="Courier New" panose="02070309020205020404" pitchFamily="49" charset="0"/>
+              </a:rPr>
+              <a:t>ON</a:t>
+            </a:r>
+            <a:r>
+              <a:rPr lang="en-US" altLang="ko-KR" sz="1600" b="0" i="0" u="none" strike="noStrike" baseline="0" dirty="0">
+                <a:solidFill>
+                  <a:srgbClr val="000000"/>
+                </a:solidFill>
+                <a:latin typeface="Courier New" panose="02070309020205020404" pitchFamily="49" charset="0"/>
+              </a:rPr>
+              <a:t> </a:t>
+            </a:r>
+            <a:r>
+              <a:rPr lang="en-US" altLang="ko-KR" sz="1600" b="1" i="0" u="none" strike="noStrike" baseline="0" dirty="0">
+                <a:solidFill>
+                  <a:srgbClr val="0000FF"/>
+                </a:solidFill>
+                <a:latin typeface="Courier New" panose="02070309020205020404" pitchFamily="49" charset="0"/>
+              </a:rPr>
+              <a:t>UPDATE</a:t>
+            </a:r>
+            <a:r>
+              <a:rPr lang="en-US" altLang="ko-KR" sz="1600" b="0" i="0" u="none" strike="noStrike" baseline="0" dirty="0">
+                <a:solidFill>
+                  <a:srgbClr val="000000"/>
+                </a:solidFill>
+                <a:latin typeface="Courier New" panose="02070309020205020404" pitchFamily="49" charset="0"/>
+              </a:rPr>
+              <a:t> </a:t>
+            </a:r>
+            <a:r>
+              <a:rPr lang="en-US" altLang="ko-KR" sz="1600" b="1" i="0" u="none" strike="noStrike" baseline="0" dirty="0">
+                <a:solidFill>
+                  <a:srgbClr val="0000FF"/>
+                </a:solidFill>
+                <a:latin typeface="Courier New" panose="02070309020205020404" pitchFamily="49" charset="0"/>
+              </a:rPr>
+              <a:t>NO</a:t>
+            </a:r>
+            <a:r>
+              <a:rPr lang="en-US" altLang="ko-KR" sz="1600" b="0" i="0" u="none" strike="noStrike" baseline="0" dirty="0">
+                <a:solidFill>
+                  <a:srgbClr val="000000"/>
+                </a:solidFill>
+                <a:latin typeface="Courier New" panose="02070309020205020404" pitchFamily="49" charset="0"/>
+              </a:rPr>
+              <a:t> </a:t>
+            </a:r>
+            <a:r>
+              <a:rPr lang="en-US" altLang="ko-KR" sz="1600" b="1" i="0" u="none" strike="noStrike" baseline="0" dirty="0">
+                <a:solidFill>
+                  <a:srgbClr val="0000FF"/>
+                </a:solidFill>
+                <a:latin typeface="Courier New" panose="02070309020205020404" pitchFamily="49" charset="0"/>
+              </a:rPr>
+              <a:t>ACTION</a:t>
+            </a:r>
+            <a:r>
+              <a:rPr lang="en-US" altLang="ko-KR" sz="1600" b="0" i="0" u="none" strike="noStrike" baseline="0" dirty="0">
+                <a:solidFill>
+                  <a:srgbClr val="000000"/>
+                </a:solidFill>
+                <a:latin typeface="Courier New" panose="02070309020205020404" pitchFamily="49" charset="0"/>
+              </a:rPr>
+              <a:t> </a:t>
+            </a:r>
+            <a:r>
+              <a:rPr lang="en-US" altLang="ko-KR" sz="1600" b="1" i="0" u="none" strike="noStrike" baseline="0" dirty="0">
+                <a:solidFill>
+                  <a:srgbClr val="0000FF"/>
+                </a:solidFill>
+                <a:latin typeface="Courier New" panose="02070309020205020404" pitchFamily="49" charset="0"/>
+              </a:rPr>
+              <a:t>ON</a:t>
+            </a:r>
+            <a:r>
+              <a:rPr lang="en-US" altLang="ko-KR" sz="1600" b="0" i="0" u="none" strike="noStrike" baseline="0" dirty="0">
+                <a:solidFill>
+                  <a:srgbClr val="000000"/>
+                </a:solidFill>
+                <a:latin typeface="Courier New" panose="02070309020205020404" pitchFamily="49" charset="0"/>
+              </a:rPr>
+              <a:t> </a:t>
+            </a:r>
+            <a:r>
+              <a:rPr lang="en-US" altLang="ko-KR" sz="1600" b="1" i="0" u="none" strike="noStrike" baseline="0" dirty="0">
+                <a:solidFill>
+                  <a:srgbClr val="0000FF"/>
+                </a:solidFill>
+                <a:latin typeface="Courier New" panose="02070309020205020404" pitchFamily="49" charset="0"/>
+              </a:rPr>
+              <a:t>DELETE</a:t>
+            </a:r>
+            <a:r>
+              <a:rPr lang="en-US" altLang="ko-KR" sz="1600" b="0" i="0" u="none" strike="noStrike" baseline="0" dirty="0">
+                <a:solidFill>
+                  <a:srgbClr val="000000"/>
+                </a:solidFill>
+                <a:latin typeface="Courier New" panose="02070309020205020404" pitchFamily="49" charset="0"/>
+              </a:rPr>
+              <a:t> </a:t>
+            </a:r>
+            <a:r>
+              <a:rPr lang="en-US" altLang="ko-KR" sz="1600" b="1" i="0" u="none" strike="noStrike" baseline="0" dirty="0">
+                <a:solidFill>
+                  <a:srgbClr val="0000FF"/>
+                </a:solidFill>
+                <a:latin typeface="Courier New" panose="02070309020205020404" pitchFamily="49" charset="0"/>
+              </a:rPr>
+              <a:t>NO</a:t>
+            </a:r>
+            <a:r>
+              <a:rPr lang="en-US" altLang="ko-KR" sz="1600" b="0" i="0" u="none" strike="noStrike" baseline="0" dirty="0">
+                <a:solidFill>
+                  <a:srgbClr val="000000"/>
+                </a:solidFill>
+                <a:latin typeface="Courier New" panose="02070309020205020404" pitchFamily="49" charset="0"/>
+              </a:rPr>
+              <a:t> </a:t>
+            </a:r>
+            <a:r>
+              <a:rPr lang="en-US" altLang="ko-KR" sz="1600" b="1" i="0" u="none" strike="noStrike" baseline="0" dirty="0">
+                <a:solidFill>
+                  <a:srgbClr val="0000FF"/>
+                </a:solidFill>
+                <a:latin typeface="Courier New" panose="02070309020205020404" pitchFamily="49" charset="0"/>
+              </a:rPr>
+              <a:t>ACTION</a:t>
+            </a:r>
+          </a:p>
+          <a:p>
+            <a:r>
+              <a:rPr lang="en-US" altLang="ko-KR" sz="1600" b="0" i="0" u="none" strike="noStrike" baseline="0" dirty="0">
+                <a:solidFill>
+                  <a:srgbClr val="0000FF"/>
+                </a:solidFill>
+                <a:latin typeface="Courier New" panose="02070309020205020404" pitchFamily="49" charset="0"/>
+              </a:rPr>
+              <a:t>)</a:t>
+            </a:r>
+          </a:p>
+          <a:p>
+            <a:r>
+              <a:rPr lang="en-US" altLang="ko-KR" sz="1600" b="1" i="0" u="none" strike="noStrike" baseline="0" dirty="0">
+                <a:solidFill>
+                  <a:srgbClr val="0000FF"/>
+                </a:solidFill>
+                <a:latin typeface="Courier New" panose="02070309020205020404" pitchFamily="49" charset="0"/>
+              </a:rPr>
+              <a:t>COLLATE</a:t>
+            </a:r>
+            <a:r>
+              <a:rPr lang="en-US" altLang="ko-KR" sz="1600" b="0" i="0" u="none" strike="noStrike" baseline="0" dirty="0">
+                <a:solidFill>
+                  <a:srgbClr val="0000FF"/>
+                </a:solidFill>
+                <a:latin typeface="Courier New" panose="02070309020205020404" pitchFamily="49" charset="0"/>
+              </a:rPr>
+              <a:t>=</a:t>
+            </a:r>
+            <a:r>
+              <a:rPr lang="en-US" altLang="ko-KR" sz="1600" b="0" i="0" u="none" strike="noStrike" baseline="0" dirty="0">
+                <a:solidFill>
+                  <a:srgbClr val="008000"/>
+                </a:solidFill>
+                <a:latin typeface="Courier New" panose="02070309020205020404" pitchFamily="49" charset="0"/>
+              </a:rPr>
+              <a:t>'utf8mb3_bin'</a:t>
+            </a:r>
+          </a:p>
+          <a:p>
+            <a:r>
+              <a:rPr lang="en-US" altLang="ko-KR" sz="1600" b="1" i="0" u="none" strike="noStrike" baseline="0" dirty="0">
+                <a:solidFill>
+                  <a:srgbClr val="0000FF"/>
+                </a:solidFill>
+                <a:latin typeface="Courier New" panose="02070309020205020404" pitchFamily="49" charset="0"/>
+              </a:rPr>
+              <a:t>ENGINE</a:t>
+            </a:r>
+            <a:r>
+              <a:rPr lang="en-US" altLang="ko-KR" sz="1600" b="0" i="0" u="none" strike="noStrike" baseline="0" dirty="0">
+                <a:solidFill>
+                  <a:srgbClr val="0000FF"/>
+                </a:solidFill>
+                <a:latin typeface="Courier New" panose="02070309020205020404" pitchFamily="49" charset="0"/>
+              </a:rPr>
+              <a:t>=</a:t>
+            </a:r>
+            <a:r>
+              <a:rPr lang="en-US" altLang="ko-KR" sz="1600" b="1" i="0" u="none" strike="noStrike" baseline="0" dirty="0" err="1">
+                <a:solidFill>
+                  <a:srgbClr val="800000"/>
+                </a:solidFill>
+                <a:latin typeface="Courier New" panose="02070309020205020404" pitchFamily="49" charset="0"/>
+              </a:rPr>
+              <a:t>InnoDB</a:t>
+            </a:r>
+            <a:endParaRPr lang="en-US" altLang="ko-KR" sz="1600" b="1" i="0" u="none" strike="noStrike" baseline="0" dirty="0">
+              <a:solidFill>
+                <a:srgbClr val="800000"/>
+              </a:solidFill>
+              <a:latin typeface="Courier New" panose="02070309020205020404" pitchFamily="49" charset="0"/>
+            </a:endParaRPr>
+          </a:p>
+          <a:p>
+            <a:r>
+              <a:rPr lang="en-US" altLang="ko-KR" sz="1600" b="0" i="0" u="none" strike="noStrike" baseline="0" dirty="0">
+                <a:solidFill>
+                  <a:srgbClr val="0000FF"/>
+                </a:solidFill>
+                <a:latin typeface="Courier New" panose="02070309020205020404" pitchFamily="49" charset="0"/>
+              </a:rPr>
+              <a:t>;</a:t>
+            </a:r>
+          </a:p>
+          <a:p>
+            <a:endParaRPr lang="ko-KR" altLang="en-US" sz="1600" b="0" i="0" u="none" strike="noStrike" baseline="0" dirty="0">
+              <a:solidFill>
+                <a:srgbClr val="0000FF"/>
+              </a:solidFill>
+              <a:latin typeface="Courier New" panose="02070309020205020404" pitchFamily="49" charset="0"/>
+            </a:endParaRPr>
+          </a:p>
+        </p:txBody>
+      </p:sp>
+    </p:spTree>
+    <p:extLst>
+      <p:ext uri="{BB962C8B-B14F-4D97-AF65-F5344CB8AC3E}">
+        <p14:creationId xmlns:p14="http://schemas.microsoft.com/office/powerpoint/2010/main" val="1302806890"/>
+      </p:ext>
+    </p:extLst>
+  </p:cSld>
+  <p:clrMapOvr>
+    <a:masterClrMapping/>
+  </p:clrMapOvr>
+</p:sld>
+</file>
+
+<file path=ppt/slides/slide6.xml><?xml version="1.0" encoding="utf-8"?>
 <p:sld xmlns:a="http://schemas.openxmlformats.org/drawingml/2006/main" xmlns:r="http://schemas.openxmlformats.org/officeDocument/2006/relationships" xmlns:p="http://schemas.openxmlformats.org/presentationml/2006/main">
   <p:cSld>
     <p:spTree>
@@ -19580,7 +22754,7 @@
 </p:sld>
 </file>
 
-<file path=ppt/slides/slide5.xml><?xml version="1.0" encoding="utf-8"?>
+<file path=ppt/slides/slide7.xml><?xml version="1.0" encoding="utf-8"?>
 <p:sld xmlns:a="http://schemas.openxmlformats.org/drawingml/2006/main" xmlns:r="http://schemas.openxmlformats.org/officeDocument/2006/relationships" xmlns:p="http://schemas.openxmlformats.org/presentationml/2006/main">
   <p:cSld>
     <p:spTree>
